--- a/introduction_matlabObjectOrientedProgramming.pptx
+++ b/introduction_matlabObjectOrientedProgramming.pptx
@@ -186,7 +186,7 @@
           <a:p>
             <a:fld id="{92ABB2FB-6345-45FF-A90E-A01D6AFF79C4}" type="datetimeFigureOut">
               <a:rPr lang="en-US" smtClean="0"/>
-              <a:t>12/18/18</a:t>
+              <a:t>12/19/18</a:t>
             </a:fld>
             <a:endParaRPr lang="en-US"/>
           </a:p>
@@ -363,7 +363,7 @@
           <a:p>
             <a:fld id="{DCC6978D-169D-4110-A16B-2595AC07B6B0}" type="datetimeFigureOut">
               <a:rPr lang="en-US" smtClean="0"/>
-              <a:t>12/18/18</a:t>
+              <a:t>12/19/18</a:t>
             </a:fld>
             <a:endParaRPr lang="en-US"/>
           </a:p>
@@ -5742,14 +5742,14 @@
           </a:ln>
           <a:extLst>
             <a:ext uri="{909E8E84-426E-40dd-AFC4-6F175D3DCCD1}">
-              <a14:hiddenFill xmlns="" xmlns:a14="http://schemas.microsoft.com/office/drawing/2010/main">
+              <a14:hiddenFill xmlns:a14="http://schemas.microsoft.com/office/drawing/2010/main" xmlns="">
                 <a:solidFill>
                   <a:srgbClr val="FFFFFF"/>
                 </a:solidFill>
               </a14:hiddenFill>
             </a:ext>
             <a:ext uri="{91240B29-F687-4f45-9708-019B960494DF}">
-              <a14:hiddenLine xmlns="" xmlns:a14="http://schemas.microsoft.com/office/drawing/2010/main" w="9525">
+              <a14:hiddenLine xmlns:a14="http://schemas.microsoft.com/office/drawing/2010/main" xmlns="" w="9525">
                 <a:solidFill>
                   <a:srgbClr val="000000"/>
                 </a:solidFill>
@@ -8352,14 +8352,14 @@
           </a:ln>
           <a:extLst>
             <a:ext uri="{909E8E84-426E-40dd-AFC4-6F175D3DCCD1}">
-              <a14:hiddenFill xmlns="" xmlns:a14="http://schemas.microsoft.com/office/drawing/2010/main">
+              <a14:hiddenFill xmlns:a14="http://schemas.microsoft.com/office/drawing/2010/main" xmlns="">
                 <a:solidFill>
                   <a:srgbClr val="FFFFFF"/>
                 </a:solidFill>
               </a14:hiddenFill>
             </a:ext>
             <a:ext uri="{91240B29-F687-4f45-9708-019B960494DF}">
-              <a14:hiddenLine xmlns="" xmlns:a14="http://schemas.microsoft.com/office/drawing/2010/main" w="9525">
+              <a14:hiddenLine xmlns:a14="http://schemas.microsoft.com/office/drawing/2010/main" xmlns="" w="9525">
                 <a:solidFill>
                   <a:srgbClr val="000000"/>
                 </a:solidFill>
@@ -11659,7 +11659,7 @@
           <a:p>
             <a:r>
               <a:rPr lang="en-US" sz="1400" dirty="0"/>
-              <a:t>Download examples:</a:t>
+              <a:t>Download examples &amp; templates:</a:t>
             </a:r>
           </a:p>
           <a:p>
@@ -11750,6 +11750,51 @@
                 </a:solidFill>
               </a:rPr>
               <a:t>^</a:t>
+            </a:r>
+          </a:p>
+        </p:txBody>
+      </p:sp>
+      <p:sp>
+        <p:nvSpPr>
+          <p:cNvPr id="8" name="TextBox 7">
+            <a:extLst>
+              <a:ext uri="{FF2B5EF4-FFF2-40B4-BE49-F238E27FC236}">
+                <a16:creationId xmlns:a16="http://schemas.microsoft.com/office/drawing/2014/main" id="{525AAC10-FEEE-6C4F-A520-3E6FCE418DD9}"/>
+              </a:ext>
+            </a:extLst>
+          </p:cNvPr>
+          <p:cNvSpPr txBox="1"/>
+          <p:nvPr/>
+        </p:nvSpPr>
+        <p:spPr>
+          <a:xfrm>
+            <a:off x="0" y="6642556"/>
+            <a:ext cx="3962944" cy="215444"/>
+          </a:xfrm>
+          <a:prstGeom prst="rect">
+            <a:avLst/>
+          </a:prstGeom>
+          <a:noFill/>
+        </p:spPr>
+        <p:txBody>
+          <a:bodyPr wrap="none" rtlCol="0">
+            <a:spAutoFit/>
+          </a:bodyPr>
+          <a:lstStyle/>
+          <a:p>
+            <a:r>
+              <a:rPr lang="en-US" sz="800" dirty="0"/>
+              <a:t>Image source: </a:t>
+            </a:r>
+            <a:r>
+              <a:rPr lang="en-US" sz="800" dirty="0">
+                <a:hlinkClick r:id="rId4"/>
+              </a:rPr>
+              <a:t>https://www.gamedevmarket.net/asset/knights-fighting-sword-duel/</a:t>
+            </a:r>
+            <a:r>
+              <a:rPr lang="en-US" sz="800" dirty="0"/>
+              <a:t>  </a:t>
             </a:r>
           </a:p>
         </p:txBody>
@@ -12171,7 +12216,7 @@
         </p:nvSpPr>
         <p:spPr>
           <a:xfrm>
-            <a:off x="6809591" y="6011782"/>
+            <a:off x="6808966" y="5734783"/>
             <a:ext cx="4544834" cy="646331"/>
           </a:xfrm>
           <a:prstGeom prst="rect">
@@ -12456,7 +12501,7 @@
         </p:nvSpPr>
         <p:spPr>
           <a:xfrm>
-            <a:off x="5972426" y="5916809"/>
+            <a:off x="5600529" y="5734783"/>
             <a:ext cx="6186309" cy="646331"/>
           </a:xfrm>
           <a:prstGeom prst="rect">

--- a/introduction_matlabObjectOrientedProgramming.pptx
+++ b/introduction_matlabObjectOrientedProgramming.pptx
@@ -7,10 +7,10 @@
     <p:sldMasterId id="2147483701" r:id="rId3"/>
   </p:sldMasterIdLst>
   <p:notesMasterIdLst>
-    <p:notesMasterId r:id="rId11"/>
+    <p:notesMasterId r:id="rId14"/>
   </p:notesMasterIdLst>
   <p:handoutMasterIdLst>
-    <p:handoutMasterId r:id="rId12"/>
+    <p:handoutMasterId r:id="rId15"/>
   </p:handoutMasterIdLst>
   <p:sldIdLst>
     <p:sldId id="258" r:id="rId4"/>
@@ -18,8 +18,11 @@
     <p:sldId id="259" r:id="rId6"/>
     <p:sldId id="261" r:id="rId7"/>
     <p:sldId id="260" r:id="rId8"/>
-    <p:sldId id="262" r:id="rId9"/>
-    <p:sldId id="263" r:id="rId10"/>
+    <p:sldId id="264" r:id="rId9"/>
+    <p:sldId id="262" r:id="rId10"/>
+    <p:sldId id="266" r:id="rId11"/>
+    <p:sldId id="263" r:id="rId12"/>
+    <p:sldId id="267" r:id="rId13"/>
   </p:sldIdLst>
   <p:sldSz cx="12192000" cy="6858000"/>
   <p:notesSz cx="6858000" cy="9144000"/>
@@ -186,7 +189,7 @@
           <a:p>
             <a:fld id="{92ABB2FB-6345-45FF-A90E-A01D6AFF79C4}" type="datetimeFigureOut">
               <a:rPr lang="en-US" smtClean="0"/>
-              <a:t>12/19/18</a:t>
+              <a:t>12/20/18</a:t>
             </a:fld>
             <a:endParaRPr lang="en-US"/>
           </a:p>
@@ -363,7 +366,7 @@
           <a:p>
             <a:fld id="{DCC6978D-169D-4110-A16B-2595AC07B6B0}" type="datetimeFigureOut">
               <a:rPr lang="en-US" smtClean="0"/>
-              <a:t>12/19/18</a:t>
+              <a:t>12/20/18</a:t>
             </a:fld>
             <a:endParaRPr lang="en-US"/>
           </a:p>
@@ -5742,14 +5745,14 @@
           </a:ln>
           <a:extLst>
             <a:ext uri="{909E8E84-426E-40dd-AFC4-6F175D3DCCD1}">
-              <a14:hiddenFill xmlns:a14="http://schemas.microsoft.com/office/drawing/2010/main" xmlns="">
+              <a14:hiddenFill xmlns="" xmlns:a14="http://schemas.microsoft.com/office/drawing/2010/main">
                 <a:solidFill>
                   <a:srgbClr val="FFFFFF"/>
                 </a:solidFill>
               </a14:hiddenFill>
             </a:ext>
             <a:ext uri="{91240B29-F687-4f45-9708-019B960494DF}">
-              <a14:hiddenLine xmlns:a14="http://schemas.microsoft.com/office/drawing/2010/main" xmlns="" w="9525">
+              <a14:hiddenLine xmlns="" xmlns:a14="http://schemas.microsoft.com/office/drawing/2010/main" w="9525">
                 <a:solidFill>
                   <a:srgbClr val="000000"/>
                 </a:solidFill>
@@ -8352,14 +8355,14 @@
           </a:ln>
           <a:extLst>
             <a:ext uri="{909E8E84-426E-40dd-AFC4-6F175D3DCCD1}">
-              <a14:hiddenFill xmlns:a14="http://schemas.microsoft.com/office/drawing/2010/main" xmlns="">
+              <a14:hiddenFill xmlns="" xmlns:a14="http://schemas.microsoft.com/office/drawing/2010/main">
                 <a:solidFill>
                   <a:srgbClr val="FFFFFF"/>
                 </a:solidFill>
               </a14:hiddenFill>
             </a:ext>
             <a:ext uri="{91240B29-F687-4f45-9708-019B960494DF}">
-              <a14:hiddenLine xmlns:a14="http://schemas.microsoft.com/office/drawing/2010/main" xmlns="" w="9525">
+              <a14:hiddenLine xmlns="" xmlns:a14="http://schemas.microsoft.com/office/drawing/2010/main" w="9525">
                 <a:solidFill>
                   <a:srgbClr val="000000"/>
                 </a:solidFill>
@@ -11456,6 +11459,408 @@
 </p:sld>
 </file>
 
+<file path=ppt/slides/slide10.xml><?xml version="1.0" encoding="utf-8"?>
+<p:sld xmlns:a="http://schemas.openxmlformats.org/drawingml/2006/main" xmlns:r="http://schemas.openxmlformats.org/officeDocument/2006/relationships" xmlns:p="http://schemas.openxmlformats.org/presentationml/2006/main">
+  <p:cSld>
+    <p:spTree>
+      <p:nvGrpSpPr>
+        <p:cNvPr id="1" name=""/>
+        <p:cNvGrpSpPr/>
+        <p:nvPr/>
+      </p:nvGrpSpPr>
+      <p:grpSpPr>
+        <a:xfrm>
+          <a:off x="0" y="0"/>
+          <a:ext cx="0" cy="0"/>
+          <a:chOff x="0" y="0"/>
+          <a:chExt cx="0" cy="0"/>
+        </a:xfrm>
+      </p:grpSpPr>
+      <p:sp>
+        <p:nvSpPr>
+          <p:cNvPr id="6" name="Title 5">
+            <a:extLst>
+              <a:ext uri="{FF2B5EF4-FFF2-40B4-BE49-F238E27FC236}">
+                <a16:creationId xmlns:a16="http://schemas.microsoft.com/office/drawing/2014/main" id="{2E89989E-D04C-B847-9B11-F02A6FD2A1C4}"/>
+              </a:ext>
+            </a:extLst>
+          </p:cNvPr>
+          <p:cNvSpPr>
+            <a:spLocks noGrp="1"/>
+          </p:cNvSpPr>
+          <p:nvPr>
+            <p:ph type="title"/>
+          </p:nvPr>
+        </p:nvSpPr>
+        <p:spPr>
+          <a:xfrm>
+            <a:off x="2945296" y="345177"/>
+            <a:ext cx="6301409" cy="610234"/>
+          </a:xfrm>
+        </p:spPr>
+        <p:txBody>
+          <a:bodyPr/>
+          <a:lstStyle/>
+          <a:p>
+            <a:r>
+              <a:rPr lang="en-US" dirty="0"/>
+              <a:t>Your turn!</a:t>
+            </a:r>
+          </a:p>
+        </p:txBody>
+      </p:sp>
+      <p:sp>
+        <p:nvSpPr>
+          <p:cNvPr id="7" name="Subtitle 6">
+            <a:extLst>
+              <a:ext uri="{FF2B5EF4-FFF2-40B4-BE49-F238E27FC236}">
+                <a16:creationId xmlns:a16="http://schemas.microsoft.com/office/drawing/2014/main" id="{EBA0E148-4C2A-9348-A1BA-5D0C16BD646B}"/>
+              </a:ext>
+            </a:extLst>
+          </p:cNvPr>
+          <p:cNvSpPr>
+            <a:spLocks noGrp="1"/>
+          </p:cNvSpPr>
+          <p:nvPr>
+            <p:ph type="subTitle" idx="1"/>
+          </p:nvPr>
+        </p:nvSpPr>
+        <p:spPr>
+          <a:xfrm>
+            <a:off x="2945296" y="962686"/>
+            <a:ext cx="6301409" cy="191427"/>
+          </a:xfrm>
+        </p:spPr>
+        <p:txBody>
+          <a:bodyPr/>
+          <a:lstStyle/>
+          <a:p>
+            <a:r>
+              <a:rPr lang="en-US" dirty="0"/>
+              <a:t>Exercise 3</a:t>
+            </a:r>
+          </a:p>
+        </p:txBody>
+      </p:sp>
+      <p:sp>
+        <p:nvSpPr>
+          <p:cNvPr id="8" name="Text Placeholder 7">
+            <a:extLst>
+              <a:ext uri="{FF2B5EF4-FFF2-40B4-BE49-F238E27FC236}">
+                <a16:creationId xmlns:a16="http://schemas.microsoft.com/office/drawing/2014/main" id="{9A16DD07-06AF-8A4C-918A-515C4EF779FA}"/>
+              </a:ext>
+            </a:extLst>
+          </p:cNvPr>
+          <p:cNvSpPr>
+            <a:spLocks noGrp="1"/>
+          </p:cNvSpPr>
+          <p:nvPr>
+            <p:ph type="body" sz="quarter" idx="10"/>
+          </p:nvPr>
+        </p:nvSpPr>
+        <p:spPr>
+          <a:xfrm>
+            <a:off x="2090569" y="1343951"/>
+            <a:ext cx="8064650" cy="5168872"/>
+          </a:xfrm>
+        </p:spPr>
+        <p:txBody>
+          <a:bodyPr>
+            <a:normAutofit/>
+          </a:bodyPr>
+          <a:lstStyle/>
+          <a:p>
+            <a:pPr marL="457200" indent="-457200" algn="l">
+              <a:buFont typeface="Arial" panose="020B0604020202020204" pitchFamily="34" charset="0"/>
+              <a:buAutoNum type="arabicPeriod"/>
+            </a:pPr>
+            <a:r>
+              <a:rPr lang="en-US" dirty="0"/>
+              <a:t>Open </a:t>
+            </a:r>
+            <a:r>
+              <a:rPr lang="en-US" dirty="0">
+                <a:solidFill>
+                  <a:srgbClr val="0070C0"/>
+                </a:solidFill>
+                <a:latin typeface="Courier" pitchFamily="2" charset="0"/>
+              </a:rPr>
+              <a:t>templates/</a:t>
+            </a:r>
+            <a:r>
+              <a:rPr lang="en-US" dirty="0" err="1">
+                <a:solidFill>
+                  <a:srgbClr val="0070C0"/>
+                </a:solidFill>
+                <a:latin typeface="Courier" pitchFamily="2" charset="0"/>
+              </a:rPr>
+              <a:t>objectOrientedHandleClass.m</a:t>
+            </a:r>
+            <a:endParaRPr lang="en-US" dirty="0">
+              <a:solidFill>
+                <a:srgbClr val="0070C0"/>
+              </a:solidFill>
+              <a:latin typeface="Courier" pitchFamily="2" charset="0"/>
+            </a:endParaRPr>
+          </a:p>
+          <a:p>
+            <a:pPr marL="457200" indent="-457200" algn="l">
+              <a:buAutoNum type="arabicPeriod"/>
+            </a:pPr>
+            <a:r>
+              <a:rPr lang="en-US" dirty="0"/>
+              <a:t>Rename it to something else (a class of object)</a:t>
+            </a:r>
+          </a:p>
+          <a:p>
+            <a:pPr marL="914400" lvl="1" indent="-457200" algn="l">
+              <a:buFont typeface="Arial" panose="020B0604020202020204" pitchFamily="34" charset="0"/>
+              <a:buChar char="•"/>
+            </a:pPr>
+            <a:r>
+              <a:rPr lang="en-US" dirty="0"/>
+              <a:t>e.g. </a:t>
+            </a:r>
+            <a:r>
+              <a:rPr lang="en-US" dirty="0" err="1">
+                <a:solidFill>
+                  <a:srgbClr val="0070C0"/>
+                </a:solidFill>
+                <a:latin typeface="Courier" pitchFamily="2" charset="0"/>
+              </a:rPr>
+              <a:t>warehouse.m</a:t>
+            </a:r>
+            <a:endParaRPr lang="en-US" dirty="0"/>
+          </a:p>
+          <a:p>
+            <a:pPr marL="457200" indent="-457200" algn="l">
+              <a:buAutoNum type="arabicPeriod"/>
+            </a:pPr>
+            <a:r>
+              <a:rPr lang="en-US" dirty="0"/>
+              <a:t>Add a property that could contain your original object</a:t>
+            </a:r>
+          </a:p>
+          <a:p>
+            <a:pPr marL="914400" lvl="1" indent="-457200" algn="l">
+              <a:buFont typeface="Arial" panose="020B0604020202020204" pitchFamily="34" charset="0"/>
+              <a:buChar char="•"/>
+            </a:pPr>
+            <a:r>
+              <a:rPr lang="en-US" dirty="0"/>
+              <a:t>e.g. </a:t>
+            </a:r>
+            <a:r>
+              <a:rPr lang="en-US" dirty="0">
+                <a:solidFill>
+                  <a:srgbClr val="0070C0"/>
+                </a:solidFill>
+                <a:latin typeface="Courier" pitchFamily="2" charset="0"/>
+              </a:rPr>
+              <a:t>barrels</a:t>
+            </a:r>
+            <a:endParaRPr lang="en-US" dirty="0"/>
+          </a:p>
+          <a:p>
+            <a:pPr marL="457200" indent="-457200" algn="l">
+              <a:buAutoNum type="arabicPeriod"/>
+            </a:pPr>
+            <a:r>
+              <a:rPr lang="en-US" dirty="0"/>
+              <a:t>Update constructor function</a:t>
+            </a:r>
+          </a:p>
+          <a:p>
+            <a:pPr marL="914400" lvl="1" indent="-457200" algn="l">
+              <a:buFont typeface="Arial" panose="020B0604020202020204" pitchFamily="34" charset="0"/>
+              <a:buChar char="•"/>
+            </a:pPr>
+            <a:r>
+              <a:rPr lang="en-US" dirty="0"/>
+              <a:t>e.g. </a:t>
+            </a:r>
+            <a:r>
+              <a:rPr lang="en-US" dirty="0">
+                <a:solidFill>
+                  <a:srgbClr val="0070C0"/>
+                </a:solidFill>
+                <a:latin typeface="Courier" pitchFamily="2" charset="0"/>
+              </a:rPr>
+              <a:t>function </a:t>
+            </a:r>
+            <a:r>
+              <a:rPr lang="en-US" dirty="0" err="1">
+                <a:solidFill>
+                  <a:srgbClr val="0070C0"/>
+                </a:solidFill>
+                <a:latin typeface="Courier" pitchFamily="2" charset="0"/>
+              </a:rPr>
+              <a:t>obj</a:t>
+            </a:r>
+            <a:r>
+              <a:rPr lang="en-US" dirty="0">
+                <a:solidFill>
+                  <a:srgbClr val="0070C0"/>
+                </a:solidFill>
+                <a:latin typeface="Courier" pitchFamily="2" charset="0"/>
+              </a:rPr>
+              <a:t> = warehouse(location)</a:t>
+            </a:r>
+            <a:endParaRPr lang="en-US" dirty="0"/>
+          </a:p>
+          <a:p>
+            <a:pPr marL="457200" indent="-457200" algn="l">
+              <a:buAutoNum type="arabicPeriod"/>
+            </a:pPr>
+            <a:r>
+              <a:rPr lang="en-US" dirty="0"/>
+              <a:t>Implement way to create an “object of objects”</a:t>
+            </a:r>
+          </a:p>
+          <a:p>
+            <a:pPr marL="914400" lvl="1" indent="-457200" algn="l">
+              <a:buFont typeface="Arial" panose="020B0604020202020204" pitchFamily="34" charset="0"/>
+              <a:buChar char="•"/>
+            </a:pPr>
+            <a:r>
+              <a:rPr lang="en-US" dirty="0"/>
+              <a:t>e.g. </a:t>
+            </a:r>
+            <a:r>
+              <a:rPr lang="en-US" dirty="0">
+                <a:solidFill>
+                  <a:srgbClr val="0070C0"/>
+                </a:solidFill>
+                <a:latin typeface="Courier" pitchFamily="2" charset="0"/>
+              </a:rPr>
+              <a:t>function </a:t>
+            </a:r>
+            <a:r>
+              <a:rPr lang="en-US" dirty="0" err="1">
+                <a:solidFill>
+                  <a:srgbClr val="0070C0"/>
+                </a:solidFill>
+                <a:latin typeface="Courier" pitchFamily="2" charset="0"/>
+              </a:rPr>
+              <a:t>addBarrel</a:t>
+            </a:r>
+            <a:r>
+              <a:rPr lang="en-US" dirty="0">
+                <a:solidFill>
+                  <a:srgbClr val="0070C0"/>
+                </a:solidFill>
+                <a:latin typeface="Courier" pitchFamily="2" charset="0"/>
+              </a:rPr>
+              <a:t>(</a:t>
+            </a:r>
+            <a:r>
+              <a:rPr lang="en-US" dirty="0" err="1">
+                <a:solidFill>
+                  <a:srgbClr val="0070C0"/>
+                </a:solidFill>
+                <a:latin typeface="Courier" pitchFamily="2" charset="0"/>
+              </a:rPr>
+              <a:t>obj,nMonkeys</a:t>
+            </a:r>
+            <a:r>
+              <a:rPr lang="en-US" dirty="0">
+                <a:solidFill>
+                  <a:srgbClr val="0070C0"/>
+                </a:solidFill>
+                <a:latin typeface="Courier" pitchFamily="2" charset="0"/>
+              </a:rPr>
+              <a:t>)</a:t>
+            </a:r>
+            <a:endParaRPr lang="en-US" dirty="0"/>
+          </a:p>
+          <a:p>
+            <a:pPr marL="457200" indent="-457200" algn="l">
+              <a:buFont typeface="Arial" panose="020B0604020202020204" pitchFamily="34" charset="0"/>
+              <a:buAutoNum type="arabicPeriod"/>
+            </a:pPr>
+            <a:r>
+              <a:rPr lang="en-US" dirty="0"/>
+              <a:t>Write a driver file to fill your new object with your original objects</a:t>
+            </a:r>
+          </a:p>
+          <a:p>
+            <a:pPr marL="914400" lvl="1" indent="-457200" algn="l">
+              <a:buFont typeface="Arial" panose="020B0604020202020204" pitchFamily="34" charset="0"/>
+              <a:buChar char="•"/>
+            </a:pPr>
+            <a:r>
+              <a:rPr lang="en-US" dirty="0"/>
+              <a:t>e.g. </a:t>
+            </a:r>
+            <a:r>
+              <a:rPr lang="en-US" dirty="0" err="1">
+                <a:solidFill>
+                  <a:srgbClr val="0070C0"/>
+                </a:solidFill>
+                <a:latin typeface="Courier" pitchFamily="2" charset="0"/>
+              </a:rPr>
+              <a:t>monkeyWarehouseExample.m</a:t>
+            </a:r>
+            <a:r>
+              <a:rPr lang="en-US" dirty="0"/>
+              <a:t> creates a warehouse with 5 empty barrels, so I then fill up half of them</a:t>
+            </a:r>
+            <a:endParaRPr lang="en-US" dirty="0">
+              <a:solidFill>
+                <a:srgbClr val="0070C0"/>
+              </a:solidFill>
+              <a:latin typeface="Courier" pitchFamily="2" charset="0"/>
+            </a:endParaRPr>
+          </a:p>
+        </p:txBody>
+      </p:sp>
+      <p:sp>
+        <p:nvSpPr>
+          <p:cNvPr id="5" name="Slide Number Placeholder 4">
+            <a:extLst>
+              <a:ext uri="{FF2B5EF4-FFF2-40B4-BE49-F238E27FC236}">
+                <a16:creationId xmlns:a16="http://schemas.microsoft.com/office/drawing/2014/main" id="{10231D7A-DD6D-0B43-94F8-716B648B9F87}"/>
+              </a:ext>
+            </a:extLst>
+          </p:cNvPr>
+          <p:cNvSpPr>
+            <a:spLocks noGrp="1"/>
+          </p:cNvSpPr>
+          <p:nvPr>
+            <p:ph type="sldNum" sz="quarter" idx="11"/>
+          </p:nvPr>
+        </p:nvSpPr>
+        <p:spPr>
+          <a:xfrm>
+            <a:off x="11786838" y="5771480"/>
+            <a:ext cx="405161" cy="365125"/>
+          </a:xfrm>
+        </p:spPr>
+        <p:txBody>
+          <a:bodyPr/>
+          <a:lstStyle/>
+          <a:p>
+            <a:fld id="{E62A57C8-5936-4048-93E2-2CC94939D132}" type="slidenum">
+              <a:rPr lang="en-US" smtClean="0"/>
+              <a:t>10</a:t>
+            </a:fld>
+            <a:endParaRPr lang="en-US"/>
+          </a:p>
+        </p:txBody>
+      </p:sp>
+    </p:spTree>
+    <p:extLst>
+      <p:ext uri="{BB962C8B-B14F-4D97-AF65-F5344CB8AC3E}">
+        <p14:creationId xmlns:p14="http://schemas.microsoft.com/office/powerpoint/2010/main" val="1348162986"/>
+      </p:ext>
+    </p:extLst>
+  </p:cSld>
+  <p:clrMapOvr>
+    <a:masterClrMapping/>
+  </p:clrMapOvr>
+</p:sld>
+</file>
+
 <file path=ppt/slides/slide2.xml><?xml version="1.0" encoding="utf-8"?>
 <p:sld xmlns:a="http://schemas.openxmlformats.org/drawingml/2006/main" xmlns:r="http://schemas.openxmlformats.org/officeDocument/2006/relationships" xmlns:p="http://schemas.openxmlformats.org/presentationml/2006/main">
   <p:cSld>
@@ -11767,8 +12172,8 @@
           <p:nvPr/>
         </p:nvSpPr>
         <p:spPr>
-          <a:xfrm>
-            <a:off x="0" y="6642556"/>
+          <a:xfrm rot="16200000">
+            <a:off x="10102806" y="4768806"/>
             <a:ext cx="3962944" cy="215444"/>
           </a:xfrm>
           <a:prstGeom prst="rect">
@@ -12502,7 +12907,7 @@
         <p:spPr>
           <a:xfrm>
             <a:off x="5600529" y="5734783"/>
-            <a:ext cx="6186309" cy="646331"/>
+            <a:ext cx="6186309" cy="923330"/>
           </a:xfrm>
           <a:prstGeom prst="rect">
             <a:avLst/>
@@ -12510,7 +12915,7 @@
           <a:noFill/>
         </p:spPr>
         <p:txBody>
-          <a:bodyPr wrap="none" rtlCol="0">
+          <a:bodyPr wrap="square" rtlCol="0">
             <a:spAutoFit/>
           </a:bodyPr>
           <a:lstStyle/>
@@ -12523,7 +12928,7 @@
           <a:p>
             <a:r>
               <a:rPr lang="en-US" dirty="0"/>
-              <a:t>The constants are useful for consistent style of many plots.</a:t>
+              <a:t>The constants are useful for consistent style of many plots, as well as setting locations of certain folders.</a:t>
             </a:r>
           </a:p>
         </p:txBody>
@@ -12560,10 +12965,10 @@
       </p:grpSpPr>
       <p:sp>
         <p:nvSpPr>
-          <p:cNvPr id="2" name="Title 1">
-            <a:extLst>
-              <a:ext uri="{FF2B5EF4-FFF2-40B4-BE49-F238E27FC236}">
-                <a16:creationId xmlns:a16="http://schemas.microsoft.com/office/drawing/2014/main" id="{F290A067-F07B-0046-8728-F04690F28C53}"/>
+          <p:cNvPr id="6" name="Title 5">
+            <a:extLst>
+              <a:ext uri="{FF2B5EF4-FFF2-40B4-BE49-F238E27FC236}">
+                <a16:creationId xmlns:a16="http://schemas.microsoft.com/office/drawing/2014/main" id="{2E89989E-D04C-B847-9B11-F02A6FD2A1C4}"/>
               </a:ext>
             </a:extLst>
           </p:cNvPr>
@@ -12576,8 +12981,8 @@
         </p:nvSpPr>
         <p:spPr>
           <a:xfrm>
-            <a:off x="193638" y="476886"/>
-            <a:ext cx="11804724" cy="610234"/>
+            <a:off x="2945296" y="1259577"/>
+            <a:ext cx="6301409" cy="610234"/>
           </a:xfrm>
         </p:spPr>
         <p:txBody>
@@ -12586,31 +12991,64 @@
           <a:p>
             <a:r>
               <a:rPr lang="en-US" dirty="0"/>
-              <a:t>Example 4: MatLab object oriented programming</a:t>
-            </a:r>
-          </a:p>
-        </p:txBody>
-      </p:sp>
-      <p:sp>
-        <p:nvSpPr>
-          <p:cNvPr id="3" name="Content Placeholder 2">
-            <a:extLst>
-              <a:ext uri="{FF2B5EF4-FFF2-40B4-BE49-F238E27FC236}">
-                <a16:creationId xmlns:a16="http://schemas.microsoft.com/office/drawing/2014/main" id="{2E58624B-8B68-A14B-BA0A-0183266D0F3F}"/>
-              </a:ext>
-            </a:extLst>
-          </p:cNvPr>
-          <p:cNvSpPr>
-            <a:spLocks noGrp="1"/>
-          </p:cNvSpPr>
-          <p:nvPr>
-            <p:ph idx="1"/>
-          </p:nvPr>
-        </p:nvSpPr>
-        <p:spPr>
-          <a:xfrm>
-            <a:off x="838200" y="1825625"/>
-            <a:ext cx="10515600" cy="4338508"/>
+              <a:t>Your turn!</a:t>
+            </a:r>
+          </a:p>
+        </p:txBody>
+      </p:sp>
+      <p:sp>
+        <p:nvSpPr>
+          <p:cNvPr id="7" name="Subtitle 6">
+            <a:extLst>
+              <a:ext uri="{FF2B5EF4-FFF2-40B4-BE49-F238E27FC236}">
+                <a16:creationId xmlns:a16="http://schemas.microsoft.com/office/drawing/2014/main" id="{EBA0E148-4C2A-9348-A1BA-5D0C16BD646B}"/>
+              </a:ext>
+            </a:extLst>
+          </p:cNvPr>
+          <p:cNvSpPr>
+            <a:spLocks noGrp="1"/>
+          </p:cNvSpPr>
+          <p:nvPr>
+            <p:ph type="subTitle" idx="1"/>
+          </p:nvPr>
+        </p:nvSpPr>
+        <p:spPr>
+          <a:xfrm>
+            <a:off x="2945296" y="1877086"/>
+            <a:ext cx="6301409" cy="191427"/>
+          </a:xfrm>
+        </p:spPr>
+        <p:txBody>
+          <a:bodyPr/>
+          <a:lstStyle/>
+          <a:p>
+            <a:r>
+              <a:rPr lang="en-US" dirty="0"/>
+              <a:t>Exercise 1</a:t>
+            </a:r>
+          </a:p>
+        </p:txBody>
+      </p:sp>
+      <p:sp>
+        <p:nvSpPr>
+          <p:cNvPr id="8" name="Text Placeholder 7">
+            <a:extLst>
+              <a:ext uri="{FF2B5EF4-FFF2-40B4-BE49-F238E27FC236}">
+                <a16:creationId xmlns:a16="http://schemas.microsoft.com/office/drawing/2014/main" id="{9A16DD07-06AF-8A4C-918A-515C4EF779FA}"/>
+              </a:ext>
+            </a:extLst>
+          </p:cNvPr>
+          <p:cNvSpPr>
+            <a:spLocks noGrp="1"/>
+          </p:cNvSpPr>
+          <p:nvPr>
+            <p:ph type="body" sz="quarter" idx="10"/>
+          </p:nvPr>
+        </p:nvSpPr>
+        <p:spPr>
+          <a:xfrm>
+            <a:off x="2361304" y="2258351"/>
+            <a:ext cx="7469392" cy="3695691"/>
           </a:xfrm>
         </p:spPr>
         <p:txBody>
@@ -12619,161 +13057,202 @@
           </a:bodyPr>
           <a:lstStyle/>
           <a:p>
-            <a:r>
-              <a:rPr lang="en-US" b="1" dirty="0"/>
-              <a:t>What is awesome:</a:t>
-            </a:r>
-            <a:endParaRPr lang="en-US" dirty="0"/>
-          </a:p>
-          <a:p>
-            <a:pPr marL="342900" indent="-342900">
+            <a:pPr marL="457200" indent="-457200" algn="l">
+              <a:buFont typeface="Arial" panose="020B0604020202020204" pitchFamily="34" charset="0"/>
+              <a:buAutoNum type="arabicPeriod"/>
+            </a:pPr>
+            <a:r>
+              <a:rPr lang="en-US" dirty="0"/>
+              <a:t>Open </a:t>
+            </a:r>
+            <a:r>
+              <a:rPr lang="en-US" dirty="0">
+                <a:solidFill>
+                  <a:srgbClr val="0070C0"/>
+                </a:solidFill>
+                <a:latin typeface="Courier" pitchFamily="2" charset="0"/>
+              </a:rPr>
+              <a:t>templates/</a:t>
+            </a:r>
+            <a:r>
+              <a:rPr lang="en-US" dirty="0" err="1">
+                <a:solidFill>
+                  <a:srgbClr val="0070C0"/>
+                </a:solidFill>
+                <a:latin typeface="Courier" pitchFamily="2" charset="0"/>
+              </a:rPr>
+              <a:t>staticClass.m</a:t>
+            </a:r>
+            <a:endParaRPr lang="en-US" dirty="0">
+              <a:solidFill>
+                <a:srgbClr val="0070C0"/>
+              </a:solidFill>
+              <a:latin typeface="Courier" pitchFamily="2" charset="0"/>
+            </a:endParaRPr>
+          </a:p>
+          <a:p>
+            <a:pPr marL="457200" indent="-457200" algn="l">
+              <a:buAutoNum type="arabicPeriod"/>
+            </a:pPr>
+            <a:r>
+              <a:rPr lang="en-US" dirty="0"/>
+              <a:t>Rename it to something else </a:t>
+            </a:r>
+          </a:p>
+          <a:p>
+            <a:pPr marL="914400" lvl="1" indent="-457200" algn="l">
               <a:buFont typeface="Arial" panose="020B0604020202020204" pitchFamily="34" charset="0"/>
               <a:buChar char="•"/>
             </a:pPr>
             <a:r>
               <a:rPr lang="en-US" dirty="0"/>
-              <a:t>Creates </a:t>
-            </a:r>
-            <a:r>
-              <a:rPr lang="en-US" b="1" dirty="0"/>
-              <a:t>instances</a:t>
-            </a:r>
-            <a:r>
-              <a:rPr lang="en-US" b="1" i="1" dirty="0"/>
-              <a:t> </a:t>
-            </a:r>
+              <a:t>e.g. </a:t>
+            </a:r>
+            <a:r>
+              <a:rPr lang="en-US" dirty="0" err="1">
+                <a:solidFill>
+                  <a:srgbClr val="0070C0"/>
+                </a:solidFill>
+                <a:latin typeface="Courier" pitchFamily="2" charset="0"/>
+              </a:rPr>
+              <a:t>ageFunctions.m</a:t>
+            </a:r>
+            <a:endParaRPr lang="en-US" dirty="0"/>
+          </a:p>
+          <a:p>
+            <a:pPr marL="457200" indent="-457200" algn="l">
+              <a:buAutoNum type="arabicPeriod"/>
+            </a:pPr>
             <a:r>
               <a:rPr lang="en-US" dirty="0"/>
-              <a:t>of </a:t>
-            </a:r>
-            <a:r>
-              <a:rPr lang="en-US" i="1" dirty="0"/>
-              <a:t>objects</a:t>
-            </a:r>
-            <a:r>
-              <a:rPr lang="en-US" dirty="0"/>
-              <a:t>, with specific </a:t>
-            </a:r>
-            <a:r>
-              <a:rPr lang="en-US" b="1" dirty="0"/>
-              <a:t>properties </a:t>
-            </a:r>
-            <a:r>
-              <a:rPr lang="en-US" dirty="0"/>
-              <a:t>and </a:t>
-            </a:r>
-            <a:r>
-              <a:rPr lang="en-US" b="1" dirty="0"/>
-              <a:t>functions</a:t>
-            </a:r>
-            <a:r>
-              <a:rPr lang="en-US" dirty="0"/>
-              <a:t>.</a:t>
-            </a:r>
-          </a:p>
-          <a:p>
-            <a:pPr marL="342900" indent="-342900">
+              <a:t>Add two new properties to the class </a:t>
+            </a:r>
+          </a:p>
+          <a:p>
+            <a:pPr marL="914400" lvl="1" indent="-457200" algn="l">
               <a:buFont typeface="Arial" panose="020B0604020202020204" pitchFamily="34" charset="0"/>
               <a:buChar char="•"/>
             </a:pPr>
             <a:r>
               <a:rPr lang="en-US" dirty="0"/>
-              <a:t>Can have constraints on setting properties</a:t>
-            </a:r>
-          </a:p>
-          <a:p>
-            <a:pPr marL="342900" indent="-342900">
+              <a:t>e.g. </a:t>
+            </a:r>
+            <a:r>
+              <a:rPr lang="en-US" dirty="0" err="1">
+                <a:solidFill>
+                  <a:srgbClr val="0070C0"/>
+                </a:solidFill>
+                <a:latin typeface="Courier" pitchFamily="2" charset="0"/>
+              </a:rPr>
+              <a:t>worldRecordAge</a:t>
+            </a:r>
+            <a:endParaRPr lang="en-US" dirty="0"/>
+          </a:p>
+          <a:p>
+            <a:pPr marL="457200" indent="-457200" algn="l">
+              <a:buAutoNum type="arabicPeriod"/>
+            </a:pPr>
+            <a:r>
+              <a:rPr lang="en-US" dirty="0"/>
+              <a:t>Write two new functions in the class, get creative! </a:t>
+            </a:r>
+          </a:p>
+          <a:p>
+            <a:pPr marL="914400" lvl="1" indent="-457200" algn="l">
               <a:buFont typeface="Arial" panose="020B0604020202020204" pitchFamily="34" charset="0"/>
               <a:buChar char="•"/>
             </a:pPr>
             <a:r>
               <a:rPr lang="en-US" dirty="0"/>
-              <a:t>Properties can be dependent on other properties</a:t>
-            </a:r>
-          </a:p>
-          <a:p>
-            <a:pPr marL="342900" indent="-342900">
+              <a:t>e.g. </a:t>
+            </a:r>
+            <a:r>
+              <a:rPr lang="en-US" dirty="0">
+                <a:solidFill>
+                  <a:srgbClr val="0070C0"/>
+                </a:solidFill>
+                <a:latin typeface="Courier" pitchFamily="2" charset="0"/>
+              </a:rPr>
+              <a:t>years = </a:t>
+            </a:r>
+            <a:r>
+              <a:rPr lang="en-US" dirty="0" err="1">
+                <a:solidFill>
+                  <a:srgbClr val="0070C0"/>
+                </a:solidFill>
+                <a:latin typeface="Courier" pitchFamily="2" charset="0"/>
+              </a:rPr>
+              <a:t>howManyYearsToBreakRecord</a:t>
+            </a:r>
+            <a:r>
+              <a:rPr lang="en-US" dirty="0">
+                <a:solidFill>
+                  <a:srgbClr val="0070C0"/>
+                </a:solidFill>
+                <a:latin typeface="Courier" pitchFamily="2" charset="0"/>
+              </a:rPr>
+              <a:t>(DOB)</a:t>
+            </a:r>
+            <a:endParaRPr lang="en-US" dirty="0"/>
+          </a:p>
+          <a:p>
+            <a:pPr marL="457200" indent="-457200" algn="l">
+              <a:buAutoNum type="arabicPeriod"/>
+            </a:pPr>
+            <a:r>
+              <a:rPr lang="en-US" dirty="0"/>
+              <a:t>Write a driver file to practice using functions from the class </a:t>
+            </a:r>
+          </a:p>
+          <a:p>
+            <a:pPr marL="914400" lvl="1" indent="-457200" algn="l">
               <a:buFont typeface="Arial" panose="020B0604020202020204" pitchFamily="34" charset="0"/>
               <a:buChar char="•"/>
             </a:pPr>
             <a:r>
               <a:rPr lang="en-US" dirty="0"/>
-              <a:t>“objects of objects”</a:t>
-            </a:r>
-          </a:p>
-          <a:p>
-            <a:pPr marL="342900" indent="-342900">
-              <a:buFont typeface="Arial" panose="020B0604020202020204" pitchFamily="34" charset="0"/>
-              <a:buChar char="•"/>
-            </a:pPr>
-            <a:endParaRPr lang="en-US" dirty="0"/>
-          </a:p>
-          <a:p>
-            <a:r>
-              <a:rPr lang="en-US" b="1" dirty="0"/>
-              <a:t>What is not awesome:</a:t>
-            </a:r>
-          </a:p>
-          <a:p>
-            <a:pPr marL="342900" indent="-342900">
-              <a:buFont typeface="Arial" panose="020B0604020202020204" pitchFamily="34" charset="0"/>
-              <a:buChar char="•"/>
-            </a:pPr>
-            <a:r>
-              <a:rPr lang="en-US" dirty="0"/>
-              <a:t>Objects need to be re-saved whenever properties change, overwriting past object</a:t>
-            </a:r>
-          </a:p>
-          <a:p>
-            <a:pPr marL="342900" indent="-342900">
-              <a:buFont typeface="Arial" panose="020B0604020202020204" pitchFamily="34" charset="0"/>
-              <a:buChar char="•"/>
-            </a:pPr>
-            <a:r>
-              <a:rPr lang="en-US" dirty="0"/>
-              <a:t>Can be tricky to keep track of when objects change</a:t>
-            </a:r>
-          </a:p>
-          <a:p>
-            <a:pPr marL="342900" indent="-342900">
-              <a:buFont typeface="Arial" panose="020B0604020202020204" pitchFamily="34" charset="0"/>
-              <a:buChar char="•"/>
-            </a:pPr>
-            <a:endParaRPr lang="en-US" dirty="0"/>
-          </a:p>
-          <a:p>
-            <a:pPr marL="342900" indent="-342900">
-              <a:buFont typeface="Arial" panose="020B0604020202020204" pitchFamily="34" charset="0"/>
-              <a:buChar char="•"/>
-            </a:pPr>
-            <a:endParaRPr lang="en-US" i="1" dirty="0"/>
-          </a:p>
-          <a:p>
-            <a:pPr marL="342900" indent="-342900">
-              <a:buFont typeface="Arial" panose="020B0604020202020204" pitchFamily="34" charset="0"/>
-              <a:buChar char="•"/>
-            </a:pPr>
-            <a:endParaRPr lang="en-US" dirty="0"/>
-          </a:p>
-        </p:txBody>
-      </p:sp>
-      <p:sp>
-        <p:nvSpPr>
-          <p:cNvPr id="4" name="Slide Number Placeholder 3">
-            <a:extLst>
-              <a:ext uri="{FF2B5EF4-FFF2-40B4-BE49-F238E27FC236}">
-                <a16:creationId xmlns:a16="http://schemas.microsoft.com/office/drawing/2014/main" id="{4A11F5FE-2285-774F-980F-237EE5879233}"/>
-              </a:ext>
-            </a:extLst>
-          </p:cNvPr>
-          <p:cNvSpPr>
-            <a:spLocks noGrp="1"/>
-          </p:cNvSpPr>
-          <p:nvPr>
-            <p:ph type="sldNum" sz="quarter" idx="10"/>
-          </p:nvPr>
-        </p:nvSpPr>
-        <p:spPr/>
+              <a:t>e.g. </a:t>
+            </a:r>
+            <a:r>
+              <a:rPr lang="en-US" dirty="0" err="1">
+                <a:solidFill>
+                  <a:srgbClr val="0070C0"/>
+                </a:solidFill>
+                <a:latin typeface="Courier" pitchFamily="2" charset="0"/>
+              </a:rPr>
+              <a:t>ageFunctionsExample.m</a:t>
+            </a:r>
+            <a:endParaRPr lang="en-US" dirty="0">
+              <a:solidFill>
+                <a:srgbClr val="0070C0"/>
+              </a:solidFill>
+              <a:latin typeface="Courier" pitchFamily="2" charset="0"/>
+            </a:endParaRPr>
+          </a:p>
+        </p:txBody>
+      </p:sp>
+      <p:sp>
+        <p:nvSpPr>
+          <p:cNvPr id="5" name="Slide Number Placeholder 4">
+            <a:extLst>
+              <a:ext uri="{FF2B5EF4-FFF2-40B4-BE49-F238E27FC236}">
+                <a16:creationId xmlns:a16="http://schemas.microsoft.com/office/drawing/2014/main" id="{10231D7A-DD6D-0B43-94F8-716B648B9F87}"/>
+              </a:ext>
+            </a:extLst>
+          </p:cNvPr>
+          <p:cNvSpPr>
+            <a:spLocks noGrp="1"/>
+          </p:cNvSpPr>
+          <p:nvPr>
+            <p:ph type="sldNum" sz="quarter" idx="11"/>
+          </p:nvPr>
+        </p:nvSpPr>
+        <p:spPr>
+          <a:xfrm>
+            <a:off x="11786838" y="5771480"/>
+            <a:ext cx="405161" cy="365125"/>
+          </a:xfrm>
+        </p:spPr>
         <p:txBody>
           <a:bodyPr/>
           <a:lstStyle/>
@@ -12789,7 +13268,7 @@
     </p:spTree>
     <p:extLst>
       <p:ext uri="{BB962C8B-B14F-4D97-AF65-F5344CB8AC3E}">
-        <p14:creationId xmlns:p14="http://schemas.microsoft.com/office/powerpoint/2010/main" val="601621790"/>
+        <p14:creationId xmlns:p14="http://schemas.microsoft.com/office/powerpoint/2010/main" val="3554227658"/>
       </p:ext>
     </p:extLst>
   </p:cSld>
@@ -12839,47 +13318,45 @@
           </a:xfrm>
         </p:spPr>
         <p:txBody>
+          <a:bodyPr/>
+          <a:lstStyle/>
+          <a:p>
+            <a:r>
+              <a:rPr lang="en-US" dirty="0"/>
+              <a:t>Example 4: MatLab object oriented programming</a:t>
+            </a:r>
+          </a:p>
+        </p:txBody>
+      </p:sp>
+      <p:sp>
+        <p:nvSpPr>
+          <p:cNvPr id="3" name="Content Placeholder 2">
+            <a:extLst>
+              <a:ext uri="{FF2B5EF4-FFF2-40B4-BE49-F238E27FC236}">
+                <a16:creationId xmlns:a16="http://schemas.microsoft.com/office/drawing/2014/main" id="{2E58624B-8B68-A14B-BA0A-0183266D0F3F}"/>
+              </a:ext>
+            </a:extLst>
+          </p:cNvPr>
+          <p:cNvSpPr>
+            <a:spLocks noGrp="1"/>
+          </p:cNvSpPr>
+          <p:nvPr>
+            <p:ph idx="1"/>
+          </p:nvPr>
+        </p:nvSpPr>
+        <p:spPr>
+          <a:xfrm>
+            <a:off x="838200" y="1825625"/>
+            <a:ext cx="10515600" cy="4338508"/>
+          </a:xfrm>
+        </p:spPr>
+        <p:txBody>
           <a:bodyPr>
             <a:normAutofit/>
           </a:bodyPr>
           <a:lstStyle/>
           <a:p>
             <a:r>
-              <a:rPr lang="en-US" dirty="0"/>
-              <a:t>Example 5: MatLab object oriented programming with handle</a:t>
-            </a:r>
-          </a:p>
-        </p:txBody>
-      </p:sp>
-      <p:sp>
-        <p:nvSpPr>
-          <p:cNvPr id="3" name="Content Placeholder 2">
-            <a:extLst>
-              <a:ext uri="{FF2B5EF4-FFF2-40B4-BE49-F238E27FC236}">
-                <a16:creationId xmlns:a16="http://schemas.microsoft.com/office/drawing/2014/main" id="{2E58624B-8B68-A14B-BA0A-0183266D0F3F}"/>
-              </a:ext>
-            </a:extLst>
-          </p:cNvPr>
-          <p:cNvSpPr>
-            <a:spLocks noGrp="1"/>
-          </p:cNvSpPr>
-          <p:nvPr>
-            <p:ph idx="1"/>
-          </p:nvPr>
-        </p:nvSpPr>
-        <p:spPr>
-          <a:xfrm>
-            <a:off x="838200" y="1825624"/>
-            <a:ext cx="10515600" cy="5032375"/>
-          </a:xfrm>
-        </p:spPr>
-        <p:txBody>
-          <a:bodyPr>
-            <a:normAutofit/>
-          </a:bodyPr>
-          <a:lstStyle/>
-          <a:p>
-            <a:r>
               <a:rPr lang="en-US" b="1" dirty="0"/>
               <a:t>What is awesome:</a:t>
             </a:r>
@@ -12959,26 +13436,6 @@
             <a:r>
               <a:rPr lang="en-US" dirty="0"/>
               <a:t>“objects of objects”</a:t>
-            </a:r>
-          </a:p>
-          <a:p>
-            <a:pPr marL="342900" indent="-342900">
-              <a:buFont typeface="Arial" panose="020B0604020202020204" pitchFamily="34" charset="0"/>
-              <a:buChar char="•"/>
-            </a:pPr>
-            <a:r>
-              <a:rPr lang="en-US" dirty="0"/>
-              <a:t>Object properties are saved automatically whenever they change</a:t>
-            </a:r>
-          </a:p>
-          <a:p>
-            <a:pPr marL="342900" indent="-342900">
-              <a:buFont typeface="Arial" panose="020B0604020202020204" pitchFamily="34" charset="0"/>
-              <a:buChar char="•"/>
-            </a:pPr>
-            <a:r>
-              <a:rPr lang="en-US" dirty="0"/>
-              <a:t>Keeping track of objects is intuitive</a:t>
             </a:r>
           </a:p>
           <a:p>
@@ -13001,8 +13458,25 @@
             </a:pPr>
             <a:r>
               <a:rPr lang="en-US" dirty="0"/>
-              <a:t>Might not be ideal for all workflows. Often, static classes are the best place to start.</a:t>
-            </a:r>
+              <a:t>Objects need to be re-saved whenever properties change, overwriting past object</a:t>
+            </a:r>
+          </a:p>
+          <a:p>
+            <a:pPr marL="342900" indent="-342900">
+              <a:buFont typeface="Arial" panose="020B0604020202020204" pitchFamily="34" charset="0"/>
+              <a:buChar char="•"/>
+            </a:pPr>
+            <a:r>
+              <a:rPr lang="en-US" dirty="0"/>
+              <a:t>Can be tricky to keep track of when objects change</a:t>
+            </a:r>
+          </a:p>
+          <a:p>
+            <a:pPr marL="342900" indent="-342900">
+              <a:buFont typeface="Arial" panose="020B0604020202020204" pitchFamily="34" charset="0"/>
+              <a:buChar char="•"/>
+            </a:pPr>
+            <a:endParaRPr lang="en-US" dirty="0"/>
           </a:p>
           <a:p>
             <a:pPr marL="342900" indent="-342900">
@@ -13044,6 +13518,730 @@
             <a:fld id="{E62A57C8-5936-4048-93E2-2CC94939D132}" type="slidenum">
               <a:rPr lang="en-US" smtClean="0"/>
               <a:t>7</a:t>
+            </a:fld>
+            <a:endParaRPr lang="en-US"/>
+          </a:p>
+        </p:txBody>
+      </p:sp>
+    </p:spTree>
+    <p:extLst>
+      <p:ext uri="{BB962C8B-B14F-4D97-AF65-F5344CB8AC3E}">
+        <p14:creationId xmlns:p14="http://schemas.microsoft.com/office/powerpoint/2010/main" val="601621790"/>
+      </p:ext>
+    </p:extLst>
+  </p:cSld>
+  <p:clrMapOvr>
+    <a:masterClrMapping/>
+  </p:clrMapOvr>
+</p:sld>
+</file>
+
+<file path=ppt/slides/slide8.xml><?xml version="1.0" encoding="utf-8"?>
+<p:sld xmlns:a="http://schemas.openxmlformats.org/drawingml/2006/main" xmlns:r="http://schemas.openxmlformats.org/officeDocument/2006/relationships" xmlns:p="http://schemas.openxmlformats.org/presentationml/2006/main">
+  <p:cSld>
+    <p:spTree>
+      <p:nvGrpSpPr>
+        <p:cNvPr id="1" name=""/>
+        <p:cNvGrpSpPr/>
+        <p:nvPr/>
+      </p:nvGrpSpPr>
+      <p:grpSpPr>
+        <a:xfrm>
+          <a:off x="0" y="0"/>
+          <a:ext cx="0" cy="0"/>
+          <a:chOff x="0" y="0"/>
+          <a:chExt cx="0" cy="0"/>
+        </a:xfrm>
+      </p:grpSpPr>
+      <p:sp>
+        <p:nvSpPr>
+          <p:cNvPr id="6" name="Title 5">
+            <a:extLst>
+              <a:ext uri="{FF2B5EF4-FFF2-40B4-BE49-F238E27FC236}">
+                <a16:creationId xmlns:a16="http://schemas.microsoft.com/office/drawing/2014/main" id="{2E89989E-D04C-B847-9B11-F02A6FD2A1C4}"/>
+              </a:ext>
+            </a:extLst>
+          </p:cNvPr>
+          <p:cNvSpPr>
+            <a:spLocks noGrp="1"/>
+          </p:cNvSpPr>
+          <p:nvPr>
+            <p:ph type="title"/>
+          </p:nvPr>
+        </p:nvSpPr>
+        <p:spPr>
+          <a:xfrm>
+            <a:off x="2945296" y="345177"/>
+            <a:ext cx="6301409" cy="610234"/>
+          </a:xfrm>
+        </p:spPr>
+        <p:txBody>
+          <a:bodyPr/>
+          <a:lstStyle/>
+          <a:p>
+            <a:r>
+              <a:rPr lang="en-US" dirty="0"/>
+              <a:t>Your turn!</a:t>
+            </a:r>
+          </a:p>
+        </p:txBody>
+      </p:sp>
+      <p:sp>
+        <p:nvSpPr>
+          <p:cNvPr id="7" name="Subtitle 6">
+            <a:extLst>
+              <a:ext uri="{FF2B5EF4-FFF2-40B4-BE49-F238E27FC236}">
+                <a16:creationId xmlns:a16="http://schemas.microsoft.com/office/drawing/2014/main" id="{EBA0E148-4C2A-9348-A1BA-5D0C16BD646B}"/>
+              </a:ext>
+            </a:extLst>
+          </p:cNvPr>
+          <p:cNvSpPr>
+            <a:spLocks noGrp="1"/>
+          </p:cNvSpPr>
+          <p:nvPr>
+            <p:ph type="subTitle" idx="1"/>
+          </p:nvPr>
+        </p:nvSpPr>
+        <p:spPr>
+          <a:xfrm>
+            <a:off x="2945296" y="962686"/>
+            <a:ext cx="6301409" cy="191427"/>
+          </a:xfrm>
+        </p:spPr>
+        <p:txBody>
+          <a:bodyPr/>
+          <a:lstStyle/>
+          <a:p>
+            <a:r>
+              <a:rPr lang="en-US" dirty="0"/>
+              <a:t>Exercise 2</a:t>
+            </a:r>
+          </a:p>
+        </p:txBody>
+      </p:sp>
+      <p:sp>
+        <p:nvSpPr>
+          <p:cNvPr id="8" name="Text Placeholder 7">
+            <a:extLst>
+              <a:ext uri="{FF2B5EF4-FFF2-40B4-BE49-F238E27FC236}">
+                <a16:creationId xmlns:a16="http://schemas.microsoft.com/office/drawing/2014/main" id="{9A16DD07-06AF-8A4C-918A-515C4EF779FA}"/>
+              </a:ext>
+            </a:extLst>
+          </p:cNvPr>
+          <p:cNvSpPr>
+            <a:spLocks noGrp="1"/>
+          </p:cNvSpPr>
+          <p:nvPr>
+            <p:ph type="body" sz="quarter" idx="10"/>
+          </p:nvPr>
+        </p:nvSpPr>
+        <p:spPr>
+          <a:xfrm>
+            <a:off x="2090569" y="1343951"/>
+            <a:ext cx="8064650" cy="5168872"/>
+          </a:xfrm>
+        </p:spPr>
+        <p:txBody>
+          <a:bodyPr>
+            <a:normAutofit/>
+          </a:bodyPr>
+          <a:lstStyle/>
+          <a:p>
+            <a:pPr marL="457200" indent="-457200" algn="l">
+              <a:buFont typeface="Arial" panose="020B0604020202020204" pitchFamily="34" charset="0"/>
+              <a:buAutoNum type="arabicPeriod"/>
+            </a:pPr>
+            <a:r>
+              <a:rPr lang="en-US" dirty="0"/>
+              <a:t>Open </a:t>
+            </a:r>
+            <a:r>
+              <a:rPr lang="en-US" dirty="0">
+                <a:solidFill>
+                  <a:srgbClr val="0070C0"/>
+                </a:solidFill>
+                <a:latin typeface="Courier" pitchFamily="2" charset="0"/>
+              </a:rPr>
+              <a:t>templates/</a:t>
+            </a:r>
+            <a:r>
+              <a:rPr lang="en-US" dirty="0" err="1">
+                <a:solidFill>
+                  <a:srgbClr val="0070C0"/>
+                </a:solidFill>
+                <a:latin typeface="Courier" pitchFamily="2" charset="0"/>
+              </a:rPr>
+              <a:t>objectOrientedClass.m</a:t>
+            </a:r>
+            <a:endParaRPr lang="en-US" dirty="0">
+              <a:solidFill>
+                <a:srgbClr val="0070C0"/>
+              </a:solidFill>
+              <a:latin typeface="Courier" pitchFamily="2" charset="0"/>
+            </a:endParaRPr>
+          </a:p>
+          <a:p>
+            <a:pPr marL="457200" indent="-457200" algn="l">
+              <a:buAutoNum type="arabicPeriod"/>
+            </a:pPr>
+            <a:r>
+              <a:rPr lang="en-US" dirty="0"/>
+              <a:t>Rename it to something else (a class of object)</a:t>
+            </a:r>
+          </a:p>
+          <a:p>
+            <a:pPr marL="914400" lvl="1" indent="-457200" algn="l">
+              <a:buFont typeface="Arial" panose="020B0604020202020204" pitchFamily="34" charset="0"/>
+              <a:buChar char="•"/>
+            </a:pPr>
+            <a:r>
+              <a:rPr lang="en-US" dirty="0"/>
+              <a:t>e.g. </a:t>
+            </a:r>
+            <a:r>
+              <a:rPr lang="en-US" dirty="0" err="1">
+                <a:solidFill>
+                  <a:srgbClr val="0070C0"/>
+                </a:solidFill>
+                <a:latin typeface="Courier" pitchFamily="2" charset="0"/>
+              </a:rPr>
+              <a:t>barrel.m</a:t>
+            </a:r>
+            <a:endParaRPr lang="en-US" dirty="0"/>
+          </a:p>
+          <a:p>
+            <a:pPr marL="457200" indent="-457200" algn="l">
+              <a:buAutoNum type="arabicPeriod"/>
+            </a:pPr>
+            <a:r>
+              <a:rPr lang="en-US" dirty="0"/>
+              <a:t>Add two new properties to the class </a:t>
+            </a:r>
+          </a:p>
+          <a:p>
+            <a:pPr marL="914400" lvl="1" indent="-457200" algn="l">
+              <a:buFont typeface="Arial" panose="020B0604020202020204" pitchFamily="34" charset="0"/>
+              <a:buChar char="•"/>
+            </a:pPr>
+            <a:r>
+              <a:rPr lang="en-US" dirty="0"/>
+              <a:t>e.g. </a:t>
+            </a:r>
+            <a:r>
+              <a:rPr lang="en-US" dirty="0" err="1">
+                <a:solidFill>
+                  <a:srgbClr val="0070C0"/>
+                </a:solidFill>
+                <a:latin typeface="Courier" pitchFamily="2" charset="0"/>
+              </a:rPr>
+              <a:t>nMonkeys</a:t>
+            </a:r>
+            <a:endParaRPr lang="en-US" dirty="0"/>
+          </a:p>
+          <a:p>
+            <a:pPr marL="457200" indent="-457200" algn="l">
+              <a:buAutoNum type="arabicPeriod"/>
+            </a:pPr>
+            <a:r>
+              <a:rPr lang="en-US" dirty="0"/>
+              <a:t>Add a new dependent property, with a corresponding </a:t>
+            </a:r>
+            <a:r>
+              <a:rPr lang="en-US" dirty="0">
+                <a:solidFill>
+                  <a:srgbClr val="0070C0"/>
+                </a:solidFill>
+                <a:latin typeface="Courier" pitchFamily="2" charset="0"/>
+              </a:rPr>
+              <a:t>get</a:t>
+            </a:r>
+            <a:r>
+              <a:rPr lang="en-US" dirty="0"/>
+              <a:t> function</a:t>
+            </a:r>
+          </a:p>
+          <a:p>
+            <a:pPr marL="914400" lvl="1" indent="-457200" algn="l">
+              <a:buFont typeface="Arial" panose="020B0604020202020204" pitchFamily="34" charset="0"/>
+              <a:buChar char="•"/>
+            </a:pPr>
+            <a:r>
+              <a:rPr lang="en-US" dirty="0"/>
+              <a:t>e.g. </a:t>
+            </a:r>
+            <a:r>
+              <a:rPr lang="en-US" dirty="0" err="1">
+                <a:solidFill>
+                  <a:srgbClr val="0070C0"/>
+                </a:solidFill>
+                <a:latin typeface="Courier" pitchFamily="2" charset="0"/>
+              </a:rPr>
+              <a:t>isFull</a:t>
+            </a:r>
+            <a:endParaRPr lang="en-US" dirty="0"/>
+          </a:p>
+          <a:p>
+            <a:pPr marL="457200" indent="-457200" algn="l">
+              <a:buAutoNum type="arabicPeriod"/>
+            </a:pPr>
+            <a:r>
+              <a:rPr lang="en-US" dirty="0"/>
+              <a:t>Update constructor function</a:t>
+            </a:r>
+          </a:p>
+          <a:p>
+            <a:pPr marL="914400" lvl="1" indent="-457200" algn="l">
+              <a:buFont typeface="Arial" panose="020B0604020202020204" pitchFamily="34" charset="0"/>
+              <a:buChar char="•"/>
+            </a:pPr>
+            <a:r>
+              <a:rPr lang="en-US" dirty="0"/>
+              <a:t>e.g. </a:t>
+            </a:r>
+            <a:r>
+              <a:rPr lang="en-US" dirty="0">
+                <a:solidFill>
+                  <a:srgbClr val="0070C0"/>
+                </a:solidFill>
+                <a:latin typeface="Courier" pitchFamily="2" charset="0"/>
+              </a:rPr>
+              <a:t>function </a:t>
+            </a:r>
+            <a:r>
+              <a:rPr lang="en-US" dirty="0" err="1">
+                <a:solidFill>
+                  <a:srgbClr val="0070C0"/>
+                </a:solidFill>
+                <a:latin typeface="Courier" pitchFamily="2" charset="0"/>
+              </a:rPr>
+              <a:t>obj</a:t>
+            </a:r>
+            <a:r>
+              <a:rPr lang="en-US" dirty="0">
+                <a:solidFill>
+                  <a:srgbClr val="0070C0"/>
+                </a:solidFill>
+                <a:latin typeface="Courier" pitchFamily="2" charset="0"/>
+              </a:rPr>
+              <a:t> = barrel(nMonkeys2Start)</a:t>
+            </a:r>
+            <a:endParaRPr lang="en-US" dirty="0"/>
+          </a:p>
+          <a:p>
+            <a:pPr marL="457200" indent="-457200" algn="l">
+              <a:buAutoNum type="arabicPeriod"/>
+            </a:pPr>
+            <a:r>
+              <a:rPr lang="en-US" dirty="0"/>
+              <a:t>Write two new functions in the class</a:t>
+            </a:r>
+          </a:p>
+          <a:p>
+            <a:pPr marL="914400" lvl="1" indent="-457200" algn="l">
+              <a:buFont typeface="Arial" panose="020B0604020202020204" pitchFamily="34" charset="0"/>
+              <a:buChar char="•"/>
+            </a:pPr>
+            <a:r>
+              <a:rPr lang="en-US" dirty="0"/>
+              <a:t>e.g. </a:t>
+            </a:r>
+            <a:r>
+              <a:rPr lang="en-US" dirty="0">
+                <a:solidFill>
+                  <a:srgbClr val="0070C0"/>
+                </a:solidFill>
+                <a:latin typeface="Courier" pitchFamily="2" charset="0"/>
+              </a:rPr>
+              <a:t>function </a:t>
+            </a:r>
+            <a:r>
+              <a:rPr lang="en-US" dirty="0" err="1">
+                <a:solidFill>
+                  <a:srgbClr val="0070C0"/>
+                </a:solidFill>
+                <a:latin typeface="Courier" pitchFamily="2" charset="0"/>
+              </a:rPr>
+              <a:t>obj</a:t>
+            </a:r>
+            <a:r>
+              <a:rPr lang="en-US" dirty="0">
+                <a:solidFill>
+                  <a:srgbClr val="0070C0"/>
+                </a:solidFill>
+                <a:latin typeface="Courier" pitchFamily="2" charset="0"/>
+              </a:rPr>
+              <a:t> = </a:t>
+            </a:r>
+            <a:r>
+              <a:rPr lang="en-US" dirty="0" err="1">
+                <a:solidFill>
+                  <a:srgbClr val="0070C0"/>
+                </a:solidFill>
+                <a:latin typeface="Courier" pitchFamily="2" charset="0"/>
+              </a:rPr>
+              <a:t>addMonkeys</a:t>
+            </a:r>
+            <a:r>
+              <a:rPr lang="en-US" dirty="0">
+                <a:solidFill>
+                  <a:srgbClr val="0070C0"/>
+                </a:solidFill>
+                <a:latin typeface="Courier" pitchFamily="2" charset="0"/>
+              </a:rPr>
+              <a:t>(</a:t>
+            </a:r>
+            <a:r>
+              <a:rPr lang="en-US" dirty="0" err="1">
+                <a:solidFill>
+                  <a:srgbClr val="0070C0"/>
+                </a:solidFill>
+                <a:latin typeface="Courier" pitchFamily="2" charset="0"/>
+              </a:rPr>
+              <a:t>nMonkeysNew</a:t>
+            </a:r>
+            <a:r>
+              <a:rPr lang="en-US" dirty="0">
+                <a:solidFill>
+                  <a:srgbClr val="0070C0"/>
+                </a:solidFill>
+                <a:latin typeface="Courier" pitchFamily="2" charset="0"/>
+              </a:rPr>
+              <a:t>)</a:t>
+            </a:r>
+            <a:endParaRPr lang="en-US" dirty="0"/>
+          </a:p>
+          <a:p>
+            <a:pPr marL="457200" indent="-457200" algn="l">
+              <a:buAutoNum type="arabicPeriod"/>
+            </a:pPr>
+            <a:r>
+              <a:rPr lang="en-US" dirty="0"/>
+              <a:t>Write a driver file to create multiple instances of objects</a:t>
+            </a:r>
+          </a:p>
+          <a:p>
+            <a:pPr marL="914400" lvl="1" indent="-457200" algn="l">
+              <a:buFont typeface="Arial" panose="020B0604020202020204" pitchFamily="34" charset="0"/>
+              <a:buChar char="•"/>
+            </a:pPr>
+            <a:r>
+              <a:rPr lang="en-US" dirty="0"/>
+              <a:t>e.g. </a:t>
+            </a:r>
+            <a:r>
+              <a:rPr lang="en-US" dirty="0" err="1">
+                <a:solidFill>
+                  <a:srgbClr val="0070C0"/>
+                </a:solidFill>
+                <a:latin typeface="Courier" pitchFamily="2" charset="0"/>
+              </a:rPr>
+              <a:t>BarrelOfMonkeysExample.m</a:t>
+            </a:r>
+            <a:r>
+              <a:rPr lang="en-US" dirty="0"/>
+              <a:t> creates 2 barrels, one with 5 monkeys inside, the other is originally empty, so I fill it</a:t>
+            </a:r>
+            <a:endParaRPr lang="en-US" dirty="0">
+              <a:solidFill>
+                <a:srgbClr val="0070C0"/>
+              </a:solidFill>
+              <a:latin typeface="Courier" pitchFamily="2" charset="0"/>
+            </a:endParaRPr>
+          </a:p>
+        </p:txBody>
+      </p:sp>
+      <p:sp>
+        <p:nvSpPr>
+          <p:cNvPr id="5" name="Slide Number Placeholder 4">
+            <a:extLst>
+              <a:ext uri="{FF2B5EF4-FFF2-40B4-BE49-F238E27FC236}">
+                <a16:creationId xmlns:a16="http://schemas.microsoft.com/office/drawing/2014/main" id="{10231D7A-DD6D-0B43-94F8-716B648B9F87}"/>
+              </a:ext>
+            </a:extLst>
+          </p:cNvPr>
+          <p:cNvSpPr>
+            <a:spLocks noGrp="1"/>
+          </p:cNvSpPr>
+          <p:nvPr>
+            <p:ph type="sldNum" sz="quarter" idx="11"/>
+          </p:nvPr>
+        </p:nvSpPr>
+        <p:spPr>
+          <a:xfrm>
+            <a:off x="11786838" y="5771480"/>
+            <a:ext cx="405161" cy="365125"/>
+          </a:xfrm>
+        </p:spPr>
+        <p:txBody>
+          <a:bodyPr/>
+          <a:lstStyle/>
+          <a:p>
+            <a:fld id="{E62A57C8-5936-4048-93E2-2CC94939D132}" type="slidenum">
+              <a:rPr lang="en-US" smtClean="0"/>
+              <a:t>8</a:t>
+            </a:fld>
+            <a:endParaRPr lang="en-US"/>
+          </a:p>
+        </p:txBody>
+      </p:sp>
+    </p:spTree>
+    <p:extLst>
+      <p:ext uri="{BB962C8B-B14F-4D97-AF65-F5344CB8AC3E}">
+        <p14:creationId xmlns:p14="http://schemas.microsoft.com/office/powerpoint/2010/main" val="3020385554"/>
+      </p:ext>
+    </p:extLst>
+  </p:cSld>
+  <p:clrMapOvr>
+    <a:masterClrMapping/>
+  </p:clrMapOvr>
+</p:sld>
+</file>
+
+<file path=ppt/slides/slide9.xml><?xml version="1.0" encoding="utf-8"?>
+<p:sld xmlns:a="http://schemas.openxmlformats.org/drawingml/2006/main" xmlns:r="http://schemas.openxmlformats.org/officeDocument/2006/relationships" xmlns:p="http://schemas.openxmlformats.org/presentationml/2006/main">
+  <p:cSld>
+    <p:spTree>
+      <p:nvGrpSpPr>
+        <p:cNvPr id="1" name=""/>
+        <p:cNvGrpSpPr/>
+        <p:nvPr/>
+      </p:nvGrpSpPr>
+      <p:grpSpPr>
+        <a:xfrm>
+          <a:off x="0" y="0"/>
+          <a:ext cx="0" cy="0"/>
+          <a:chOff x="0" y="0"/>
+          <a:chExt cx="0" cy="0"/>
+        </a:xfrm>
+      </p:grpSpPr>
+      <p:sp>
+        <p:nvSpPr>
+          <p:cNvPr id="2" name="Title 1">
+            <a:extLst>
+              <a:ext uri="{FF2B5EF4-FFF2-40B4-BE49-F238E27FC236}">
+                <a16:creationId xmlns:a16="http://schemas.microsoft.com/office/drawing/2014/main" id="{F290A067-F07B-0046-8728-F04690F28C53}"/>
+              </a:ext>
+            </a:extLst>
+          </p:cNvPr>
+          <p:cNvSpPr>
+            <a:spLocks noGrp="1"/>
+          </p:cNvSpPr>
+          <p:nvPr>
+            <p:ph type="title"/>
+          </p:nvPr>
+        </p:nvSpPr>
+        <p:spPr>
+          <a:xfrm>
+            <a:off x="193638" y="476886"/>
+            <a:ext cx="11804724" cy="610234"/>
+          </a:xfrm>
+        </p:spPr>
+        <p:txBody>
+          <a:bodyPr>
+            <a:normAutofit/>
+          </a:bodyPr>
+          <a:lstStyle/>
+          <a:p>
+            <a:r>
+              <a:rPr lang="en-US" dirty="0"/>
+              <a:t>Example 5: MatLab object oriented programming with handle</a:t>
+            </a:r>
+          </a:p>
+        </p:txBody>
+      </p:sp>
+      <p:sp>
+        <p:nvSpPr>
+          <p:cNvPr id="3" name="Content Placeholder 2">
+            <a:extLst>
+              <a:ext uri="{FF2B5EF4-FFF2-40B4-BE49-F238E27FC236}">
+                <a16:creationId xmlns:a16="http://schemas.microsoft.com/office/drawing/2014/main" id="{2E58624B-8B68-A14B-BA0A-0183266D0F3F}"/>
+              </a:ext>
+            </a:extLst>
+          </p:cNvPr>
+          <p:cNvSpPr>
+            <a:spLocks noGrp="1"/>
+          </p:cNvSpPr>
+          <p:nvPr>
+            <p:ph idx="1"/>
+          </p:nvPr>
+        </p:nvSpPr>
+        <p:spPr>
+          <a:xfrm>
+            <a:off x="838200" y="1825624"/>
+            <a:ext cx="10515600" cy="5032375"/>
+          </a:xfrm>
+        </p:spPr>
+        <p:txBody>
+          <a:bodyPr>
+            <a:normAutofit/>
+          </a:bodyPr>
+          <a:lstStyle/>
+          <a:p>
+            <a:r>
+              <a:rPr lang="en-US" b="1" dirty="0"/>
+              <a:t>What is awesome:</a:t>
+            </a:r>
+            <a:endParaRPr lang="en-US" dirty="0"/>
+          </a:p>
+          <a:p>
+            <a:pPr marL="342900" indent="-342900">
+              <a:buFont typeface="Arial" panose="020B0604020202020204" pitchFamily="34" charset="0"/>
+              <a:buChar char="•"/>
+            </a:pPr>
+            <a:r>
+              <a:rPr lang="en-US" dirty="0"/>
+              <a:t>Creates </a:t>
+            </a:r>
+            <a:r>
+              <a:rPr lang="en-US" b="1" dirty="0"/>
+              <a:t>instances</a:t>
+            </a:r>
+            <a:r>
+              <a:rPr lang="en-US" b="1" i="1" dirty="0"/>
+              <a:t> </a:t>
+            </a:r>
+            <a:r>
+              <a:rPr lang="en-US" dirty="0"/>
+              <a:t>of </a:t>
+            </a:r>
+            <a:r>
+              <a:rPr lang="en-US" i="1" dirty="0"/>
+              <a:t>objects</a:t>
+            </a:r>
+            <a:r>
+              <a:rPr lang="en-US" dirty="0"/>
+              <a:t>, with specific </a:t>
+            </a:r>
+            <a:r>
+              <a:rPr lang="en-US" b="1" dirty="0"/>
+              <a:t>properties </a:t>
+            </a:r>
+            <a:r>
+              <a:rPr lang="en-US" dirty="0"/>
+              <a:t>and </a:t>
+            </a:r>
+            <a:r>
+              <a:rPr lang="en-US" b="1" dirty="0"/>
+              <a:t>functions</a:t>
+            </a:r>
+            <a:r>
+              <a:rPr lang="en-US" dirty="0"/>
+              <a:t>.</a:t>
+            </a:r>
+          </a:p>
+          <a:p>
+            <a:pPr marL="342900" indent="-342900">
+              <a:buFont typeface="Arial" panose="020B0604020202020204" pitchFamily="34" charset="0"/>
+              <a:buChar char="•"/>
+            </a:pPr>
+            <a:r>
+              <a:rPr lang="en-US" dirty="0"/>
+              <a:t>Can have constraints on setting properties</a:t>
+            </a:r>
+          </a:p>
+          <a:p>
+            <a:pPr marL="342900" indent="-342900">
+              <a:buFont typeface="Arial" panose="020B0604020202020204" pitchFamily="34" charset="0"/>
+              <a:buChar char="•"/>
+            </a:pPr>
+            <a:r>
+              <a:rPr lang="en-US" dirty="0"/>
+              <a:t>Properties can be dependent on other properties</a:t>
+            </a:r>
+          </a:p>
+          <a:p>
+            <a:pPr marL="342900" indent="-342900">
+              <a:buFont typeface="Arial" panose="020B0604020202020204" pitchFamily="34" charset="0"/>
+              <a:buChar char="•"/>
+            </a:pPr>
+            <a:r>
+              <a:rPr lang="en-US" dirty="0"/>
+              <a:t>“objects of objects”</a:t>
+            </a:r>
+          </a:p>
+          <a:p>
+            <a:pPr marL="342900" indent="-342900">
+              <a:buFont typeface="Arial" panose="020B0604020202020204" pitchFamily="34" charset="0"/>
+              <a:buChar char="•"/>
+            </a:pPr>
+            <a:r>
+              <a:rPr lang="en-US" dirty="0"/>
+              <a:t>Object properties are saved automatically whenever they change</a:t>
+            </a:r>
+          </a:p>
+          <a:p>
+            <a:pPr marL="342900" indent="-342900">
+              <a:buFont typeface="Arial" panose="020B0604020202020204" pitchFamily="34" charset="0"/>
+              <a:buChar char="•"/>
+            </a:pPr>
+            <a:r>
+              <a:rPr lang="en-US" dirty="0"/>
+              <a:t>Keeping track of objects is intuitive</a:t>
+            </a:r>
+          </a:p>
+          <a:p>
+            <a:pPr marL="342900" indent="-342900">
+              <a:buFont typeface="Arial" panose="020B0604020202020204" pitchFamily="34" charset="0"/>
+              <a:buChar char="•"/>
+            </a:pPr>
+            <a:endParaRPr lang="en-US" dirty="0"/>
+          </a:p>
+          <a:p>
+            <a:r>
+              <a:rPr lang="en-US" b="1" dirty="0"/>
+              <a:t>What is not awesome:</a:t>
+            </a:r>
+          </a:p>
+          <a:p>
+            <a:pPr marL="342900" indent="-342900">
+              <a:buFont typeface="Arial" panose="020B0604020202020204" pitchFamily="34" charset="0"/>
+              <a:buChar char="•"/>
+            </a:pPr>
+            <a:r>
+              <a:rPr lang="en-US" dirty="0"/>
+              <a:t>Might not be ideal for all workflows. Often, static classes are the best place to start.</a:t>
+            </a:r>
+          </a:p>
+          <a:p>
+            <a:pPr marL="342900" indent="-342900">
+              <a:buFont typeface="Arial" panose="020B0604020202020204" pitchFamily="34" charset="0"/>
+              <a:buChar char="•"/>
+            </a:pPr>
+            <a:endParaRPr lang="en-US" i="1" dirty="0"/>
+          </a:p>
+          <a:p>
+            <a:pPr marL="342900" indent="-342900">
+              <a:buFont typeface="Arial" panose="020B0604020202020204" pitchFamily="34" charset="0"/>
+              <a:buChar char="•"/>
+            </a:pPr>
+            <a:endParaRPr lang="en-US" dirty="0"/>
+          </a:p>
+        </p:txBody>
+      </p:sp>
+      <p:sp>
+        <p:nvSpPr>
+          <p:cNvPr id="4" name="Slide Number Placeholder 3">
+            <a:extLst>
+              <a:ext uri="{FF2B5EF4-FFF2-40B4-BE49-F238E27FC236}">
+                <a16:creationId xmlns:a16="http://schemas.microsoft.com/office/drawing/2014/main" id="{4A11F5FE-2285-774F-980F-237EE5879233}"/>
+              </a:ext>
+            </a:extLst>
+          </p:cNvPr>
+          <p:cNvSpPr>
+            <a:spLocks noGrp="1"/>
+          </p:cNvSpPr>
+          <p:nvPr>
+            <p:ph type="sldNum" sz="quarter" idx="10"/>
+          </p:nvPr>
+        </p:nvSpPr>
+        <p:spPr/>
+        <p:txBody>
+          <a:bodyPr/>
+          <a:lstStyle/>
+          <a:p>
+            <a:fld id="{E62A57C8-5936-4048-93E2-2CC94939D132}" type="slidenum">
+              <a:rPr lang="en-US" smtClean="0"/>
+              <a:t>9</a:t>
             </a:fld>
             <a:endParaRPr lang="en-US"/>
           </a:p>

--- a/introduction_matlabObjectOrientedProgramming.pptx
+++ b/introduction_matlabObjectOrientedProgramming.pptx
@@ -13,16 +13,16 @@
     <p:handoutMasterId r:id="rId15"/>
   </p:handoutMasterIdLst>
   <p:sldIdLst>
-    <p:sldId id="258" r:id="rId4"/>
+    <p:sldId id="271" r:id="rId4"/>
     <p:sldId id="257" r:id="rId5"/>
     <p:sldId id="259" r:id="rId6"/>
     <p:sldId id="261" r:id="rId7"/>
     <p:sldId id="260" r:id="rId8"/>
-    <p:sldId id="264" r:id="rId9"/>
+    <p:sldId id="268" r:id="rId9"/>
     <p:sldId id="262" r:id="rId10"/>
-    <p:sldId id="266" r:id="rId11"/>
+    <p:sldId id="269" r:id="rId11"/>
     <p:sldId id="263" r:id="rId12"/>
-    <p:sldId id="267" r:id="rId13"/>
+    <p:sldId id="270" r:id="rId13"/>
   </p:sldIdLst>
   <p:sldSz cx="12192000" cy="6858000"/>
   <p:notesSz cx="6858000" cy="9144000"/>
@@ -189,7 +189,7 @@
           <a:p>
             <a:fld id="{92ABB2FB-6345-45FF-A90E-A01D6AFF79C4}" type="datetimeFigureOut">
               <a:rPr lang="en-US" smtClean="0"/>
-              <a:t>12/20/18</a:t>
+              <a:t>12/21/18</a:t>
             </a:fld>
             <a:endParaRPr lang="en-US"/>
           </a:p>
@@ -366,7 +366,7 @@
           <a:p>
             <a:fld id="{DCC6978D-169D-4110-A16B-2595AC07B6B0}" type="datetimeFigureOut">
               <a:rPr lang="en-US" smtClean="0"/>
-              <a:t>12/20/18</a:t>
+              <a:t>12/21/18</a:t>
             </a:fld>
             <a:endParaRPr lang="en-US"/>
           </a:p>
@@ -5745,14 +5745,14 @@
           </a:ln>
           <a:extLst>
             <a:ext uri="{909E8E84-426E-40dd-AFC4-6F175D3DCCD1}">
-              <a14:hiddenFill xmlns="" xmlns:a14="http://schemas.microsoft.com/office/drawing/2010/main">
+              <a14:hiddenFill xmlns:a14="http://schemas.microsoft.com/office/drawing/2010/main" xmlns="">
                 <a:solidFill>
                   <a:srgbClr val="FFFFFF"/>
                 </a:solidFill>
               </a14:hiddenFill>
             </a:ext>
             <a:ext uri="{91240B29-F687-4f45-9708-019B960494DF}">
-              <a14:hiddenLine xmlns="" xmlns:a14="http://schemas.microsoft.com/office/drawing/2010/main" w="9525">
+              <a14:hiddenLine xmlns:a14="http://schemas.microsoft.com/office/drawing/2010/main" xmlns="" w="9525">
                 <a:solidFill>
                   <a:srgbClr val="000000"/>
                 </a:solidFill>
@@ -8355,14 +8355,14 @@
           </a:ln>
           <a:extLst>
             <a:ext uri="{909E8E84-426E-40dd-AFC4-6F175D3DCCD1}">
-              <a14:hiddenFill xmlns="" xmlns:a14="http://schemas.microsoft.com/office/drawing/2010/main">
+              <a14:hiddenFill xmlns:a14="http://schemas.microsoft.com/office/drawing/2010/main" xmlns="">
                 <a:solidFill>
                   <a:srgbClr val="FFFFFF"/>
                 </a:solidFill>
               </a14:hiddenFill>
             </a:ext>
             <a:ext uri="{91240B29-F687-4f45-9708-019B960494DF}">
-              <a14:hiddenLine xmlns="" xmlns:a14="http://schemas.microsoft.com/office/drawing/2010/main" w="9525">
+              <a14:hiddenLine xmlns:a14="http://schemas.microsoft.com/office/drawing/2010/main" xmlns="" w="9525">
                 <a:solidFill>
                   <a:srgbClr val="000000"/>
                 </a:solidFill>
@@ -11331,41 +11331,104 @@
       </p:grpSpPr>
       <p:sp>
         <p:nvSpPr>
-          <p:cNvPr id="2" name="Title 1">
+          <p:cNvPr id="5" name="Title 1">
             <a:extLst>
               <a:ext uri="{FF2B5EF4-FFF2-40B4-BE49-F238E27FC236}">
-                <a16:creationId xmlns:a16="http://schemas.microsoft.com/office/drawing/2014/main" id="{44A323E2-F703-2C45-93AE-BE65789733C1}"/>
+                <a16:creationId xmlns:a16="http://schemas.microsoft.com/office/drawing/2014/main" id="{08D2758D-4D54-4E4B-9614-5BC6A4D53BC8}"/>
               </a:ext>
             </a:extLst>
           </p:cNvPr>
-          <p:cNvSpPr>
-            <a:spLocks noGrp="1"/>
-          </p:cNvSpPr>
-          <p:nvPr>
-            <p:ph type="title"/>
-          </p:nvPr>
+          <p:cNvSpPr txBox="1">
+            <a:spLocks/>
+          </p:cNvSpPr>
+          <p:nvPr/>
         </p:nvSpPr>
         <p:spPr>
           <a:xfrm>
             <a:off x="838200" y="3123883"/>
             <a:ext cx="10515600" cy="610234"/>
           </a:xfrm>
+          <a:prstGeom prst="rect">
+            <a:avLst/>
+          </a:prstGeom>
         </p:spPr>
         <p:txBody>
-          <a:bodyPr>
-            <a:normAutofit fontScale="90000"/>
+          <a:bodyPr vert="horz" lIns="91440" tIns="45720" rIns="91440" bIns="45720" rtlCol="0" anchor="ctr">
+            <a:normAutofit fontScale="75000" lnSpcReduction="20000"/>
           </a:bodyPr>
-          <a:lstStyle/>
-          <a:p>
-            <a:r>
-              <a:rPr lang="en-US" dirty="0"/>
+          <a:lstStyle>
+            <a:lvl1pPr algn="ctr" defTabSz="914400" rtl="0" eaLnBrk="1" latinLnBrk="0" hangingPunct="1">
+              <a:lnSpc>
+                <a:spcPct val="90000"/>
+              </a:lnSpc>
+              <a:spcBef>
+                <a:spcPct val="0"/>
+              </a:spcBef>
+              <a:buNone/>
+              <a:defRPr sz="3000" b="1" kern="1200" spc="0" baseline="0">
+                <a:solidFill>
+                  <a:schemeClr val="tx1"/>
+                </a:solidFill>
+                <a:latin typeface="Arial" panose="020B0604020202020204" pitchFamily="34" charset="0"/>
+                <a:ea typeface="Arial" panose="020B0604020202020204" pitchFamily="34" charset="0"/>
+                <a:cs typeface="Arial" panose="020B0604020202020204" pitchFamily="34" charset="0"/>
+              </a:defRPr>
+            </a:lvl1pPr>
+          </a:lstStyle>
+          <a:p>
+            <a:pPr marL="0" marR="0" lvl="0" indent="0" algn="ctr" defTabSz="914400" rtl="0" eaLnBrk="1" fontAlgn="auto" latinLnBrk="0" hangingPunct="1">
+              <a:lnSpc>
+                <a:spcPct val="90000"/>
+              </a:lnSpc>
+              <a:spcBef>
+                <a:spcPct val="0"/>
+              </a:spcBef>
+              <a:spcAft>
+                <a:spcPts val="0"/>
+              </a:spcAft>
+              <a:buClrTx/>
+              <a:buSzTx/>
+              <a:buFontTx/>
+              <a:buNone/>
+              <a:tabLst/>
+              <a:defRPr/>
+            </a:pPr>
+            <a:r>
+              <a:rPr kumimoji="0" lang="en-US" sz="3000" b="1" i="0" u="none" strike="noStrike" kern="1200" cap="none" spc="0" normalizeH="0" baseline="0" noProof="0" dirty="0">
+                <a:ln>
+                  <a:noFill/>
+                </a:ln>
+                <a:effectLst/>
+                <a:uLnTx/>
+                <a:uFillTx/>
+                <a:latin typeface="Arial" panose="020B0604020202020204" pitchFamily="34" charset="0"/>
+                <a:cs typeface="Arial" panose="020B0604020202020204" pitchFamily="34" charset="0"/>
+              </a:rPr>
               <a:t>Intro to MatLab classes</a:t>
             </a:r>
             <a:br>
-              <a:rPr lang="en-US" dirty="0"/>
+              <a:rPr kumimoji="0" lang="en-US" sz="3000" b="1" i="0" u="none" strike="noStrike" kern="1200" cap="none" spc="0" normalizeH="0" baseline="0" noProof="0" dirty="0">
+                <a:ln>
+                  <a:noFill/>
+                </a:ln>
+                <a:effectLst/>
+                <a:uLnTx/>
+                <a:uFillTx/>
+                <a:latin typeface="Arial" panose="020B0604020202020204" pitchFamily="34" charset="0"/>
+                <a:cs typeface="Arial" panose="020B0604020202020204" pitchFamily="34" charset="0"/>
+              </a:rPr>
             </a:br>
             <a:r>
-              <a:rPr lang="en-US" dirty="0"/>
+              <a:rPr kumimoji="0" lang="en-US" sz="3000" b="1" i="0" u="none" strike="noStrike" kern="1200" cap="none" spc="0" normalizeH="0" baseline="0" noProof="0" dirty="0">
+                <a:ln>
+                  <a:noFill/>
+                </a:ln>
+                <a:effectLst/>
+                <a:uLnTx/>
+                <a:uFillTx/>
+                <a:latin typeface="Arial" panose="020B0604020202020204" pitchFamily="34" charset="0"/>
+                <a:cs typeface="Arial" panose="020B0604020202020204" pitchFamily="34" charset="0"/>
+              </a:rPr>
               <a:t>and Object Oriented Programming</a:t>
             </a:r>
           </a:p>
@@ -11373,45 +11436,294 @@
       </p:sp>
       <p:sp>
         <p:nvSpPr>
-          <p:cNvPr id="3" name="Subtitle 2">
+          <p:cNvPr id="6" name="Subtitle 2">
             <a:extLst>
               <a:ext uri="{FF2B5EF4-FFF2-40B4-BE49-F238E27FC236}">
-                <a16:creationId xmlns:a16="http://schemas.microsoft.com/office/drawing/2014/main" id="{D680A942-9C85-C74E-A743-81A26DD75FAA}"/>
+                <a16:creationId xmlns:a16="http://schemas.microsoft.com/office/drawing/2014/main" id="{0038EDCB-E561-CF4E-9744-273326BD8A28}"/>
               </a:ext>
             </a:extLst>
           </p:cNvPr>
-          <p:cNvSpPr>
-            <a:spLocks noGrp="1"/>
-          </p:cNvSpPr>
-          <p:nvPr>
-            <p:ph type="subTitle" idx="1"/>
-          </p:nvPr>
+          <p:cNvSpPr txBox="1">
+            <a:spLocks/>
+          </p:cNvSpPr>
+          <p:nvPr/>
         </p:nvSpPr>
         <p:spPr>
           <a:xfrm>
             <a:off x="838201" y="5860493"/>
             <a:ext cx="10515600" cy="610234"/>
           </a:xfrm>
+          <a:prstGeom prst="rect">
+            <a:avLst/>
+          </a:prstGeom>
         </p:spPr>
         <p:txBody>
-          <a:bodyPr/>
-          <a:lstStyle/>
-          <a:p>
-            <a:pPr algn="l"/>
-            <a:r>
-              <a:rPr lang="en-US" sz="1600" dirty="0"/>
+          <a:bodyPr vert="horz" lIns="91440" tIns="45720" rIns="91440" bIns="45720" rtlCol="0">
+            <a:noAutofit/>
+          </a:bodyPr>
+          <a:lstStyle>
+            <a:lvl1pPr marL="0" indent="0" algn="ctr" defTabSz="914400" rtl="0" eaLnBrk="1" latinLnBrk="0" hangingPunct="1">
+              <a:lnSpc>
+                <a:spcPct val="90000"/>
+              </a:lnSpc>
+              <a:spcBef>
+                <a:spcPts val="1000"/>
+              </a:spcBef>
+              <a:buFont typeface="Arial" panose="020B0604020202020204" pitchFamily="34" charset="0"/>
+              <a:buNone/>
+              <a:defRPr sz="1000" b="0" kern="1200">
+                <a:solidFill>
+                  <a:schemeClr val="tx1">
+                    <a:lumMod val="50000"/>
+                    <a:lumOff val="50000"/>
+                  </a:schemeClr>
+                </a:solidFill>
+                <a:latin typeface="Arial" panose="020B0604020202020204" pitchFamily="34" charset="0"/>
+                <a:ea typeface="Arial" panose="020B0604020202020204" pitchFamily="34" charset="0"/>
+                <a:cs typeface="Arial" panose="020B0604020202020204" pitchFamily="34" charset="0"/>
+              </a:defRPr>
+            </a:lvl1pPr>
+            <a:lvl2pPr marL="457200" indent="0" algn="ctr" defTabSz="914400" rtl="0" eaLnBrk="1" latinLnBrk="0" hangingPunct="1">
+              <a:lnSpc>
+                <a:spcPct val="90000"/>
+              </a:lnSpc>
+              <a:spcBef>
+                <a:spcPts val="500"/>
+              </a:spcBef>
+              <a:buFont typeface="Arial" panose="020B0604020202020204" pitchFamily="34" charset="0"/>
+              <a:buNone/>
+              <a:defRPr sz="2000" kern="1200">
+                <a:solidFill>
+                  <a:schemeClr val="tx1"/>
+                </a:solidFill>
+                <a:latin typeface="Arial" panose="020B0604020202020204" pitchFamily="34" charset="0"/>
+                <a:ea typeface="Arial" panose="020B0604020202020204" pitchFamily="34" charset="0"/>
+                <a:cs typeface="Arial" panose="020B0604020202020204" pitchFamily="34" charset="0"/>
+              </a:defRPr>
+            </a:lvl2pPr>
+            <a:lvl3pPr marL="914400" indent="0" algn="ctr" defTabSz="914400" rtl="0" eaLnBrk="1" latinLnBrk="0" hangingPunct="1">
+              <a:lnSpc>
+                <a:spcPct val="90000"/>
+              </a:lnSpc>
+              <a:spcBef>
+                <a:spcPts val="500"/>
+              </a:spcBef>
+              <a:buFont typeface="Arial" panose="020B0604020202020204" pitchFamily="34" charset="0"/>
+              <a:buNone/>
+              <a:defRPr sz="1800" kern="1200">
+                <a:solidFill>
+                  <a:schemeClr val="tx1"/>
+                </a:solidFill>
+                <a:latin typeface="Arial" panose="020B0604020202020204" pitchFamily="34" charset="0"/>
+                <a:ea typeface="Arial" panose="020B0604020202020204" pitchFamily="34" charset="0"/>
+                <a:cs typeface="Arial" panose="020B0604020202020204" pitchFamily="34" charset="0"/>
+              </a:defRPr>
+            </a:lvl3pPr>
+            <a:lvl4pPr marL="1371600" indent="0" algn="ctr" defTabSz="914400" rtl="0" eaLnBrk="1" latinLnBrk="0" hangingPunct="1">
+              <a:lnSpc>
+                <a:spcPct val="90000"/>
+              </a:lnSpc>
+              <a:spcBef>
+                <a:spcPts val="500"/>
+              </a:spcBef>
+              <a:buFont typeface="Arial" panose="020B0604020202020204" pitchFamily="34" charset="0"/>
+              <a:buNone/>
+              <a:defRPr sz="1600" kern="1200">
+                <a:solidFill>
+                  <a:schemeClr val="tx1"/>
+                </a:solidFill>
+                <a:latin typeface="Arial" panose="020B0604020202020204" pitchFamily="34" charset="0"/>
+                <a:ea typeface="Arial" panose="020B0604020202020204" pitchFamily="34" charset="0"/>
+                <a:cs typeface="Arial" panose="020B0604020202020204" pitchFamily="34" charset="0"/>
+              </a:defRPr>
+            </a:lvl4pPr>
+            <a:lvl5pPr marL="1828800" indent="0" algn="ctr" defTabSz="914400" rtl="0" eaLnBrk="1" latinLnBrk="0" hangingPunct="1">
+              <a:lnSpc>
+                <a:spcPct val="90000"/>
+              </a:lnSpc>
+              <a:spcBef>
+                <a:spcPts val="500"/>
+              </a:spcBef>
+              <a:buFont typeface="Arial" panose="020B0604020202020204" pitchFamily="34" charset="0"/>
+              <a:buNone/>
+              <a:defRPr sz="1600" kern="1200">
+                <a:solidFill>
+                  <a:schemeClr val="tx1"/>
+                </a:solidFill>
+                <a:latin typeface="Arial" panose="020B0604020202020204" pitchFamily="34" charset="0"/>
+                <a:ea typeface="Arial" panose="020B0604020202020204" pitchFamily="34" charset="0"/>
+                <a:cs typeface="Arial" panose="020B0604020202020204" pitchFamily="34" charset="0"/>
+              </a:defRPr>
+            </a:lvl5pPr>
+            <a:lvl6pPr marL="2286000" indent="0" algn="ctr" defTabSz="914400" rtl="0" eaLnBrk="1" latinLnBrk="0" hangingPunct="1">
+              <a:lnSpc>
+                <a:spcPct val="90000"/>
+              </a:lnSpc>
+              <a:spcBef>
+                <a:spcPts val="500"/>
+              </a:spcBef>
+              <a:buFont typeface="Arial" panose="020B0604020202020204" pitchFamily="34" charset="0"/>
+              <a:buNone/>
+              <a:defRPr sz="1600" kern="1200">
+                <a:solidFill>
+                  <a:schemeClr val="tx1"/>
+                </a:solidFill>
+                <a:latin typeface="+mn-lt"/>
+                <a:ea typeface="+mn-ea"/>
+                <a:cs typeface="+mn-cs"/>
+              </a:defRPr>
+            </a:lvl6pPr>
+            <a:lvl7pPr marL="2743200" indent="0" algn="ctr" defTabSz="914400" rtl="0" eaLnBrk="1" latinLnBrk="0" hangingPunct="1">
+              <a:lnSpc>
+                <a:spcPct val="90000"/>
+              </a:lnSpc>
+              <a:spcBef>
+                <a:spcPts val="500"/>
+              </a:spcBef>
+              <a:buFont typeface="Arial" panose="020B0604020202020204" pitchFamily="34" charset="0"/>
+              <a:buNone/>
+              <a:defRPr sz="1600" kern="1200">
+                <a:solidFill>
+                  <a:schemeClr val="tx1"/>
+                </a:solidFill>
+                <a:latin typeface="+mn-lt"/>
+                <a:ea typeface="+mn-ea"/>
+                <a:cs typeface="+mn-cs"/>
+              </a:defRPr>
+            </a:lvl7pPr>
+            <a:lvl8pPr marL="3200400" indent="0" algn="ctr" defTabSz="914400" rtl="0" eaLnBrk="1" latinLnBrk="0" hangingPunct="1">
+              <a:lnSpc>
+                <a:spcPct val="90000"/>
+              </a:lnSpc>
+              <a:spcBef>
+                <a:spcPts val="500"/>
+              </a:spcBef>
+              <a:buFont typeface="Arial" panose="020B0604020202020204" pitchFamily="34" charset="0"/>
+              <a:buNone/>
+              <a:defRPr sz="1600" kern="1200">
+                <a:solidFill>
+                  <a:schemeClr val="tx1"/>
+                </a:solidFill>
+                <a:latin typeface="+mn-lt"/>
+                <a:ea typeface="+mn-ea"/>
+                <a:cs typeface="+mn-cs"/>
+              </a:defRPr>
+            </a:lvl8pPr>
+            <a:lvl9pPr marL="3657600" indent="0" algn="ctr" defTabSz="914400" rtl="0" eaLnBrk="1" latinLnBrk="0" hangingPunct="1">
+              <a:lnSpc>
+                <a:spcPct val="90000"/>
+              </a:lnSpc>
+              <a:spcBef>
+                <a:spcPts val="500"/>
+              </a:spcBef>
+              <a:buFont typeface="Arial" panose="020B0604020202020204" pitchFamily="34" charset="0"/>
+              <a:buNone/>
+              <a:defRPr sz="1600" kern="1200">
+                <a:solidFill>
+                  <a:schemeClr val="tx1"/>
+                </a:solidFill>
+                <a:latin typeface="+mn-lt"/>
+                <a:ea typeface="+mn-ea"/>
+                <a:cs typeface="+mn-cs"/>
+              </a:defRPr>
+            </a:lvl9pPr>
+          </a:lstStyle>
+          <a:p>
+            <a:pPr marL="0" marR="0" lvl="0" indent="0" algn="l" defTabSz="914400" rtl="0" eaLnBrk="1" fontAlgn="auto" latinLnBrk="0" hangingPunct="1">
+              <a:lnSpc>
+                <a:spcPct val="90000"/>
+              </a:lnSpc>
+              <a:spcBef>
+                <a:spcPts val="1000"/>
+              </a:spcBef>
+              <a:spcAft>
+                <a:spcPts val="0"/>
+              </a:spcAft>
+              <a:buClrTx/>
+              <a:buSzTx/>
+              <a:buFont typeface="Arial" panose="020B0604020202020204" pitchFamily="34" charset="0"/>
+              <a:buNone/>
+              <a:tabLst/>
+              <a:defRPr/>
+            </a:pPr>
+            <a:r>
+              <a:rPr kumimoji="0" lang="en-US" sz="1600" b="0" i="0" u="none" strike="noStrike" kern="1200" cap="none" spc="0" normalizeH="0" baseline="0" noProof="0" dirty="0">
+                <a:ln>
+                  <a:noFill/>
+                </a:ln>
+                <a:solidFill>
+                  <a:srgbClr val="00B0F0"/>
+                </a:solidFill>
+                <a:effectLst/>
+                <a:uLnTx/>
+                <a:uFillTx/>
+                <a:latin typeface="Arial" panose="020B0604020202020204" pitchFamily="34" charset="0"/>
+                <a:cs typeface="Arial" panose="020B0604020202020204" pitchFamily="34" charset="0"/>
+              </a:rPr>
               <a:t>Created by: Samuel </a:t>
             </a:r>
             <a:r>
-              <a:rPr lang="en-US" sz="1600" dirty="0" err="1"/>
+              <a:rPr kumimoji="0" lang="en-US" sz="1600" b="0" i="0" u="none" strike="noStrike" kern="1200" cap="none" spc="0" normalizeH="0" baseline="0" noProof="0" dirty="0" err="1">
+                <a:ln>
+                  <a:noFill/>
+                </a:ln>
+                <a:solidFill>
+                  <a:srgbClr val="00B0F0"/>
+                </a:solidFill>
+                <a:effectLst/>
+                <a:uLnTx/>
+                <a:uFillTx/>
+                <a:latin typeface="Arial" panose="020B0604020202020204" pitchFamily="34" charset="0"/>
+                <a:cs typeface="Arial" panose="020B0604020202020204" pitchFamily="34" charset="0"/>
+              </a:rPr>
               <a:t>Acuña</a:t>
             </a:r>
-            <a:endParaRPr lang="en-US" sz="1600" dirty="0"/>
-          </a:p>
-          <a:p>
-            <a:pPr algn="l"/>
-            <a:r>
-              <a:rPr lang="en-US" sz="1600" dirty="0"/>
+            <a:endParaRPr kumimoji="0" lang="en-US" sz="1600" b="0" i="0" u="none" strike="noStrike" kern="1200" cap="none" spc="0" normalizeH="0" baseline="0" noProof="0" dirty="0">
+              <a:ln>
+                <a:noFill/>
+              </a:ln>
+              <a:solidFill>
+                <a:srgbClr val="00B0F0"/>
+              </a:solidFill>
+              <a:effectLst/>
+              <a:uLnTx/>
+              <a:uFillTx/>
+              <a:latin typeface="Arial" panose="020B0604020202020204" pitchFamily="34" charset="0"/>
+              <a:cs typeface="Arial" panose="020B0604020202020204" pitchFamily="34" charset="0"/>
+            </a:endParaRPr>
+          </a:p>
+          <a:p>
+            <a:pPr marL="0" marR="0" lvl="0" indent="0" algn="l" defTabSz="914400" rtl="0" eaLnBrk="1" fontAlgn="auto" latinLnBrk="0" hangingPunct="1">
+              <a:lnSpc>
+                <a:spcPct val="90000"/>
+              </a:lnSpc>
+              <a:spcBef>
+                <a:spcPts val="1000"/>
+              </a:spcBef>
+              <a:spcAft>
+                <a:spcPts val="0"/>
+              </a:spcAft>
+              <a:buClrTx/>
+              <a:buSzTx/>
+              <a:buFont typeface="Arial" panose="020B0604020202020204" pitchFamily="34" charset="0"/>
+              <a:buNone/>
+              <a:tabLst/>
+              <a:defRPr/>
+            </a:pPr>
+            <a:r>
+              <a:rPr kumimoji="0" lang="en-US" sz="1600" b="0" i="0" u="none" strike="noStrike" kern="1200" cap="none" spc="0" normalizeH="0" baseline="0" noProof="0" dirty="0">
+                <a:ln>
+                  <a:noFill/>
+                </a:ln>
+                <a:solidFill>
+                  <a:srgbClr val="00B0F0"/>
+                </a:solidFill>
+                <a:effectLst/>
+                <a:uLnTx/>
+                <a:uFillTx/>
+                <a:latin typeface="Arial" panose="020B0604020202020204" pitchFamily="34" charset="0"/>
+                <a:cs typeface="Arial" panose="020B0604020202020204" pitchFamily="34" charset="0"/>
+              </a:rPr>
               <a:t>Date created: 18 Dec 2018</a:t>
             </a:r>
           </a:p>
@@ -11419,10 +11731,205 @@
       </p:sp>
       <p:sp>
         <p:nvSpPr>
-          <p:cNvPr id="4" name="Slide Number Placeholder 3">
+          <p:cNvPr id="7" name="Slide Number Placeholder 3">
             <a:extLst>
               <a:ext uri="{FF2B5EF4-FFF2-40B4-BE49-F238E27FC236}">
-                <a16:creationId xmlns:a16="http://schemas.microsoft.com/office/drawing/2014/main" id="{1F5441C0-60BE-CD40-982E-F2CC2945034F}"/>
+                <a16:creationId xmlns:a16="http://schemas.microsoft.com/office/drawing/2014/main" id="{0B6B5CB5-094F-0648-8C64-8CFB2338E442}"/>
+              </a:ext>
+            </a:extLst>
+          </p:cNvPr>
+          <p:cNvSpPr txBox="1">
+            <a:spLocks/>
+          </p:cNvSpPr>
+          <p:nvPr/>
+        </p:nvSpPr>
+        <p:spPr>
+          <a:xfrm>
+            <a:off x="11786838" y="6470727"/>
+            <a:ext cx="405161" cy="365125"/>
+          </a:xfrm>
+          <a:prstGeom prst="rect">
+            <a:avLst/>
+          </a:prstGeom>
+        </p:spPr>
+        <p:txBody>
+          <a:bodyPr vert="horz" lIns="91440" tIns="45720" rIns="91440" bIns="45720" rtlCol="0" anchor="ctr"/>
+          <a:lstStyle>
+            <a:defPPr>
+              <a:defRPr lang="en-US"/>
+            </a:defPPr>
+            <a:lvl1pPr marL="0" algn="r" defTabSz="914400" rtl="0" eaLnBrk="1" latinLnBrk="0" hangingPunct="1">
+              <a:defRPr sz="1200" kern="1200">
+                <a:solidFill>
+                  <a:schemeClr val="tx1">
+                    <a:tint val="75000"/>
+                  </a:schemeClr>
+                </a:solidFill>
+                <a:latin typeface="+mn-lt"/>
+                <a:ea typeface="+mn-ea"/>
+                <a:cs typeface="+mn-cs"/>
+              </a:defRPr>
+            </a:lvl1pPr>
+            <a:lvl2pPr marL="457200" algn="l" defTabSz="914400" rtl="0" eaLnBrk="1" latinLnBrk="0" hangingPunct="1">
+              <a:defRPr sz="1800" kern="1200">
+                <a:solidFill>
+                  <a:schemeClr val="tx1"/>
+                </a:solidFill>
+                <a:latin typeface="+mn-lt"/>
+                <a:ea typeface="+mn-ea"/>
+                <a:cs typeface="+mn-cs"/>
+              </a:defRPr>
+            </a:lvl2pPr>
+            <a:lvl3pPr marL="914400" algn="l" defTabSz="914400" rtl="0" eaLnBrk="1" latinLnBrk="0" hangingPunct="1">
+              <a:defRPr sz="1800" kern="1200">
+                <a:solidFill>
+                  <a:schemeClr val="tx1"/>
+                </a:solidFill>
+                <a:latin typeface="+mn-lt"/>
+                <a:ea typeface="+mn-ea"/>
+                <a:cs typeface="+mn-cs"/>
+              </a:defRPr>
+            </a:lvl3pPr>
+            <a:lvl4pPr marL="1371600" algn="l" defTabSz="914400" rtl="0" eaLnBrk="1" latinLnBrk="0" hangingPunct="1">
+              <a:defRPr sz="1800" kern="1200">
+                <a:solidFill>
+                  <a:schemeClr val="tx1"/>
+                </a:solidFill>
+                <a:latin typeface="+mn-lt"/>
+                <a:ea typeface="+mn-ea"/>
+                <a:cs typeface="+mn-cs"/>
+              </a:defRPr>
+            </a:lvl4pPr>
+            <a:lvl5pPr marL="1828800" algn="l" defTabSz="914400" rtl="0" eaLnBrk="1" latinLnBrk="0" hangingPunct="1">
+              <a:defRPr sz="1800" kern="1200">
+                <a:solidFill>
+                  <a:schemeClr val="tx1"/>
+                </a:solidFill>
+                <a:latin typeface="+mn-lt"/>
+                <a:ea typeface="+mn-ea"/>
+                <a:cs typeface="+mn-cs"/>
+              </a:defRPr>
+            </a:lvl5pPr>
+            <a:lvl6pPr marL="2286000" algn="l" defTabSz="914400" rtl="0" eaLnBrk="1" latinLnBrk="0" hangingPunct="1">
+              <a:defRPr sz="1800" kern="1200">
+                <a:solidFill>
+                  <a:schemeClr val="tx1"/>
+                </a:solidFill>
+                <a:latin typeface="+mn-lt"/>
+                <a:ea typeface="+mn-ea"/>
+                <a:cs typeface="+mn-cs"/>
+              </a:defRPr>
+            </a:lvl6pPr>
+            <a:lvl7pPr marL="2743200" algn="l" defTabSz="914400" rtl="0" eaLnBrk="1" latinLnBrk="0" hangingPunct="1">
+              <a:defRPr sz="1800" kern="1200">
+                <a:solidFill>
+                  <a:schemeClr val="tx1"/>
+                </a:solidFill>
+                <a:latin typeface="+mn-lt"/>
+                <a:ea typeface="+mn-ea"/>
+                <a:cs typeface="+mn-cs"/>
+              </a:defRPr>
+            </a:lvl7pPr>
+            <a:lvl8pPr marL="3200400" algn="l" defTabSz="914400" rtl="0" eaLnBrk="1" latinLnBrk="0" hangingPunct="1">
+              <a:defRPr sz="1800" kern="1200">
+                <a:solidFill>
+                  <a:schemeClr val="tx1"/>
+                </a:solidFill>
+                <a:latin typeface="+mn-lt"/>
+                <a:ea typeface="+mn-ea"/>
+                <a:cs typeface="+mn-cs"/>
+              </a:defRPr>
+            </a:lvl8pPr>
+            <a:lvl9pPr marL="3657600" algn="l" defTabSz="914400" rtl="0" eaLnBrk="1" latinLnBrk="0" hangingPunct="1">
+              <a:defRPr sz="1800" kern="1200">
+                <a:solidFill>
+                  <a:schemeClr val="tx1"/>
+                </a:solidFill>
+                <a:latin typeface="+mn-lt"/>
+                <a:ea typeface="+mn-ea"/>
+                <a:cs typeface="+mn-cs"/>
+              </a:defRPr>
+            </a:lvl9pPr>
+          </a:lstStyle>
+          <a:p>
+            <a:pPr marL="0" marR="0" lvl="0" indent="0" algn="r" defTabSz="914400" rtl="0" eaLnBrk="1" fontAlgn="auto" latinLnBrk="0" hangingPunct="1">
+              <a:lnSpc>
+                <a:spcPct val="100000"/>
+              </a:lnSpc>
+              <a:spcBef>
+                <a:spcPts val="0"/>
+              </a:spcBef>
+              <a:spcAft>
+                <a:spcPts val="0"/>
+              </a:spcAft>
+              <a:buClrTx/>
+              <a:buSzTx/>
+              <a:buFontTx/>
+              <a:buNone/>
+              <a:tabLst/>
+              <a:defRPr/>
+            </a:pPr>
+            <a:fld id="{E62A57C8-5936-4048-93E2-2CC94939D132}" type="slidenum">
+              <a:rPr kumimoji="0" lang="en-US" sz="1200" b="0" i="0" u="none" strike="noStrike" kern="1200" cap="none" spc="0" normalizeH="0" baseline="0" noProof="0" smtClean="0">
+                <a:ln>
+                  <a:noFill/>
+                </a:ln>
+                <a:solidFill>
+                  <a:prstClr val="black">
+                    <a:tint val="75000"/>
+                  </a:prstClr>
+                </a:solidFill>
+                <a:effectLst/>
+                <a:uLnTx/>
+                <a:uFillTx/>
+                <a:latin typeface="Arial" panose="020B0604020202020204"/>
+                <a:ea typeface="+mn-ea"/>
+                <a:cs typeface="+mn-cs"/>
+              </a:rPr>
+              <a:pPr marL="0" marR="0" lvl="0" indent="0" algn="r" defTabSz="914400" rtl="0" eaLnBrk="1" fontAlgn="auto" latinLnBrk="0" hangingPunct="1">
+                <a:lnSpc>
+                  <a:spcPct val="100000"/>
+                </a:lnSpc>
+                <a:spcBef>
+                  <a:spcPts val="0"/>
+                </a:spcBef>
+                <a:spcAft>
+                  <a:spcPts val="0"/>
+                </a:spcAft>
+                <a:buClrTx/>
+                <a:buSzTx/>
+                <a:buFontTx/>
+                <a:buNone/>
+                <a:tabLst/>
+                <a:defRPr/>
+              </a:pPr>
+              <a:t>1</a:t>
+            </a:fld>
+            <a:endParaRPr kumimoji="0" lang="en-US" sz="1200" b="0" i="0" u="none" strike="noStrike" kern="1200" cap="none" spc="0" normalizeH="0" baseline="0" noProof="0">
+              <a:ln>
+                <a:noFill/>
+              </a:ln>
+              <a:solidFill>
+                <a:prstClr val="black">
+                  <a:tint val="75000"/>
+                </a:prstClr>
+              </a:solidFill>
+              <a:effectLst/>
+              <a:uLnTx/>
+              <a:uFillTx/>
+              <a:latin typeface="Arial" panose="020B0604020202020204"/>
+              <a:ea typeface="+mn-ea"/>
+              <a:cs typeface="+mn-cs"/>
+            </a:endParaRPr>
+          </a:p>
+        </p:txBody>
+      </p:sp>
+      <p:sp>
+        <p:nvSpPr>
+          <p:cNvPr id="8" name="Slide Number Placeholder 7">
+            <a:extLst>
+              <a:ext uri="{FF2B5EF4-FFF2-40B4-BE49-F238E27FC236}">
+                <a16:creationId xmlns:a16="http://schemas.microsoft.com/office/drawing/2014/main" id="{F7DFAF0A-55B8-DC47-848E-BF21F7D77AA7}"/>
               </a:ext>
             </a:extLst>
           </p:cNvPr>
@@ -11449,7 +11956,7 @@
     </p:spTree>
     <p:extLst>
       <p:ext uri="{BB962C8B-B14F-4D97-AF65-F5344CB8AC3E}">
-        <p14:creationId xmlns:p14="http://schemas.microsoft.com/office/powerpoint/2010/main" val="1997683901"/>
+        <p14:creationId xmlns:p14="http://schemas.microsoft.com/office/powerpoint/2010/main" val="762616611"/>
       </p:ext>
     </p:extLst>
   </p:cSld>
@@ -11478,32 +11985,79 @@
       </p:grpSpPr>
       <p:sp>
         <p:nvSpPr>
-          <p:cNvPr id="6" name="Title 5">
+          <p:cNvPr id="9" name="Title 5">
             <a:extLst>
               <a:ext uri="{FF2B5EF4-FFF2-40B4-BE49-F238E27FC236}">
-                <a16:creationId xmlns:a16="http://schemas.microsoft.com/office/drawing/2014/main" id="{2E89989E-D04C-B847-9B11-F02A6FD2A1C4}"/>
+                <a16:creationId xmlns:a16="http://schemas.microsoft.com/office/drawing/2014/main" id="{00629DAC-176A-9E4D-8D42-FFD4628A3FF3}"/>
               </a:ext>
             </a:extLst>
           </p:cNvPr>
-          <p:cNvSpPr>
-            <a:spLocks noGrp="1"/>
-          </p:cNvSpPr>
-          <p:nvPr>
-            <p:ph type="title"/>
-          </p:nvPr>
+          <p:cNvSpPr txBox="1">
+            <a:spLocks/>
+          </p:cNvSpPr>
+          <p:nvPr/>
         </p:nvSpPr>
         <p:spPr>
           <a:xfrm>
             <a:off x="2945296" y="345177"/>
             <a:ext cx="6301409" cy="610234"/>
           </a:xfrm>
+          <a:prstGeom prst="rect">
+            <a:avLst/>
+          </a:prstGeom>
         </p:spPr>
         <p:txBody>
-          <a:bodyPr/>
-          <a:lstStyle/>
-          <a:p>
-            <a:r>
-              <a:rPr lang="en-US" dirty="0"/>
+          <a:bodyPr vert="horz" lIns="91440" tIns="45720" rIns="91440" bIns="45720" rtlCol="0" anchor="ctr">
+            <a:normAutofit/>
+          </a:bodyPr>
+          <a:lstStyle>
+            <a:lvl1pPr algn="ctr" defTabSz="914400" rtl="0" eaLnBrk="1" latinLnBrk="0" hangingPunct="1">
+              <a:lnSpc>
+                <a:spcPct val="90000"/>
+              </a:lnSpc>
+              <a:spcBef>
+                <a:spcPct val="0"/>
+              </a:spcBef>
+              <a:buNone/>
+              <a:defRPr sz="3000" b="1" kern="1200" spc="0" baseline="0">
+                <a:solidFill>
+                  <a:schemeClr val="tx1"/>
+                </a:solidFill>
+                <a:latin typeface="Arial" panose="020B0604020202020204" pitchFamily="34" charset="0"/>
+                <a:ea typeface="Arial" panose="020B0604020202020204" pitchFamily="34" charset="0"/>
+                <a:cs typeface="Arial" panose="020B0604020202020204" pitchFamily="34" charset="0"/>
+              </a:defRPr>
+            </a:lvl1pPr>
+          </a:lstStyle>
+          <a:p>
+            <a:pPr marL="0" marR="0" lvl="0" indent="0" algn="ctr" defTabSz="914400" rtl="0" eaLnBrk="1" fontAlgn="auto" latinLnBrk="0" hangingPunct="1">
+              <a:lnSpc>
+                <a:spcPct val="90000"/>
+              </a:lnSpc>
+              <a:spcBef>
+                <a:spcPct val="0"/>
+              </a:spcBef>
+              <a:spcAft>
+                <a:spcPts val="0"/>
+              </a:spcAft>
+              <a:buClrTx/>
+              <a:buSzTx/>
+              <a:buFontTx/>
+              <a:buNone/>
+              <a:tabLst/>
+              <a:defRPr/>
+            </a:pPr>
+            <a:r>
+              <a:rPr kumimoji="0" lang="en-US" sz="3000" b="1" i="0" u="none" strike="noStrike" kern="1200" cap="none" spc="0" normalizeH="0" baseline="0" noProof="0" dirty="0">
+                <a:ln>
+                  <a:noFill/>
+                </a:ln>
+                <a:effectLst/>
+                <a:uLnTx/>
+                <a:uFillTx/>
+                <a:latin typeface="Arial" panose="020B0604020202020204" pitchFamily="34" charset="0"/>
+                <a:cs typeface="Arial" panose="020B0604020202020204" pitchFamily="34" charset="0"/>
+              </a:rPr>
               <a:t>Your turn!</a:t>
             </a:r>
           </a:p>
@@ -11511,315 +12065,1122 @@
       </p:sp>
       <p:sp>
         <p:nvSpPr>
-          <p:cNvPr id="7" name="Subtitle 6">
+          <p:cNvPr id="10" name="Subtitle 6">
             <a:extLst>
               <a:ext uri="{FF2B5EF4-FFF2-40B4-BE49-F238E27FC236}">
-                <a16:creationId xmlns:a16="http://schemas.microsoft.com/office/drawing/2014/main" id="{EBA0E148-4C2A-9348-A1BA-5D0C16BD646B}"/>
+                <a16:creationId xmlns:a16="http://schemas.microsoft.com/office/drawing/2014/main" id="{A7D26FAA-1AA7-FF4A-B17F-56855CA39C24}"/>
               </a:ext>
             </a:extLst>
           </p:cNvPr>
-          <p:cNvSpPr>
-            <a:spLocks noGrp="1"/>
-          </p:cNvSpPr>
-          <p:nvPr>
-            <p:ph type="subTitle" idx="1"/>
-          </p:nvPr>
+          <p:cNvSpPr txBox="1">
+            <a:spLocks/>
+          </p:cNvSpPr>
+          <p:nvPr/>
         </p:nvSpPr>
         <p:spPr>
           <a:xfrm>
             <a:off x="2945296" y="962686"/>
             <a:ext cx="6301409" cy="191427"/>
           </a:xfrm>
+          <a:prstGeom prst="rect">
+            <a:avLst/>
+          </a:prstGeom>
         </p:spPr>
         <p:txBody>
-          <a:bodyPr/>
-          <a:lstStyle/>
-          <a:p>
-            <a:r>
-              <a:rPr lang="en-US" dirty="0"/>
+          <a:bodyPr vert="horz" lIns="91440" tIns="45720" rIns="91440" bIns="45720" rtlCol="0">
+            <a:noAutofit/>
+          </a:bodyPr>
+          <a:lstStyle>
+            <a:lvl1pPr marL="0" indent="0" algn="ctr" defTabSz="914400" rtl="0" eaLnBrk="1" latinLnBrk="0" hangingPunct="1">
+              <a:lnSpc>
+                <a:spcPct val="90000"/>
+              </a:lnSpc>
+              <a:spcBef>
+                <a:spcPts val="1000"/>
+              </a:spcBef>
+              <a:buFont typeface="Arial" panose="020B0604020202020204" pitchFamily="34" charset="0"/>
+              <a:buNone/>
+              <a:defRPr sz="1000" b="0" kern="1200">
+                <a:solidFill>
+                  <a:schemeClr val="tx1">
+                    <a:lumMod val="50000"/>
+                    <a:lumOff val="50000"/>
+                  </a:schemeClr>
+                </a:solidFill>
+                <a:latin typeface="Arial" panose="020B0604020202020204" pitchFamily="34" charset="0"/>
+                <a:ea typeface="Arial" panose="020B0604020202020204" pitchFamily="34" charset="0"/>
+                <a:cs typeface="Arial" panose="020B0604020202020204" pitchFamily="34" charset="0"/>
+              </a:defRPr>
+            </a:lvl1pPr>
+            <a:lvl2pPr marL="457200" indent="0" algn="ctr" defTabSz="914400" rtl="0" eaLnBrk="1" latinLnBrk="0" hangingPunct="1">
+              <a:lnSpc>
+                <a:spcPct val="90000"/>
+              </a:lnSpc>
+              <a:spcBef>
+                <a:spcPts val="500"/>
+              </a:spcBef>
+              <a:buFont typeface="Arial" panose="020B0604020202020204" pitchFamily="34" charset="0"/>
+              <a:buNone/>
+              <a:defRPr sz="2000" kern="1200">
+                <a:solidFill>
+                  <a:schemeClr val="tx1"/>
+                </a:solidFill>
+                <a:latin typeface="Arial" panose="020B0604020202020204" pitchFamily="34" charset="0"/>
+                <a:ea typeface="Arial" panose="020B0604020202020204" pitchFamily="34" charset="0"/>
+                <a:cs typeface="Arial" panose="020B0604020202020204" pitchFamily="34" charset="0"/>
+              </a:defRPr>
+            </a:lvl2pPr>
+            <a:lvl3pPr marL="914400" indent="0" algn="ctr" defTabSz="914400" rtl="0" eaLnBrk="1" latinLnBrk="0" hangingPunct="1">
+              <a:lnSpc>
+                <a:spcPct val="90000"/>
+              </a:lnSpc>
+              <a:spcBef>
+                <a:spcPts val="500"/>
+              </a:spcBef>
+              <a:buFont typeface="Arial" panose="020B0604020202020204" pitchFamily="34" charset="0"/>
+              <a:buNone/>
+              <a:defRPr sz="1800" kern="1200">
+                <a:solidFill>
+                  <a:schemeClr val="tx1"/>
+                </a:solidFill>
+                <a:latin typeface="Arial" panose="020B0604020202020204" pitchFamily="34" charset="0"/>
+                <a:ea typeface="Arial" panose="020B0604020202020204" pitchFamily="34" charset="0"/>
+                <a:cs typeface="Arial" panose="020B0604020202020204" pitchFamily="34" charset="0"/>
+              </a:defRPr>
+            </a:lvl3pPr>
+            <a:lvl4pPr marL="1371600" indent="0" algn="ctr" defTabSz="914400" rtl="0" eaLnBrk="1" latinLnBrk="0" hangingPunct="1">
+              <a:lnSpc>
+                <a:spcPct val="90000"/>
+              </a:lnSpc>
+              <a:spcBef>
+                <a:spcPts val="500"/>
+              </a:spcBef>
+              <a:buFont typeface="Arial" panose="020B0604020202020204" pitchFamily="34" charset="0"/>
+              <a:buNone/>
+              <a:defRPr sz="1600" kern="1200">
+                <a:solidFill>
+                  <a:schemeClr val="tx1"/>
+                </a:solidFill>
+                <a:latin typeface="Arial" panose="020B0604020202020204" pitchFamily="34" charset="0"/>
+                <a:ea typeface="Arial" panose="020B0604020202020204" pitchFamily="34" charset="0"/>
+                <a:cs typeface="Arial" panose="020B0604020202020204" pitchFamily="34" charset="0"/>
+              </a:defRPr>
+            </a:lvl4pPr>
+            <a:lvl5pPr marL="1828800" indent="0" algn="ctr" defTabSz="914400" rtl="0" eaLnBrk="1" latinLnBrk="0" hangingPunct="1">
+              <a:lnSpc>
+                <a:spcPct val="90000"/>
+              </a:lnSpc>
+              <a:spcBef>
+                <a:spcPts val="500"/>
+              </a:spcBef>
+              <a:buFont typeface="Arial" panose="020B0604020202020204" pitchFamily="34" charset="0"/>
+              <a:buNone/>
+              <a:defRPr sz="1600" kern="1200">
+                <a:solidFill>
+                  <a:schemeClr val="tx1"/>
+                </a:solidFill>
+                <a:latin typeface="Arial" panose="020B0604020202020204" pitchFamily="34" charset="0"/>
+                <a:ea typeface="Arial" panose="020B0604020202020204" pitchFamily="34" charset="0"/>
+                <a:cs typeface="Arial" panose="020B0604020202020204" pitchFamily="34" charset="0"/>
+              </a:defRPr>
+            </a:lvl5pPr>
+            <a:lvl6pPr marL="2286000" indent="0" algn="ctr" defTabSz="914400" rtl="0" eaLnBrk="1" latinLnBrk="0" hangingPunct="1">
+              <a:lnSpc>
+                <a:spcPct val="90000"/>
+              </a:lnSpc>
+              <a:spcBef>
+                <a:spcPts val="500"/>
+              </a:spcBef>
+              <a:buFont typeface="Arial" panose="020B0604020202020204" pitchFamily="34" charset="0"/>
+              <a:buNone/>
+              <a:defRPr sz="1600" kern="1200">
+                <a:solidFill>
+                  <a:schemeClr val="tx1"/>
+                </a:solidFill>
+                <a:latin typeface="+mn-lt"/>
+                <a:ea typeface="+mn-ea"/>
+                <a:cs typeface="+mn-cs"/>
+              </a:defRPr>
+            </a:lvl6pPr>
+            <a:lvl7pPr marL="2743200" indent="0" algn="ctr" defTabSz="914400" rtl="0" eaLnBrk="1" latinLnBrk="0" hangingPunct="1">
+              <a:lnSpc>
+                <a:spcPct val="90000"/>
+              </a:lnSpc>
+              <a:spcBef>
+                <a:spcPts val="500"/>
+              </a:spcBef>
+              <a:buFont typeface="Arial" panose="020B0604020202020204" pitchFamily="34" charset="0"/>
+              <a:buNone/>
+              <a:defRPr sz="1600" kern="1200">
+                <a:solidFill>
+                  <a:schemeClr val="tx1"/>
+                </a:solidFill>
+                <a:latin typeface="+mn-lt"/>
+                <a:ea typeface="+mn-ea"/>
+                <a:cs typeface="+mn-cs"/>
+              </a:defRPr>
+            </a:lvl7pPr>
+            <a:lvl8pPr marL="3200400" indent="0" algn="ctr" defTabSz="914400" rtl="0" eaLnBrk="1" latinLnBrk="0" hangingPunct="1">
+              <a:lnSpc>
+                <a:spcPct val="90000"/>
+              </a:lnSpc>
+              <a:spcBef>
+                <a:spcPts val="500"/>
+              </a:spcBef>
+              <a:buFont typeface="Arial" panose="020B0604020202020204" pitchFamily="34" charset="0"/>
+              <a:buNone/>
+              <a:defRPr sz="1600" kern="1200">
+                <a:solidFill>
+                  <a:schemeClr val="tx1"/>
+                </a:solidFill>
+                <a:latin typeface="+mn-lt"/>
+                <a:ea typeface="+mn-ea"/>
+                <a:cs typeface="+mn-cs"/>
+              </a:defRPr>
+            </a:lvl8pPr>
+            <a:lvl9pPr marL="3657600" indent="0" algn="ctr" defTabSz="914400" rtl="0" eaLnBrk="1" latinLnBrk="0" hangingPunct="1">
+              <a:lnSpc>
+                <a:spcPct val="90000"/>
+              </a:lnSpc>
+              <a:spcBef>
+                <a:spcPts val="500"/>
+              </a:spcBef>
+              <a:buFont typeface="Arial" panose="020B0604020202020204" pitchFamily="34" charset="0"/>
+              <a:buNone/>
+              <a:defRPr sz="1600" kern="1200">
+                <a:solidFill>
+                  <a:schemeClr val="tx1"/>
+                </a:solidFill>
+                <a:latin typeface="+mn-lt"/>
+                <a:ea typeface="+mn-ea"/>
+                <a:cs typeface="+mn-cs"/>
+              </a:defRPr>
+            </a:lvl9pPr>
+          </a:lstStyle>
+          <a:p>
+            <a:pPr marL="0" marR="0" lvl="0" indent="0" algn="ctr" defTabSz="914400" rtl="0" eaLnBrk="1" fontAlgn="auto" latinLnBrk="0" hangingPunct="1">
+              <a:lnSpc>
+                <a:spcPct val="90000"/>
+              </a:lnSpc>
+              <a:spcBef>
+                <a:spcPts val="1000"/>
+              </a:spcBef>
+              <a:spcAft>
+                <a:spcPts val="0"/>
+              </a:spcAft>
+              <a:buClrTx/>
+              <a:buSzTx/>
+              <a:buFont typeface="Arial" panose="020B0604020202020204" pitchFamily="34" charset="0"/>
+              <a:buNone/>
+              <a:tabLst/>
+              <a:defRPr/>
+            </a:pPr>
+            <a:r>
+              <a:rPr kumimoji="0" lang="en-US" sz="1000" b="0" i="0" u="none" strike="noStrike" kern="1200" cap="none" spc="0" normalizeH="0" baseline="0" noProof="0">
+                <a:ln>
+                  <a:noFill/>
+                </a:ln>
+                <a:solidFill>
+                  <a:schemeClr val="tx1"/>
+                </a:solidFill>
+                <a:effectLst/>
+                <a:uLnTx/>
+                <a:uFillTx/>
+                <a:latin typeface="Arial" panose="020B0604020202020204" pitchFamily="34" charset="0"/>
+                <a:cs typeface="Arial" panose="020B0604020202020204" pitchFamily="34" charset="0"/>
+              </a:rPr>
               <a:t>Exercise 3</a:t>
             </a:r>
-          </a:p>
-        </p:txBody>
-      </p:sp>
-      <p:sp>
-        <p:nvSpPr>
-          <p:cNvPr id="8" name="Text Placeholder 7">
+            <a:endParaRPr kumimoji="0" lang="en-US" sz="1000" b="0" i="0" u="none" strike="noStrike" kern="1200" cap="none" spc="0" normalizeH="0" baseline="0" noProof="0" dirty="0">
+              <a:ln>
+                <a:noFill/>
+              </a:ln>
+              <a:solidFill>
+                <a:schemeClr val="tx1"/>
+              </a:solidFill>
+              <a:effectLst/>
+              <a:uLnTx/>
+              <a:uFillTx/>
+              <a:latin typeface="Arial" panose="020B0604020202020204" pitchFamily="34" charset="0"/>
+              <a:cs typeface="Arial" panose="020B0604020202020204" pitchFamily="34" charset="0"/>
+            </a:endParaRPr>
+          </a:p>
+        </p:txBody>
+      </p:sp>
+      <p:sp>
+        <p:nvSpPr>
+          <p:cNvPr id="11" name="Text Placeholder 7">
             <a:extLst>
               <a:ext uri="{FF2B5EF4-FFF2-40B4-BE49-F238E27FC236}">
-                <a16:creationId xmlns:a16="http://schemas.microsoft.com/office/drawing/2014/main" id="{9A16DD07-06AF-8A4C-918A-515C4EF779FA}"/>
+                <a16:creationId xmlns:a16="http://schemas.microsoft.com/office/drawing/2014/main" id="{77F1959F-AE71-3A4D-871A-5DE2197ABADC}"/>
               </a:ext>
             </a:extLst>
           </p:cNvPr>
-          <p:cNvSpPr>
-            <a:spLocks noGrp="1"/>
-          </p:cNvSpPr>
-          <p:nvPr>
-            <p:ph type="body" sz="quarter" idx="10"/>
-          </p:nvPr>
+          <p:cNvSpPr txBox="1">
+            <a:spLocks/>
+          </p:cNvSpPr>
+          <p:nvPr/>
         </p:nvSpPr>
         <p:spPr>
           <a:xfrm>
             <a:off x="2090569" y="1343951"/>
             <a:ext cx="8064650" cy="5168872"/>
           </a:xfrm>
+          <a:prstGeom prst="rect">
+            <a:avLst/>
+          </a:prstGeom>
         </p:spPr>
         <p:txBody>
-          <a:bodyPr>
+          <a:bodyPr vert="horz" lIns="91440" tIns="45720" rIns="91440" bIns="45720" rtlCol="0">
             <a:normAutofit/>
           </a:bodyPr>
-          <a:lstStyle/>
-          <a:p>
-            <a:pPr marL="457200" indent="-457200" algn="l">
+          <a:lstStyle>
+            <a:lvl1pPr marL="0" indent="0" algn="ctr" defTabSz="914400" rtl="0" eaLnBrk="1" latinLnBrk="0" hangingPunct="1">
+              <a:lnSpc>
+                <a:spcPct val="90000"/>
+              </a:lnSpc>
+              <a:spcBef>
+                <a:spcPts val="1000"/>
+              </a:spcBef>
+              <a:buFont typeface="Arial" panose="020B0604020202020204" pitchFamily="34" charset="0"/>
+              <a:buNone/>
+              <a:defRPr sz="2000" kern="1200">
+                <a:solidFill>
+                  <a:schemeClr val="tx1"/>
+                </a:solidFill>
+                <a:latin typeface="Arial" panose="020B0604020202020204" pitchFamily="34" charset="0"/>
+                <a:ea typeface="Arial" panose="020B0604020202020204" pitchFamily="34" charset="0"/>
+                <a:cs typeface="Arial" panose="020B0604020202020204" pitchFamily="34" charset="0"/>
+              </a:defRPr>
+            </a:lvl1pPr>
+            <a:lvl2pPr marL="457200" indent="0" algn="ctr" defTabSz="914400" rtl="0" eaLnBrk="1" latinLnBrk="0" hangingPunct="1">
+              <a:lnSpc>
+                <a:spcPct val="90000"/>
+              </a:lnSpc>
+              <a:spcBef>
+                <a:spcPts val="500"/>
+              </a:spcBef>
+              <a:buFont typeface="Arial" panose="020B0604020202020204" pitchFamily="34" charset="0"/>
+              <a:buNone/>
+              <a:defRPr sz="2000" kern="1200">
+                <a:solidFill>
+                  <a:schemeClr val="tx1"/>
+                </a:solidFill>
+                <a:latin typeface="Arial" panose="020B0604020202020204" pitchFamily="34" charset="0"/>
+                <a:ea typeface="Arial" panose="020B0604020202020204" pitchFamily="34" charset="0"/>
+                <a:cs typeface="Arial" panose="020B0604020202020204" pitchFamily="34" charset="0"/>
+              </a:defRPr>
+            </a:lvl2pPr>
+            <a:lvl3pPr marL="914400" indent="0" algn="ctr" defTabSz="914400" rtl="0" eaLnBrk="1" latinLnBrk="0" hangingPunct="1">
+              <a:lnSpc>
+                <a:spcPct val="90000"/>
+              </a:lnSpc>
+              <a:spcBef>
+                <a:spcPts val="500"/>
+              </a:spcBef>
+              <a:buFont typeface="Arial" panose="020B0604020202020204" pitchFamily="34" charset="0"/>
+              <a:buNone/>
+              <a:defRPr sz="2000" kern="1200">
+                <a:solidFill>
+                  <a:schemeClr val="tx1"/>
+                </a:solidFill>
+                <a:latin typeface="Arial" panose="020B0604020202020204" pitchFamily="34" charset="0"/>
+                <a:ea typeface="Arial" panose="020B0604020202020204" pitchFamily="34" charset="0"/>
+                <a:cs typeface="Arial" panose="020B0604020202020204" pitchFamily="34" charset="0"/>
+              </a:defRPr>
+            </a:lvl3pPr>
+            <a:lvl4pPr marL="1371600" indent="0" algn="ctr" defTabSz="914400" rtl="0" eaLnBrk="1" latinLnBrk="0" hangingPunct="1">
+              <a:lnSpc>
+                <a:spcPct val="90000"/>
+              </a:lnSpc>
+              <a:spcBef>
+                <a:spcPts val="500"/>
+              </a:spcBef>
+              <a:buFont typeface="Arial" panose="020B0604020202020204" pitchFamily="34" charset="0"/>
+              <a:buNone/>
+              <a:defRPr sz="1800" kern="1200">
+                <a:solidFill>
+                  <a:schemeClr val="tx1"/>
+                </a:solidFill>
+                <a:latin typeface="Arial" panose="020B0604020202020204" pitchFamily="34" charset="0"/>
+                <a:ea typeface="Arial" panose="020B0604020202020204" pitchFamily="34" charset="0"/>
+                <a:cs typeface="Arial" panose="020B0604020202020204" pitchFamily="34" charset="0"/>
+              </a:defRPr>
+            </a:lvl4pPr>
+            <a:lvl5pPr marL="1828800" indent="0" algn="ctr" defTabSz="914400" rtl="0" eaLnBrk="1" latinLnBrk="0" hangingPunct="1">
+              <a:lnSpc>
+                <a:spcPct val="90000"/>
+              </a:lnSpc>
+              <a:spcBef>
+                <a:spcPts val="500"/>
+              </a:spcBef>
+              <a:buFont typeface="Arial" panose="020B0604020202020204" pitchFamily="34" charset="0"/>
+              <a:buNone/>
+              <a:defRPr sz="1800" kern="1200">
+                <a:solidFill>
+                  <a:schemeClr val="tx1"/>
+                </a:solidFill>
+                <a:latin typeface="Arial" panose="020B0604020202020204" pitchFamily="34" charset="0"/>
+                <a:ea typeface="Arial" panose="020B0604020202020204" pitchFamily="34" charset="0"/>
+                <a:cs typeface="Arial" panose="020B0604020202020204" pitchFamily="34" charset="0"/>
+              </a:defRPr>
+            </a:lvl5pPr>
+            <a:lvl6pPr marL="2514600" indent="-228600" algn="l" defTabSz="914400" rtl="0" eaLnBrk="1" latinLnBrk="0" hangingPunct="1">
+              <a:lnSpc>
+                <a:spcPct val="90000"/>
+              </a:lnSpc>
+              <a:spcBef>
+                <a:spcPts val="500"/>
+              </a:spcBef>
+              <a:buFont typeface="Arial" panose="020B0604020202020204" pitchFamily="34" charset="0"/>
+              <a:buChar char="•"/>
+              <a:defRPr sz="1800" kern="1200">
+                <a:solidFill>
+                  <a:schemeClr val="tx1"/>
+                </a:solidFill>
+                <a:latin typeface="+mn-lt"/>
+                <a:ea typeface="+mn-ea"/>
+                <a:cs typeface="+mn-cs"/>
+              </a:defRPr>
+            </a:lvl6pPr>
+            <a:lvl7pPr marL="2971800" indent="-228600" algn="l" defTabSz="914400" rtl="0" eaLnBrk="1" latinLnBrk="0" hangingPunct="1">
+              <a:lnSpc>
+                <a:spcPct val="90000"/>
+              </a:lnSpc>
+              <a:spcBef>
+                <a:spcPts val="500"/>
+              </a:spcBef>
+              <a:buFont typeface="Arial" panose="020B0604020202020204" pitchFamily="34" charset="0"/>
+              <a:buChar char="•"/>
+              <a:defRPr sz="1800" kern="1200">
+                <a:solidFill>
+                  <a:schemeClr val="tx1"/>
+                </a:solidFill>
+                <a:latin typeface="+mn-lt"/>
+                <a:ea typeface="+mn-ea"/>
+                <a:cs typeface="+mn-cs"/>
+              </a:defRPr>
+            </a:lvl7pPr>
+            <a:lvl8pPr marL="3429000" indent="-228600" algn="l" defTabSz="914400" rtl="0" eaLnBrk="1" latinLnBrk="0" hangingPunct="1">
+              <a:lnSpc>
+                <a:spcPct val="90000"/>
+              </a:lnSpc>
+              <a:spcBef>
+                <a:spcPts val="500"/>
+              </a:spcBef>
+              <a:buFont typeface="Arial" panose="020B0604020202020204" pitchFamily="34" charset="0"/>
+              <a:buChar char="•"/>
+              <a:defRPr sz="1800" kern="1200">
+                <a:solidFill>
+                  <a:schemeClr val="tx1"/>
+                </a:solidFill>
+                <a:latin typeface="+mn-lt"/>
+                <a:ea typeface="+mn-ea"/>
+                <a:cs typeface="+mn-cs"/>
+              </a:defRPr>
+            </a:lvl8pPr>
+            <a:lvl9pPr marL="3886200" indent="-228600" algn="l" defTabSz="914400" rtl="0" eaLnBrk="1" latinLnBrk="0" hangingPunct="1">
+              <a:lnSpc>
+                <a:spcPct val="90000"/>
+              </a:lnSpc>
+              <a:spcBef>
+                <a:spcPts val="500"/>
+              </a:spcBef>
+              <a:buFont typeface="Arial" panose="020B0604020202020204" pitchFamily="34" charset="0"/>
+              <a:buChar char="•"/>
+              <a:defRPr sz="1800" kern="1200">
+                <a:solidFill>
+                  <a:schemeClr val="tx1"/>
+                </a:solidFill>
+                <a:latin typeface="+mn-lt"/>
+                <a:ea typeface="+mn-ea"/>
+                <a:cs typeface="+mn-cs"/>
+              </a:defRPr>
+            </a:lvl9pPr>
+          </a:lstStyle>
+          <a:p>
+            <a:pPr marL="457200" marR="0" lvl="0" indent="-457200" algn="l" defTabSz="914400" rtl="0" eaLnBrk="1" fontAlgn="auto" latinLnBrk="0" hangingPunct="1">
+              <a:lnSpc>
+                <a:spcPct val="90000"/>
+              </a:lnSpc>
+              <a:spcBef>
+                <a:spcPts val="1000"/>
+              </a:spcBef>
+              <a:spcAft>
+                <a:spcPts val="0"/>
+              </a:spcAft>
+              <a:buClrTx/>
+              <a:buSzTx/>
               <a:buFont typeface="Arial" panose="020B0604020202020204" pitchFamily="34" charset="0"/>
               <a:buAutoNum type="arabicPeriod"/>
+              <a:tabLst/>
+              <a:defRPr/>
             </a:pPr>
             <a:r>
-              <a:rPr lang="en-US" dirty="0"/>
-              <a:t>Open </a:t>
-            </a:r>
-            <a:r>
-              <a:rPr lang="en-US" dirty="0">
-                <a:solidFill>
-                  <a:srgbClr val="0070C0"/>
-                </a:solidFill>
+              <a:rPr kumimoji="0" lang="en-US" sz="2000" b="0" i="0" u="none" strike="noStrike" kern="1200" cap="none" spc="0" normalizeH="0" baseline="0" noProof="0" dirty="0">
+                <a:ln>
+                  <a:noFill/>
+                </a:ln>
+                <a:effectLst/>
+                <a:uLnTx/>
+                <a:uFillTx/>
+                <a:latin typeface="Arial" panose="020B0604020202020204" pitchFamily="34" charset="0"/>
+                <a:cs typeface="Arial" panose="020B0604020202020204" pitchFamily="34" charset="0"/>
+              </a:rPr>
+              <a:t>Open</a:t>
+            </a:r>
+            <a:r>
+              <a:rPr kumimoji="0" lang="en-US" sz="2000" b="0" i="0" u="none" strike="noStrike" kern="1200" cap="none" spc="0" normalizeH="0" baseline="0" noProof="0" dirty="0">
+                <a:ln>
+                  <a:noFill/>
+                </a:ln>
+                <a:solidFill>
+                  <a:sysClr val="windowText" lastClr="000000"/>
+                </a:solidFill>
+                <a:effectLst/>
+                <a:uLnTx/>
+                <a:uFillTx/>
+                <a:latin typeface="Arial" panose="020B0604020202020204" pitchFamily="34" charset="0"/>
+                <a:cs typeface="Arial" panose="020B0604020202020204" pitchFamily="34" charset="0"/>
+              </a:rPr>
+              <a:t> </a:t>
+            </a:r>
+            <a:r>
+              <a:rPr kumimoji="0" lang="en-US" sz="2000" b="0" i="0" u="none" strike="noStrike" kern="1200" cap="none" spc="0" normalizeH="0" baseline="0" noProof="0" dirty="0">
+                <a:ln>
+                  <a:noFill/>
+                </a:ln>
+                <a:solidFill>
+                  <a:srgbClr val="00B0F0"/>
+                </a:solidFill>
+                <a:effectLst/>
+                <a:uLnTx/>
+                <a:uFillTx/>
                 <a:latin typeface="Courier" pitchFamily="2" charset="0"/>
+                <a:cs typeface="Arial" panose="020B0604020202020204" pitchFamily="34" charset="0"/>
               </a:rPr>
               <a:t>templates/</a:t>
             </a:r>
             <a:r>
-              <a:rPr lang="en-US" dirty="0" err="1">
-                <a:solidFill>
-                  <a:srgbClr val="0070C0"/>
-                </a:solidFill>
+              <a:rPr kumimoji="0" lang="en-US" sz="2000" b="0" i="0" u="none" strike="noStrike" kern="1200" cap="none" spc="0" normalizeH="0" baseline="0" noProof="0" dirty="0" err="1">
+                <a:ln>
+                  <a:noFill/>
+                </a:ln>
+                <a:solidFill>
+                  <a:srgbClr val="00B0F0"/>
+                </a:solidFill>
+                <a:effectLst/>
+                <a:uLnTx/>
+                <a:uFillTx/>
                 <a:latin typeface="Courier" pitchFamily="2" charset="0"/>
+                <a:cs typeface="Arial" panose="020B0604020202020204" pitchFamily="34" charset="0"/>
               </a:rPr>
               <a:t>objectOrientedHandleClass.m</a:t>
             </a:r>
-            <a:endParaRPr lang="en-US" dirty="0">
+            <a:endParaRPr kumimoji="0" lang="en-US" sz="2000" b="0" i="0" u="none" strike="noStrike" kern="1200" cap="none" spc="0" normalizeH="0" baseline="0" noProof="0" dirty="0">
+              <a:ln>
+                <a:noFill/>
+              </a:ln>
               <a:solidFill>
-                <a:srgbClr val="0070C0"/>
+                <a:srgbClr val="00B0F0"/>
               </a:solidFill>
+              <a:effectLst/>
+              <a:uLnTx/>
+              <a:uFillTx/>
               <a:latin typeface="Courier" pitchFamily="2" charset="0"/>
+              <a:cs typeface="Arial" panose="020B0604020202020204" pitchFamily="34" charset="0"/>
             </a:endParaRPr>
           </a:p>
           <a:p>
-            <a:pPr marL="457200" indent="-457200" algn="l">
+            <a:pPr marL="457200" marR="0" lvl="0" indent="-457200" algn="l" defTabSz="914400" rtl="0" eaLnBrk="1" fontAlgn="auto" latinLnBrk="0" hangingPunct="1">
+              <a:lnSpc>
+                <a:spcPct val="90000"/>
+              </a:lnSpc>
+              <a:spcBef>
+                <a:spcPts val="1000"/>
+              </a:spcBef>
+              <a:spcAft>
+                <a:spcPts val="0"/>
+              </a:spcAft>
+              <a:buClrTx/>
+              <a:buSzTx/>
+              <a:buFont typeface="Arial" panose="020B0604020202020204" pitchFamily="34" charset="0"/>
               <a:buAutoNum type="arabicPeriod"/>
+              <a:tabLst/>
+              <a:defRPr/>
             </a:pPr>
             <a:r>
-              <a:rPr lang="en-US" dirty="0"/>
+              <a:rPr kumimoji="0" lang="en-US" sz="2000" b="0" i="0" u="none" strike="noStrike" kern="1200" cap="none" spc="0" normalizeH="0" baseline="0" noProof="0" dirty="0">
+                <a:ln>
+                  <a:noFill/>
+                </a:ln>
+                <a:effectLst/>
+                <a:uLnTx/>
+                <a:uFillTx/>
+                <a:latin typeface="Arial" panose="020B0604020202020204" pitchFamily="34" charset="0"/>
+                <a:cs typeface="Arial" panose="020B0604020202020204" pitchFamily="34" charset="0"/>
+              </a:rPr>
               <a:t>Rename it to something else (a class of object)</a:t>
             </a:r>
           </a:p>
           <a:p>
-            <a:pPr marL="914400" lvl="1" indent="-457200" algn="l">
+            <a:pPr marL="914400" marR="0" lvl="1" indent="-457200" algn="l" defTabSz="914400" rtl="0" eaLnBrk="1" fontAlgn="auto" latinLnBrk="0" hangingPunct="1">
+              <a:lnSpc>
+                <a:spcPct val="90000"/>
+              </a:lnSpc>
+              <a:spcBef>
+                <a:spcPts val="500"/>
+              </a:spcBef>
+              <a:spcAft>
+                <a:spcPts val="0"/>
+              </a:spcAft>
+              <a:buClrTx/>
+              <a:buSzTx/>
               <a:buFont typeface="Arial" panose="020B0604020202020204" pitchFamily="34" charset="0"/>
               <a:buChar char="•"/>
+              <a:tabLst/>
+              <a:defRPr/>
             </a:pPr>
             <a:r>
-              <a:rPr lang="en-US" dirty="0"/>
+              <a:rPr kumimoji="0" lang="en-US" sz="2000" b="0" i="0" u="none" strike="noStrike" kern="1200" cap="none" spc="0" normalizeH="0" baseline="0" noProof="0" dirty="0">
+                <a:ln>
+                  <a:noFill/>
+                </a:ln>
+                <a:effectLst/>
+                <a:uLnTx/>
+                <a:uFillTx/>
+                <a:latin typeface="Arial" panose="020B0604020202020204" pitchFamily="34" charset="0"/>
+                <a:cs typeface="Arial" panose="020B0604020202020204" pitchFamily="34" charset="0"/>
+              </a:rPr>
               <a:t>e.g. </a:t>
             </a:r>
             <a:r>
-              <a:rPr lang="en-US" dirty="0" err="1">
-                <a:solidFill>
-                  <a:srgbClr val="0070C0"/>
-                </a:solidFill>
+              <a:rPr kumimoji="0" lang="en-US" sz="2000" b="0" i="0" u="none" strike="noStrike" kern="1200" cap="none" spc="0" normalizeH="0" baseline="0" noProof="0" dirty="0" err="1">
+                <a:ln>
+                  <a:noFill/>
+                </a:ln>
+                <a:solidFill>
+                  <a:srgbClr val="00B0F0"/>
+                </a:solidFill>
+                <a:effectLst/>
+                <a:uLnTx/>
+                <a:uFillTx/>
                 <a:latin typeface="Courier" pitchFamily="2" charset="0"/>
+                <a:cs typeface="Arial" panose="020B0604020202020204" pitchFamily="34" charset="0"/>
               </a:rPr>
               <a:t>warehouse.m</a:t>
             </a:r>
-            <a:endParaRPr lang="en-US" dirty="0"/>
-          </a:p>
-          <a:p>
-            <a:pPr marL="457200" indent="-457200" algn="l">
+            <a:endParaRPr kumimoji="0" lang="en-US" sz="2000" b="0" i="0" u="none" strike="noStrike" kern="1200" cap="none" spc="0" normalizeH="0" baseline="0" noProof="0" dirty="0">
+              <a:ln>
+                <a:noFill/>
+              </a:ln>
+              <a:solidFill>
+                <a:srgbClr val="00B0F0"/>
+              </a:solidFill>
+              <a:effectLst/>
+              <a:uLnTx/>
+              <a:uFillTx/>
+              <a:cs typeface="Arial" panose="020B0604020202020204" pitchFamily="34" charset="0"/>
+            </a:endParaRPr>
+          </a:p>
+          <a:p>
+            <a:pPr marL="457200" marR="0" lvl="0" indent="-457200" algn="l" defTabSz="914400" rtl="0" eaLnBrk="1" fontAlgn="auto" latinLnBrk="0" hangingPunct="1">
+              <a:lnSpc>
+                <a:spcPct val="90000"/>
+              </a:lnSpc>
+              <a:spcBef>
+                <a:spcPts val="1000"/>
+              </a:spcBef>
+              <a:spcAft>
+                <a:spcPts val="0"/>
+              </a:spcAft>
+              <a:buClrTx/>
+              <a:buSzTx/>
+              <a:buFont typeface="Arial" panose="020B0604020202020204" pitchFamily="34" charset="0"/>
               <a:buAutoNum type="arabicPeriod"/>
+              <a:tabLst/>
+              <a:defRPr/>
             </a:pPr>
             <a:r>
-              <a:rPr lang="en-US" dirty="0"/>
+              <a:rPr kumimoji="0" lang="en-US" sz="2000" b="0" i="0" u="none" strike="noStrike" kern="1200" cap="none" spc="0" normalizeH="0" baseline="0" noProof="0" dirty="0">
+                <a:ln>
+                  <a:noFill/>
+                </a:ln>
+                <a:effectLst/>
+                <a:uLnTx/>
+                <a:uFillTx/>
+                <a:latin typeface="Arial" panose="020B0604020202020204" pitchFamily="34" charset="0"/>
+                <a:cs typeface="Arial" panose="020B0604020202020204" pitchFamily="34" charset="0"/>
+              </a:rPr>
               <a:t>Add a property that could contain your original object</a:t>
             </a:r>
           </a:p>
           <a:p>
-            <a:pPr marL="914400" lvl="1" indent="-457200" algn="l">
+            <a:pPr marL="914400" marR="0" lvl="1" indent="-457200" algn="l" defTabSz="914400" rtl="0" eaLnBrk="1" fontAlgn="auto" latinLnBrk="0" hangingPunct="1">
+              <a:lnSpc>
+                <a:spcPct val="90000"/>
+              </a:lnSpc>
+              <a:spcBef>
+                <a:spcPts val="500"/>
+              </a:spcBef>
+              <a:spcAft>
+                <a:spcPts val="0"/>
+              </a:spcAft>
+              <a:buClrTx/>
+              <a:buSzTx/>
               <a:buFont typeface="Arial" panose="020B0604020202020204" pitchFamily="34" charset="0"/>
               <a:buChar char="•"/>
+              <a:tabLst/>
+              <a:defRPr/>
             </a:pPr>
             <a:r>
-              <a:rPr lang="en-US" dirty="0"/>
+              <a:rPr kumimoji="0" lang="en-US" sz="2000" b="0" i="0" u="none" strike="noStrike" kern="1200" cap="none" spc="0" normalizeH="0" baseline="0" noProof="0" dirty="0">
+                <a:ln>
+                  <a:noFill/>
+                </a:ln>
+                <a:effectLst/>
+                <a:uLnTx/>
+                <a:uFillTx/>
+                <a:latin typeface="Arial" panose="020B0604020202020204" pitchFamily="34" charset="0"/>
+                <a:cs typeface="Arial" panose="020B0604020202020204" pitchFamily="34" charset="0"/>
+              </a:rPr>
               <a:t>e.g. </a:t>
             </a:r>
             <a:r>
-              <a:rPr lang="en-US" dirty="0">
-                <a:solidFill>
-                  <a:srgbClr val="0070C0"/>
-                </a:solidFill>
+              <a:rPr kumimoji="0" lang="en-US" sz="2000" b="0" i="0" u="none" strike="noStrike" kern="1200" cap="none" spc="0" normalizeH="0" baseline="0" noProof="0" dirty="0">
+                <a:ln>
+                  <a:noFill/>
+                </a:ln>
+                <a:solidFill>
+                  <a:srgbClr val="00B0F0"/>
+                </a:solidFill>
+                <a:effectLst/>
+                <a:uLnTx/>
+                <a:uFillTx/>
                 <a:latin typeface="Courier" pitchFamily="2" charset="0"/>
+                <a:cs typeface="Arial" panose="020B0604020202020204" pitchFamily="34" charset="0"/>
               </a:rPr>
               <a:t>barrels</a:t>
             </a:r>
-            <a:endParaRPr lang="en-US" dirty="0"/>
-          </a:p>
-          <a:p>
-            <a:pPr marL="457200" indent="-457200" algn="l">
+            <a:endParaRPr kumimoji="0" lang="en-US" sz="2000" b="0" i="0" u="none" strike="noStrike" kern="1200" cap="none" spc="0" normalizeH="0" baseline="0" noProof="0" dirty="0">
+              <a:ln>
+                <a:noFill/>
+              </a:ln>
+              <a:solidFill>
+                <a:srgbClr val="00B0F0"/>
+              </a:solidFill>
+              <a:effectLst/>
+              <a:uLnTx/>
+              <a:uFillTx/>
+              <a:cs typeface="Arial" panose="020B0604020202020204" pitchFamily="34" charset="0"/>
+            </a:endParaRPr>
+          </a:p>
+          <a:p>
+            <a:pPr marL="457200" marR="0" lvl="0" indent="-457200" algn="l" defTabSz="914400" rtl="0" eaLnBrk="1" fontAlgn="auto" latinLnBrk="0" hangingPunct="1">
+              <a:lnSpc>
+                <a:spcPct val="90000"/>
+              </a:lnSpc>
+              <a:spcBef>
+                <a:spcPts val="1000"/>
+              </a:spcBef>
+              <a:spcAft>
+                <a:spcPts val="0"/>
+              </a:spcAft>
+              <a:buClrTx/>
+              <a:buSzTx/>
+              <a:buFont typeface="Arial" panose="020B0604020202020204" pitchFamily="34" charset="0"/>
               <a:buAutoNum type="arabicPeriod"/>
+              <a:tabLst/>
+              <a:defRPr/>
             </a:pPr>
             <a:r>
-              <a:rPr lang="en-US" dirty="0"/>
+              <a:rPr kumimoji="0" lang="en-US" sz="2000" b="0" i="0" u="none" strike="noStrike" kern="1200" cap="none" spc="0" normalizeH="0" baseline="0" noProof="0" dirty="0">
+                <a:ln>
+                  <a:noFill/>
+                </a:ln>
+                <a:effectLst/>
+                <a:uLnTx/>
+                <a:uFillTx/>
+                <a:latin typeface="Arial" panose="020B0604020202020204" pitchFamily="34" charset="0"/>
+                <a:cs typeface="Arial" panose="020B0604020202020204" pitchFamily="34" charset="0"/>
+              </a:rPr>
               <a:t>Update constructor function</a:t>
             </a:r>
           </a:p>
           <a:p>
-            <a:pPr marL="914400" lvl="1" indent="-457200" algn="l">
+            <a:pPr marL="914400" marR="0" lvl="1" indent="-457200" algn="l" defTabSz="914400" rtl="0" eaLnBrk="1" fontAlgn="auto" latinLnBrk="0" hangingPunct="1">
+              <a:lnSpc>
+                <a:spcPct val="90000"/>
+              </a:lnSpc>
+              <a:spcBef>
+                <a:spcPts val="500"/>
+              </a:spcBef>
+              <a:spcAft>
+                <a:spcPts val="0"/>
+              </a:spcAft>
+              <a:buClrTx/>
+              <a:buSzTx/>
               <a:buFont typeface="Arial" panose="020B0604020202020204" pitchFamily="34" charset="0"/>
               <a:buChar char="•"/>
+              <a:tabLst/>
+              <a:defRPr/>
             </a:pPr>
             <a:r>
-              <a:rPr lang="en-US" dirty="0"/>
+              <a:rPr kumimoji="0" lang="en-US" sz="2000" b="0" i="0" u="none" strike="noStrike" kern="1200" cap="none" spc="0" normalizeH="0" baseline="0" noProof="0" dirty="0">
+                <a:ln>
+                  <a:noFill/>
+                </a:ln>
+                <a:effectLst/>
+                <a:uLnTx/>
+                <a:uFillTx/>
+                <a:latin typeface="Arial" panose="020B0604020202020204" pitchFamily="34" charset="0"/>
+                <a:cs typeface="Arial" panose="020B0604020202020204" pitchFamily="34" charset="0"/>
+              </a:rPr>
               <a:t>e.g. </a:t>
             </a:r>
             <a:r>
-              <a:rPr lang="en-US" dirty="0">
-                <a:solidFill>
-                  <a:srgbClr val="0070C0"/>
-                </a:solidFill>
+              <a:rPr kumimoji="0" lang="en-US" sz="2000" b="0" i="0" u="none" strike="noStrike" kern="1200" cap="none" spc="0" normalizeH="0" baseline="0" noProof="0" dirty="0">
+                <a:ln>
+                  <a:noFill/>
+                </a:ln>
+                <a:solidFill>
+                  <a:srgbClr val="00B0F0"/>
+                </a:solidFill>
+                <a:effectLst/>
+                <a:uLnTx/>
+                <a:uFillTx/>
                 <a:latin typeface="Courier" pitchFamily="2" charset="0"/>
+                <a:cs typeface="Arial" panose="020B0604020202020204" pitchFamily="34" charset="0"/>
               </a:rPr>
               <a:t>function </a:t>
             </a:r>
             <a:r>
-              <a:rPr lang="en-US" dirty="0" err="1">
-                <a:solidFill>
-                  <a:srgbClr val="0070C0"/>
-                </a:solidFill>
+              <a:rPr kumimoji="0" lang="en-US" sz="2000" b="0" i="0" u="none" strike="noStrike" kern="1200" cap="none" spc="0" normalizeH="0" baseline="0" noProof="0" dirty="0" err="1">
+                <a:ln>
+                  <a:noFill/>
+                </a:ln>
+                <a:solidFill>
+                  <a:srgbClr val="00B0F0"/>
+                </a:solidFill>
+                <a:effectLst/>
+                <a:uLnTx/>
+                <a:uFillTx/>
                 <a:latin typeface="Courier" pitchFamily="2" charset="0"/>
+                <a:cs typeface="Arial" panose="020B0604020202020204" pitchFamily="34" charset="0"/>
               </a:rPr>
               <a:t>obj</a:t>
             </a:r>
             <a:r>
-              <a:rPr lang="en-US" dirty="0">
-                <a:solidFill>
-                  <a:srgbClr val="0070C0"/>
-                </a:solidFill>
+              <a:rPr kumimoji="0" lang="en-US" sz="2000" b="0" i="0" u="none" strike="noStrike" kern="1200" cap="none" spc="0" normalizeH="0" baseline="0" noProof="0" dirty="0">
+                <a:ln>
+                  <a:noFill/>
+                </a:ln>
+                <a:solidFill>
+                  <a:srgbClr val="00B0F0"/>
+                </a:solidFill>
+                <a:effectLst/>
+                <a:uLnTx/>
+                <a:uFillTx/>
                 <a:latin typeface="Courier" pitchFamily="2" charset="0"/>
+                <a:cs typeface="Arial" panose="020B0604020202020204" pitchFamily="34" charset="0"/>
               </a:rPr>
               <a:t> = warehouse(location)</a:t>
             </a:r>
-            <a:endParaRPr lang="en-US" dirty="0"/>
-          </a:p>
-          <a:p>
-            <a:pPr marL="457200" indent="-457200" algn="l">
+            <a:endParaRPr kumimoji="0" lang="en-US" sz="2000" b="0" i="0" u="none" strike="noStrike" kern="1200" cap="none" spc="0" normalizeH="0" baseline="0" noProof="0" dirty="0">
+              <a:ln>
+                <a:noFill/>
+              </a:ln>
+              <a:solidFill>
+                <a:srgbClr val="00B0F0"/>
+              </a:solidFill>
+              <a:effectLst/>
+              <a:uLnTx/>
+              <a:uFillTx/>
+              <a:cs typeface="Arial" panose="020B0604020202020204" pitchFamily="34" charset="0"/>
+            </a:endParaRPr>
+          </a:p>
+          <a:p>
+            <a:pPr marL="457200" marR="0" lvl="0" indent="-457200" algn="l" defTabSz="914400" rtl="0" eaLnBrk="1" fontAlgn="auto" latinLnBrk="0" hangingPunct="1">
+              <a:lnSpc>
+                <a:spcPct val="90000"/>
+              </a:lnSpc>
+              <a:spcBef>
+                <a:spcPts val="1000"/>
+              </a:spcBef>
+              <a:spcAft>
+                <a:spcPts val="0"/>
+              </a:spcAft>
+              <a:buClrTx/>
+              <a:buSzTx/>
+              <a:buFont typeface="Arial" panose="020B0604020202020204" pitchFamily="34" charset="0"/>
               <a:buAutoNum type="arabicPeriod"/>
+              <a:tabLst/>
+              <a:defRPr/>
             </a:pPr>
             <a:r>
-              <a:rPr lang="en-US" dirty="0"/>
+              <a:rPr kumimoji="0" lang="en-US" sz="2000" b="0" i="0" u="none" strike="noStrike" kern="1200" cap="none" spc="0" normalizeH="0" baseline="0" noProof="0" dirty="0">
+                <a:ln>
+                  <a:noFill/>
+                </a:ln>
+                <a:effectLst/>
+                <a:uLnTx/>
+                <a:uFillTx/>
+                <a:latin typeface="Arial" panose="020B0604020202020204" pitchFamily="34" charset="0"/>
+                <a:cs typeface="Arial" panose="020B0604020202020204" pitchFamily="34" charset="0"/>
+              </a:rPr>
               <a:t>Implement way to create an “object of objects”</a:t>
             </a:r>
           </a:p>
           <a:p>
-            <a:pPr marL="914400" lvl="1" indent="-457200" algn="l">
+            <a:pPr marL="914400" marR="0" lvl="1" indent="-457200" algn="l" defTabSz="914400" rtl="0" eaLnBrk="1" fontAlgn="auto" latinLnBrk="0" hangingPunct="1">
+              <a:lnSpc>
+                <a:spcPct val="90000"/>
+              </a:lnSpc>
+              <a:spcBef>
+                <a:spcPts val="500"/>
+              </a:spcBef>
+              <a:spcAft>
+                <a:spcPts val="0"/>
+              </a:spcAft>
+              <a:buClrTx/>
+              <a:buSzTx/>
               <a:buFont typeface="Arial" panose="020B0604020202020204" pitchFamily="34" charset="0"/>
               <a:buChar char="•"/>
+              <a:tabLst/>
+              <a:defRPr/>
             </a:pPr>
             <a:r>
-              <a:rPr lang="en-US" dirty="0"/>
+              <a:rPr kumimoji="0" lang="en-US" sz="2000" b="0" i="0" u="none" strike="noStrike" kern="1200" cap="none" spc="0" normalizeH="0" baseline="0" noProof="0" dirty="0">
+                <a:ln>
+                  <a:noFill/>
+                </a:ln>
+                <a:effectLst/>
+                <a:uLnTx/>
+                <a:uFillTx/>
+                <a:latin typeface="Arial" panose="020B0604020202020204" pitchFamily="34" charset="0"/>
+                <a:cs typeface="Arial" panose="020B0604020202020204" pitchFamily="34" charset="0"/>
+              </a:rPr>
               <a:t>e.g. </a:t>
             </a:r>
             <a:r>
-              <a:rPr lang="en-US" dirty="0">
-                <a:solidFill>
-                  <a:srgbClr val="0070C0"/>
-                </a:solidFill>
+              <a:rPr kumimoji="0" lang="en-US" sz="2000" b="0" i="0" u="none" strike="noStrike" kern="1200" cap="none" spc="0" normalizeH="0" baseline="0" noProof="0" dirty="0">
+                <a:ln>
+                  <a:noFill/>
+                </a:ln>
+                <a:solidFill>
+                  <a:srgbClr val="00B0F0"/>
+                </a:solidFill>
+                <a:effectLst/>
+                <a:uLnTx/>
+                <a:uFillTx/>
                 <a:latin typeface="Courier" pitchFamily="2" charset="0"/>
+                <a:cs typeface="Arial" panose="020B0604020202020204" pitchFamily="34" charset="0"/>
               </a:rPr>
               <a:t>function </a:t>
             </a:r>
             <a:r>
-              <a:rPr lang="en-US" dirty="0" err="1">
-                <a:solidFill>
-                  <a:srgbClr val="0070C0"/>
-                </a:solidFill>
+              <a:rPr kumimoji="0" lang="en-US" sz="2000" b="0" i="0" u="none" strike="noStrike" kern="1200" cap="none" spc="0" normalizeH="0" baseline="0" noProof="0" dirty="0" err="1">
+                <a:ln>
+                  <a:noFill/>
+                </a:ln>
+                <a:solidFill>
+                  <a:srgbClr val="00B0F0"/>
+                </a:solidFill>
+                <a:effectLst/>
+                <a:uLnTx/>
+                <a:uFillTx/>
                 <a:latin typeface="Courier" pitchFamily="2" charset="0"/>
+                <a:cs typeface="Arial" panose="020B0604020202020204" pitchFamily="34" charset="0"/>
               </a:rPr>
               <a:t>addBarrel</a:t>
             </a:r>
             <a:r>
-              <a:rPr lang="en-US" dirty="0">
-                <a:solidFill>
-                  <a:srgbClr val="0070C0"/>
-                </a:solidFill>
+              <a:rPr kumimoji="0" lang="en-US" sz="2000" b="0" i="0" u="none" strike="noStrike" kern="1200" cap="none" spc="0" normalizeH="0" baseline="0" noProof="0" dirty="0">
+                <a:ln>
+                  <a:noFill/>
+                </a:ln>
+                <a:solidFill>
+                  <a:srgbClr val="00B0F0"/>
+                </a:solidFill>
+                <a:effectLst/>
+                <a:uLnTx/>
+                <a:uFillTx/>
                 <a:latin typeface="Courier" pitchFamily="2" charset="0"/>
+                <a:cs typeface="Arial" panose="020B0604020202020204" pitchFamily="34" charset="0"/>
               </a:rPr>
               <a:t>(</a:t>
             </a:r>
             <a:r>
-              <a:rPr lang="en-US" dirty="0" err="1">
-                <a:solidFill>
-                  <a:srgbClr val="0070C0"/>
-                </a:solidFill>
+              <a:rPr kumimoji="0" lang="en-US" sz="2000" b="0" i="0" u="none" strike="noStrike" kern="1200" cap="none" spc="0" normalizeH="0" baseline="0" noProof="0" dirty="0" err="1">
+                <a:ln>
+                  <a:noFill/>
+                </a:ln>
+                <a:solidFill>
+                  <a:srgbClr val="00B0F0"/>
+                </a:solidFill>
+                <a:effectLst/>
+                <a:uLnTx/>
+                <a:uFillTx/>
                 <a:latin typeface="Courier" pitchFamily="2" charset="0"/>
+                <a:cs typeface="Arial" panose="020B0604020202020204" pitchFamily="34" charset="0"/>
               </a:rPr>
               <a:t>obj,nMonkeys</a:t>
             </a:r>
             <a:r>
-              <a:rPr lang="en-US" dirty="0">
-                <a:solidFill>
-                  <a:srgbClr val="0070C0"/>
-                </a:solidFill>
+              <a:rPr kumimoji="0" lang="en-US" sz="2000" b="0" i="0" u="none" strike="noStrike" kern="1200" cap="none" spc="0" normalizeH="0" baseline="0" noProof="0" dirty="0">
+                <a:ln>
+                  <a:noFill/>
+                </a:ln>
+                <a:solidFill>
+                  <a:srgbClr val="00B0F0"/>
+                </a:solidFill>
+                <a:effectLst/>
+                <a:uLnTx/>
+                <a:uFillTx/>
                 <a:latin typeface="Courier" pitchFamily="2" charset="0"/>
+                <a:cs typeface="Arial" panose="020B0604020202020204" pitchFamily="34" charset="0"/>
               </a:rPr>
               <a:t>)</a:t>
             </a:r>
-            <a:endParaRPr lang="en-US" dirty="0"/>
-          </a:p>
-          <a:p>
-            <a:pPr marL="457200" indent="-457200" algn="l">
+            <a:endParaRPr kumimoji="0" lang="en-US" sz="2000" b="0" i="0" u="none" strike="noStrike" kern="1200" cap="none" spc="0" normalizeH="0" baseline="0" noProof="0" dirty="0">
+              <a:ln>
+                <a:noFill/>
+              </a:ln>
+              <a:solidFill>
+                <a:srgbClr val="00B0F0"/>
+              </a:solidFill>
+              <a:effectLst/>
+              <a:uLnTx/>
+              <a:uFillTx/>
+              <a:cs typeface="Arial" panose="020B0604020202020204" pitchFamily="34" charset="0"/>
+            </a:endParaRPr>
+          </a:p>
+          <a:p>
+            <a:pPr marL="457200" marR="0" lvl="0" indent="-457200" algn="l" defTabSz="914400" rtl="0" eaLnBrk="1" fontAlgn="auto" latinLnBrk="0" hangingPunct="1">
+              <a:lnSpc>
+                <a:spcPct val="90000"/>
+              </a:lnSpc>
+              <a:spcBef>
+                <a:spcPts val="1000"/>
+              </a:spcBef>
+              <a:spcAft>
+                <a:spcPts val="0"/>
+              </a:spcAft>
+              <a:buClrTx/>
+              <a:buSzTx/>
               <a:buFont typeface="Arial" panose="020B0604020202020204" pitchFamily="34" charset="0"/>
               <a:buAutoNum type="arabicPeriod"/>
+              <a:tabLst/>
+              <a:defRPr/>
             </a:pPr>
             <a:r>
-              <a:rPr lang="en-US" dirty="0"/>
+              <a:rPr kumimoji="0" lang="en-US" sz="2000" b="0" i="0" u="none" strike="noStrike" kern="1200" cap="none" spc="0" normalizeH="0" baseline="0" noProof="0" dirty="0">
+                <a:ln>
+                  <a:noFill/>
+                </a:ln>
+                <a:effectLst/>
+                <a:uLnTx/>
+                <a:uFillTx/>
+                <a:latin typeface="Arial" panose="020B0604020202020204" pitchFamily="34" charset="0"/>
+                <a:cs typeface="Arial" panose="020B0604020202020204" pitchFamily="34" charset="0"/>
+              </a:rPr>
               <a:t>Write a driver file to fill your new object with your original objects</a:t>
             </a:r>
           </a:p>
           <a:p>
-            <a:pPr marL="914400" lvl="1" indent="-457200" algn="l">
+            <a:pPr marL="914400" marR="0" lvl="1" indent="-457200" algn="l" defTabSz="914400" rtl="0" eaLnBrk="1" fontAlgn="auto" latinLnBrk="0" hangingPunct="1">
+              <a:lnSpc>
+                <a:spcPct val="90000"/>
+              </a:lnSpc>
+              <a:spcBef>
+                <a:spcPts val="500"/>
+              </a:spcBef>
+              <a:spcAft>
+                <a:spcPts val="0"/>
+              </a:spcAft>
+              <a:buClrTx/>
+              <a:buSzTx/>
               <a:buFont typeface="Arial" panose="020B0604020202020204" pitchFamily="34" charset="0"/>
               <a:buChar char="•"/>
+              <a:tabLst/>
+              <a:defRPr/>
             </a:pPr>
             <a:r>
-              <a:rPr lang="en-US" dirty="0"/>
+              <a:rPr kumimoji="0" lang="en-US" sz="2000" b="0" i="0" u="none" strike="noStrike" kern="1200" cap="none" spc="0" normalizeH="0" baseline="0" noProof="0" dirty="0">
+                <a:ln>
+                  <a:noFill/>
+                </a:ln>
+                <a:effectLst/>
+                <a:uLnTx/>
+                <a:uFillTx/>
+                <a:latin typeface="Arial" panose="020B0604020202020204" pitchFamily="34" charset="0"/>
+                <a:cs typeface="Arial" panose="020B0604020202020204" pitchFamily="34" charset="0"/>
+              </a:rPr>
               <a:t>e.g. </a:t>
             </a:r>
             <a:r>
-              <a:rPr lang="en-US" dirty="0" err="1">
-                <a:solidFill>
-                  <a:srgbClr val="0070C0"/>
-                </a:solidFill>
+              <a:rPr kumimoji="0" lang="en-US" sz="2000" b="0" i="0" u="none" strike="noStrike" kern="1200" cap="none" spc="0" normalizeH="0" baseline="0" noProof="0" dirty="0" err="1">
+                <a:ln>
+                  <a:noFill/>
+                </a:ln>
+                <a:solidFill>
+                  <a:srgbClr val="00B0F0"/>
+                </a:solidFill>
+                <a:effectLst/>
+                <a:uLnTx/>
+                <a:uFillTx/>
                 <a:latin typeface="Courier" pitchFamily="2" charset="0"/>
+                <a:cs typeface="Arial" panose="020B0604020202020204" pitchFamily="34" charset="0"/>
               </a:rPr>
               <a:t>monkeyWarehouseExample.m</a:t>
             </a:r>
             <a:r>
-              <a:rPr lang="en-US" dirty="0"/>
-              <a:t> creates a warehouse with 5 empty barrels, so I then fill up half of them</a:t>
-            </a:r>
-            <a:endParaRPr lang="en-US" dirty="0">
-              <a:solidFill>
-                <a:srgbClr val="0070C0"/>
-              </a:solidFill>
+              <a:rPr kumimoji="0" lang="en-US" sz="2000" b="0" i="0" u="none" strike="noStrike" kern="1200" cap="none" spc="0" normalizeH="0" baseline="0" noProof="0" dirty="0">
+                <a:ln>
+                  <a:noFill/>
+                </a:ln>
+                <a:solidFill>
+                  <a:srgbClr val="00B0F0"/>
+                </a:solidFill>
+                <a:effectLst/>
+                <a:uLnTx/>
+                <a:uFillTx/>
+                <a:latin typeface="Arial" panose="020B0604020202020204" pitchFamily="34" charset="0"/>
+                <a:cs typeface="Arial" panose="020B0604020202020204" pitchFamily="34" charset="0"/>
+              </a:rPr>
+              <a:t> </a:t>
+            </a:r>
+            <a:r>
+              <a:rPr kumimoji="0" lang="en-US" sz="2000" b="0" i="0" u="none" strike="noStrike" kern="1200" cap="none" spc="0" normalizeH="0" baseline="0" noProof="0" dirty="0">
+                <a:ln>
+                  <a:noFill/>
+                </a:ln>
+                <a:effectLst/>
+                <a:uLnTx/>
+                <a:uFillTx/>
+                <a:cs typeface="Arial" panose="020B0604020202020204" pitchFamily="34" charset="0"/>
+              </a:rPr>
+              <a:t>creates a warehouse with 5 empty barrels, so I then fill up half of them</a:t>
+            </a:r>
+            <a:endParaRPr kumimoji="0" lang="en-US" sz="2000" b="0" i="0" u="none" strike="noStrike" kern="1200" cap="none" spc="0" normalizeH="0" baseline="0" noProof="0" dirty="0">
+              <a:ln>
+                <a:noFill/>
+              </a:ln>
+              <a:effectLst/>
+              <a:uLnTx/>
+              <a:uFillTx/>
               <a:latin typeface="Courier" pitchFamily="2" charset="0"/>
+              <a:cs typeface="Arial" panose="020B0604020202020204" pitchFamily="34" charset="0"/>
             </a:endParaRPr>
           </a:p>
         </p:txBody>
       </p:sp>
       <p:sp>
         <p:nvSpPr>
-          <p:cNvPr id="5" name="Slide Number Placeholder 4">
+          <p:cNvPr id="13" name="Slide Number Placeholder 12">
             <a:extLst>
               <a:ext uri="{FF2B5EF4-FFF2-40B4-BE49-F238E27FC236}">
-                <a16:creationId xmlns:a16="http://schemas.microsoft.com/office/drawing/2014/main" id="{10231D7A-DD6D-0B43-94F8-716B648B9F87}"/>
+                <a16:creationId xmlns:a16="http://schemas.microsoft.com/office/drawing/2014/main" id="{7164F43C-032C-8045-88D8-E0ACFA2CBFA1}"/>
               </a:ext>
             </a:extLst>
           </p:cNvPr>
@@ -11827,12 +13188,12 @@
             <a:spLocks noGrp="1"/>
           </p:cNvSpPr>
           <p:nvPr>
-            <p:ph type="sldNum" sz="quarter" idx="11"/>
+            <p:ph type="sldNum" sz="quarter" idx="10"/>
           </p:nvPr>
         </p:nvSpPr>
         <p:spPr>
           <a:xfrm>
-            <a:off x="11786838" y="5771480"/>
+            <a:off x="11786838" y="6470727"/>
             <a:ext cx="405161" cy="365125"/>
           </a:xfrm>
         </p:spPr>
@@ -11851,7 +13212,7 @@
     </p:spTree>
     <p:extLst>
       <p:ext uri="{BB962C8B-B14F-4D97-AF65-F5344CB8AC3E}">
-        <p14:creationId xmlns:p14="http://schemas.microsoft.com/office/powerpoint/2010/main" val="1348162986"/>
+        <p14:creationId xmlns:p14="http://schemas.microsoft.com/office/powerpoint/2010/main" val="4016819297"/>
       </p:ext>
     </p:extLst>
   </p:cSld>
@@ -12070,12 +13431,25 @@
           <a:p>
             <a:r>
               <a:rPr lang="en-US" sz="1400" dirty="0">
-                <a:hlinkClick r:id="rId3"/>
+                <a:solidFill>
+                  <a:srgbClr val="0070C0"/>
+                </a:solidFill>
+                <a:hlinkClick r:id="rId3">
+                  <a:extLst>
+                    <a:ext uri="{A12FA001-AC4F-418D-AE19-62706E023703}">
+                      <ahyp:hlinkClr xmlns:ahyp="http://schemas.microsoft.com/office/drawing/2018/hyperlinkcolor" val="tx"/>
+                    </a:ext>
+                  </a:extLst>
+                </a:hlinkClick>
               </a:rPr>
               <a:t>https://github.com/saacuna/matlab_objectOrientedProgramming</a:t>
             </a:r>
             <a:r>
-              <a:rPr lang="en-US" sz="1400" dirty="0"/>
+              <a:rPr lang="en-US" sz="1400" dirty="0">
+                <a:solidFill>
+                  <a:srgbClr val="0070C0"/>
+                </a:solidFill>
+              </a:rPr>
               <a:t> </a:t>
             </a:r>
           </a:p>
@@ -12201,6 +13575,35 @@
               <a:rPr lang="en-US" sz="800" dirty="0"/>
               <a:t>  </a:t>
             </a:r>
+          </a:p>
+        </p:txBody>
+      </p:sp>
+      <p:sp>
+        <p:nvSpPr>
+          <p:cNvPr id="9" name="Slide Number Placeholder 8">
+            <a:extLst>
+              <a:ext uri="{FF2B5EF4-FFF2-40B4-BE49-F238E27FC236}">
+                <a16:creationId xmlns:a16="http://schemas.microsoft.com/office/drawing/2014/main" id="{A2788068-0D09-3249-9E93-BE48A0AD2077}"/>
+              </a:ext>
+            </a:extLst>
+          </p:cNvPr>
+          <p:cNvSpPr>
+            <a:spLocks noGrp="1"/>
+          </p:cNvSpPr>
+          <p:nvPr>
+            <p:ph type="sldNum" sz="quarter" idx="10"/>
+          </p:nvPr>
+        </p:nvSpPr>
+        <p:spPr/>
+        <p:txBody>
+          <a:bodyPr/>
+          <a:lstStyle/>
+          <a:p>
+            <a:fld id="{E62A57C8-5936-4048-93E2-2CC94939D132}" type="slidenum">
+              <a:rPr lang="en-US" smtClean="0"/>
+              <a:t>2</a:t>
+            </a:fld>
+            <a:endParaRPr lang="en-US"/>
           </a:p>
         </p:txBody>
       </p:sp>
@@ -12643,12 +14046,25 @@
           <a:p>
             <a:r>
               <a:rPr lang="en-US" dirty="0">
-                <a:hlinkClick r:id="rId2"/>
+                <a:solidFill>
+                  <a:srgbClr val="0070C0"/>
+                </a:solidFill>
+                <a:hlinkClick r:id="rId2">
+                  <a:extLst>
+                    <a:ext uri="{A12FA001-AC4F-418D-AE19-62706E023703}">
+                      <ahyp:hlinkClr xmlns:ahyp="http://schemas.microsoft.com/office/drawing/2018/hyperlinkcolor" val="tx"/>
+                    </a:ext>
+                  </a:extLst>
+                </a:hlinkClick>
               </a:rPr>
               <a:t>https://github.com/saacuna/posturography</a:t>
             </a:r>
             <a:r>
-              <a:rPr lang="en-US" dirty="0"/>
+              <a:rPr lang="en-US" dirty="0">
+                <a:solidFill>
+                  <a:srgbClr val="0070C0"/>
+                </a:solidFill>
+              </a:rPr>
               <a:t> </a:t>
             </a:r>
           </a:p>
@@ -12965,32 +14381,79 @@
       </p:grpSpPr>
       <p:sp>
         <p:nvSpPr>
-          <p:cNvPr id="6" name="Title 5">
+          <p:cNvPr id="13" name="Title 5">
             <a:extLst>
               <a:ext uri="{FF2B5EF4-FFF2-40B4-BE49-F238E27FC236}">
-                <a16:creationId xmlns:a16="http://schemas.microsoft.com/office/drawing/2014/main" id="{2E89989E-D04C-B847-9B11-F02A6FD2A1C4}"/>
+                <a16:creationId xmlns:a16="http://schemas.microsoft.com/office/drawing/2014/main" id="{E003B03B-1C09-CD4A-A737-412EEA40FFEB}"/>
               </a:ext>
             </a:extLst>
           </p:cNvPr>
-          <p:cNvSpPr>
-            <a:spLocks noGrp="1"/>
-          </p:cNvSpPr>
-          <p:nvPr>
-            <p:ph type="title"/>
-          </p:nvPr>
+          <p:cNvSpPr txBox="1">
+            <a:spLocks/>
+          </p:cNvSpPr>
+          <p:nvPr/>
         </p:nvSpPr>
         <p:spPr>
           <a:xfrm>
             <a:off x="2945296" y="1259577"/>
             <a:ext cx="6301409" cy="610234"/>
           </a:xfrm>
+          <a:prstGeom prst="rect">
+            <a:avLst/>
+          </a:prstGeom>
         </p:spPr>
         <p:txBody>
-          <a:bodyPr/>
-          <a:lstStyle/>
-          <a:p>
-            <a:r>
-              <a:rPr lang="en-US" dirty="0"/>
+          <a:bodyPr vert="horz" lIns="91440" tIns="45720" rIns="91440" bIns="45720" rtlCol="0" anchor="ctr">
+            <a:normAutofit/>
+          </a:bodyPr>
+          <a:lstStyle>
+            <a:lvl1pPr algn="ctr" defTabSz="914400" rtl="0" eaLnBrk="1" latinLnBrk="0" hangingPunct="1">
+              <a:lnSpc>
+                <a:spcPct val="90000"/>
+              </a:lnSpc>
+              <a:spcBef>
+                <a:spcPct val="0"/>
+              </a:spcBef>
+              <a:buNone/>
+              <a:defRPr sz="3000" b="1" kern="1200" spc="0" baseline="0">
+                <a:solidFill>
+                  <a:schemeClr val="tx1"/>
+                </a:solidFill>
+                <a:latin typeface="Arial" panose="020B0604020202020204" pitchFamily="34" charset="0"/>
+                <a:ea typeface="Arial" panose="020B0604020202020204" pitchFamily="34" charset="0"/>
+                <a:cs typeface="Arial" panose="020B0604020202020204" pitchFamily="34" charset="0"/>
+              </a:defRPr>
+            </a:lvl1pPr>
+          </a:lstStyle>
+          <a:p>
+            <a:pPr marL="0" marR="0" lvl="0" indent="0" algn="ctr" defTabSz="914400" rtl="0" eaLnBrk="1" fontAlgn="auto" latinLnBrk="0" hangingPunct="1">
+              <a:lnSpc>
+                <a:spcPct val="90000"/>
+              </a:lnSpc>
+              <a:spcBef>
+                <a:spcPct val="0"/>
+              </a:spcBef>
+              <a:spcAft>
+                <a:spcPts val="0"/>
+              </a:spcAft>
+              <a:buClrTx/>
+              <a:buSzTx/>
+              <a:buFontTx/>
+              <a:buNone/>
+              <a:tabLst/>
+              <a:defRPr/>
+            </a:pPr>
+            <a:r>
+              <a:rPr kumimoji="0" lang="en-US" sz="3000" b="1" i="0" u="none" strike="noStrike" kern="1200" cap="none" spc="0" normalizeH="0" baseline="0" noProof="0" dirty="0">
+                <a:ln>
+                  <a:noFill/>
+                </a:ln>
+                <a:effectLst/>
+                <a:uLnTx/>
+                <a:uFillTx/>
+                <a:latin typeface="Arial" panose="020B0604020202020204" pitchFamily="34" charset="0"/>
+                <a:cs typeface="Arial" panose="020B0604020202020204" pitchFamily="34" charset="0"/>
+              </a:rPr>
               <a:t>Your turn!</a:t>
             </a:r>
           </a:p>
@@ -12998,245 +14461,925 @@
       </p:sp>
       <p:sp>
         <p:nvSpPr>
-          <p:cNvPr id="7" name="Subtitle 6">
+          <p:cNvPr id="14" name="Subtitle 6">
             <a:extLst>
               <a:ext uri="{FF2B5EF4-FFF2-40B4-BE49-F238E27FC236}">
-                <a16:creationId xmlns:a16="http://schemas.microsoft.com/office/drawing/2014/main" id="{EBA0E148-4C2A-9348-A1BA-5D0C16BD646B}"/>
+                <a16:creationId xmlns:a16="http://schemas.microsoft.com/office/drawing/2014/main" id="{A56839B2-3C10-A144-ACC3-FAE60852E84F}"/>
               </a:ext>
             </a:extLst>
           </p:cNvPr>
-          <p:cNvSpPr>
-            <a:spLocks noGrp="1"/>
-          </p:cNvSpPr>
-          <p:nvPr>
-            <p:ph type="subTitle" idx="1"/>
-          </p:nvPr>
+          <p:cNvSpPr txBox="1">
+            <a:spLocks/>
+          </p:cNvSpPr>
+          <p:nvPr/>
         </p:nvSpPr>
         <p:spPr>
           <a:xfrm>
             <a:off x="2945296" y="1877086"/>
             <a:ext cx="6301409" cy="191427"/>
           </a:xfrm>
+          <a:prstGeom prst="rect">
+            <a:avLst/>
+          </a:prstGeom>
         </p:spPr>
         <p:txBody>
-          <a:bodyPr/>
-          <a:lstStyle/>
-          <a:p>
-            <a:r>
-              <a:rPr lang="en-US" dirty="0"/>
+          <a:bodyPr vert="horz" lIns="91440" tIns="45720" rIns="91440" bIns="45720" rtlCol="0">
+            <a:noAutofit/>
+          </a:bodyPr>
+          <a:lstStyle>
+            <a:lvl1pPr marL="0" indent="0" algn="ctr" defTabSz="914400" rtl="0" eaLnBrk="1" latinLnBrk="0" hangingPunct="1">
+              <a:lnSpc>
+                <a:spcPct val="90000"/>
+              </a:lnSpc>
+              <a:spcBef>
+                <a:spcPts val="1000"/>
+              </a:spcBef>
+              <a:buFont typeface="Arial" panose="020B0604020202020204" pitchFamily="34" charset="0"/>
+              <a:buNone/>
+              <a:defRPr sz="1000" b="0" kern="1200">
+                <a:solidFill>
+                  <a:schemeClr val="tx1">
+                    <a:lumMod val="50000"/>
+                    <a:lumOff val="50000"/>
+                  </a:schemeClr>
+                </a:solidFill>
+                <a:latin typeface="Arial" panose="020B0604020202020204" pitchFamily="34" charset="0"/>
+                <a:ea typeface="Arial" panose="020B0604020202020204" pitchFamily="34" charset="0"/>
+                <a:cs typeface="Arial" panose="020B0604020202020204" pitchFamily="34" charset="0"/>
+              </a:defRPr>
+            </a:lvl1pPr>
+            <a:lvl2pPr marL="457200" indent="0" algn="ctr" defTabSz="914400" rtl="0" eaLnBrk="1" latinLnBrk="0" hangingPunct="1">
+              <a:lnSpc>
+                <a:spcPct val="90000"/>
+              </a:lnSpc>
+              <a:spcBef>
+                <a:spcPts val="500"/>
+              </a:spcBef>
+              <a:buFont typeface="Arial" panose="020B0604020202020204" pitchFamily="34" charset="0"/>
+              <a:buNone/>
+              <a:defRPr sz="2000" kern="1200">
+                <a:solidFill>
+                  <a:schemeClr val="tx1"/>
+                </a:solidFill>
+                <a:latin typeface="Arial" panose="020B0604020202020204" pitchFamily="34" charset="0"/>
+                <a:ea typeface="Arial" panose="020B0604020202020204" pitchFamily="34" charset="0"/>
+                <a:cs typeface="Arial" panose="020B0604020202020204" pitchFamily="34" charset="0"/>
+              </a:defRPr>
+            </a:lvl2pPr>
+            <a:lvl3pPr marL="914400" indent="0" algn="ctr" defTabSz="914400" rtl="0" eaLnBrk="1" latinLnBrk="0" hangingPunct="1">
+              <a:lnSpc>
+                <a:spcPct val="90000"/>
+              </a:lnSpc>
+              <a:spcBef>
+                <a:spcPts val="500"/>
+              </a:spcBef>
+              <a:buFont typeface="Arial" panose="020B0604020202020204" pitchFamily="34" charset="0"/>
+              <a:buNone/>
+              <a:defRPr sz="1800" kern="1200">
+                <a:solidFill>
+                  <a:schemeClr val="tx1"/>
+                </a:solidFill>
+                <a:latin typeface="Arial" panose="020B0604020202020204" pitchFamily="34" charset="0"/>
+                <a:ea typeface="Arial" panose="020B0604020202020204" pitchFamily="34" charset="0"/>
+                <a:cs typeface="Arial" panose="020B0604020202020204" pitchFamily="34" charset="0"/>
+              </a:defRPr>
+            </a:lvl3pPr>
+            <a:lvl4pPr marL="1371600" indent="0" algn="ctr" defTabSz="914400" rtl="0" eaLnBrk="1" latinLnBrk="0" hangingPunct="1">
+              <a:lnSpc>
+                <a:spcPct val="90000"/>
+              </a:lnSpc>
+              <a:spcBef>
+                <a:spcPts val="500"/>
+              </a:spcBef>
+              <a:buFont typeface="Arial" panose="020B0604020202020204" pitchFamily="34" charset="0"/>
+              <a:buNone/>
+              <a:defRPr sz="1600" kern="1200">
+                <a:solidFill>
+                  <a:schemeClr val="tx1"/>
+                </a:solidFill>
+                <a:latin typeface="Arial" panose="020B0604020202020204" pitchFamily="34" charset="0"/>
+                <a:ea typeface="Arial" panose="020B0604020202020204" pitchFamily="34" charset="0"/>
+                <a:cs typeface="Arial" panose="020B0604020202020204" pitchFamily="34" charset="0"/>
+              </a:defRPr>
+            </a:lvl4pPr>
+            <a:lvl5pPr marL="1828800" indent="0" algn="ctr" defTabSz="914400" rtl="0" eaLnBrk="1" latinLnBrk="0" hangingPunct="1">
+              <a:lnSpc>
+                <a:spcPct val="90000"/>
+              </a:lnSpc>
+              <a:spcBef>
+                <a:spcPts val="500"/>
+              </a:spcBef>
+              <a:buFont typeface="Arial" panose="020B0604020202020204" pitchFamily="34" charset="0"/>
+              <a:buNone/>
+              <a:defRPr sz="1600" kern="1200">
+                <a:solidFill>
+                  <a:schemeClr val="tx1"/>
+                </a:solidFill>
+                <a:latin typeface="Arial" panose="020B0604020202020204" pitchFamily="34" charset="0"/>
+                <a:ea typeface="Arial" panose="020B0604020202020204" pitchFamily="34" charset="0"/>
+                <a:cs typeface="Arial" panose="020B0604020202020204" pitchFamily="34" charset="0"/>
+              </a:defRPr>
+            </a:lvl5pPr>
+            <a:lvl6pPr marL="2286000" indent="0" algn="ctr" defTabSz="914400" rtl="0" eaLnBrk="1" latinLnBrk="0" hangingPunct="1">
+              <a:lnSpc>
+                <a:spcPct val="90000"/>
+              </a:lnSpc>
+              <a:spcBef>
+                <a:spcPts val="500"/>
+              </a:spcBef>
+              <a:buFont typeface="Arial" panose="020B0604020202020204" pitchFamily="34" charset="0"/>
+              <a:buNone/>
+              <a:defRPr sz="1600" kern="1200">
+                <a:solidFill>
+                  <a:schemeClr val="tx1"/>
+                </a:solidFill>
+                <a:latin typeface="+mn-lt"/>
+                <a:ea typeface="+mn-ea"/>
+                <a:cs typeface="+mn-cs"/>
+              </a:defRPr>
+            </a:lvl6pPr>
+            <a:lvl7pPr marL="2743200" indent="0" algn="ctr" defTabSz="914400" rtl="0" eaLnBrk="1" latinLnBrk="0" hangingPunct="1">
+              <a:lnSpc>
+                <a:spcPct val="90000"/>
+              </a:lnSpc>
+              <a:spcBef>
+                <a:spcPts val="500"/>
+              </a:spcBef>
+              <a:buFont typeface="Arial" panose="020B0604020202020204" pitchFamily="34" charset="0"/>
+              <a:buNone/>
+              <a:defRPr sz="1600" kern="1200">
+                <a:solidFill>
+                  <a:schemeClr val="tx1"/>
+                </a:solidFill>
+                <a:latin typeface="+mn-lt"/>
+                <a:ea typeface="+mn-ea"/>
+                <a:cs typeface="+mn-cs"/>
+              </a:defRPr>
+            </a:lvl7pPr>
+            <a:lvl8pPr marL="3200400" indent="0" algn="ctr" defTabSz="914400" rtl="0" eaLnBrk="1" latinLnBrk="0" hangingPunct="1">
+              <a:lnSpc>
+                <a:spcPct val="90000"/>
+              </a:lnSpc>
+              <a:spcBef>
+                <a:spcPts val="500"/>
+              </a:spcBef>
+              <a:buFont typeface="Arial" panose="020B0604020202020204" pitchFamily="34" charset="0"/>
+              <a:buNone/>
+              <a:defRPr sz="1600" kern="1200">
+                <a:solidFill>
+                  <a:schemeClr val="tx1"/>
+                </a:solidFill>
+                <a:latin typeface="+mn-lt"/>
+                <a:ea typeface="+mn-ea"/>
+                <a:cs typeface="+mn-cs"/>
+              </a:defRPr>
+            </a:lvl8pPr>
+            <a:lvl9pPr marL="3657600" indent="0" algn="ctr" defTabSz="914400" rtl="0" eaLnBrk="1" latinLnBrk="0" hangingPunct="1">
+              <a:lnSpc>
+                <a:spcPct val="90000"/>
+              </a:lnSpc>
+              <a:spcBef>
+                <a:spcPts val="500"/>
+              </a:spcBef>
+              <a:buFont typeface="Arial" panose="020B0604020202020204" pitchFamily="34" charset="0"/>
+              <a:buNone/>
+              <a:defRPr sz="1600" kern="1200">
+                <a:solidFill>
+                  <a:schemeClr val="tx1"/>
+                </a:solidFill>
+                <a:latin typeface="+mn-lt"/>
+                <a:ea typeface="+mn-ea"/>
+                <a:cs typeface="+mn-cs"/>
+              </a:defRPr>
+            </a:lvl9pPr>
+          </a:lstStyle>
+          <a:p>
+            <a:pPr marL="0" marR="0" lvl="0" indent="0" algn="ctr" defTabSz="914400" rtl="0" eaLnBrk="1" fontAlgn="auto" latinLnBrk="0" hangingPunct="1">
+              <a:lnSpc>
+                <a:spcPct val="90000"/>
+              </a:lnSpc>
+              <a:spcBef>
+                <a:spcPts val="1000"/>
+              </a:spcBef>
+              <a:spcAft>
+                <a:spcPts val="0"/>
+              </a:spcAft>
+              <a:buClrTx/>
+              <a:buSzTx/>
+              <a:buFont typeface="Arial" panose="020B0604020202020204" pitchFamily="34" charset="0"/>
+              <a:buNone/>
+              <a:tabLst/>
+              <a:defRPr/>
+            </a:pPr>
+            <a:r>
+              <a:rPr kumimoji="0" lang="en-US" sz="1000" b="0" i="0" u="none" strike="noStrike" kern="1200" cap="none" spc="0" normalizeH="0" baseline="0" noProof="0">
+                <a:ln>
+                  <a:noFill/>
+                </a:ln>
+                <a:solidFill>
+                  <a:schemeClr val="tx1"/>
+                </a:solidFill>
+                <a:effectLst/>
+                <a:uLnTx/>
+                <a:uFillTx/>
+                <a:latin typeface="Arial" panose="020B0604020202020204" pitchFamily="34" charset="0"/>
+                <a:cs typeface="Arial" panose="020B0604020202020204" pitchFamily="34" charset="0"/>
+              </a:rPr>
               <a:t>Exercise 1</a:t>
             </a:r>
-          </a:p>
-        </p:txBody>
-      </p:sp>
-      <p:sp>
-        <p:nvSpPr>
-          <p:cNvPr id="8" name="Text Placeholder 7">
+            <a:endParaRPr kumimoji="0" lang="en-US" sz="1000" b="0" i="0" u="none" strike="noStrike" kern="1200" cap="none" spc="0" normalizeH="0" baseline="0" noProof="0" dirty="0">
+              <a:ln>
+                <a:noFill/>
+              </a:ln>
+              <a:solidFill>
+                <a:schemeClr val="tx1"/>
+              </a:solidFill>
+              <a:effectLst/>
+              <a:uLnTx/>
+              <a:uFillTx/>
+              <a:latin typeface="Arial" panose="020B0604020202020204" pitchFamily="34" charset="0"/>
+              <a:cs typeface="Arial" panose="020B0604020202020204" pitchFamily="34" charset="0"/>
+            </a:endParaRPr>
+          </a:p>
+        </p:txBody>
+      </p:sp>
+      <p:sp>
+        <p:nvSpPr>
+          <p:cNvPr id="15" name="Text Placeholder 7">
             <a:extLst>
               <a:ext uri="{FF2B5EF4-FFF2-40B4-BE49-F238E27FC236}">
-                <a16:creationId xmlns:a16="http://schemas.microsoft.com/office/drawing/2014/main" id="{9A16DD07-06AF-8A4C-918A-515C4EF779FA}"/>
+                <a16:creationId xmlns:a16="http://schemas.microsoft.com/office/drawing/2014/main" id="{530878F8-D8E6-AA4B-9DAD-DE39E2BF911E}"/>
               </a:ext>
             </a:extLst>
           </p:cNvPr>
-          <p:cNvSpPr>
-            <a:spLocks noGrp="1"/>
-          </p:cNvSpPr>
-          <p:nvPr>
-            <p:ph type="body" sz="quarter" idx="10"/>
-          </p:nvPr>
+          <p:cNvSpPr txBox="1">
+            <a:spLocks/>
+          </p:cNvSpPr>
+          <p:nvPr/>
         </p:nvSpPr>
         <p:spPr>
           <a:xfrm>
             <a:off x="2361304" y="2258351"/>
             <a:ext cx="7469392" cy="3695691"/>
           </a:xfrm>
+          <a:prstGeom prst="rect">
+            <a:avLst/>
+          </a:prstGeom>
         </p:spPr>
         <p:txBody>
-          <a:bodyPr>
+          <a:bodyPr vert="horz" lIns="91440" tIns="45720" rIns="91440" bIns="45720" rtlCol="0">
             <a:normAutofit/>
           </a:bodyPr>
-          <a:lstStyle/>
-          <a:p>
-            <a:pPr marL="457200" indent="-457200" algn="l">
+          <a:lstStyle>
+            <a:lvl1pPr marL="0" indent="0" algn="ctr" defTabSz="914400" rtl="0" eaLnBrk="1" latinLnBrk="0" hangingPunct="1">
+              <a:lnSpc>
+                <a:spcPct val="90000"/>
+              </a:lnSpc>
+              <a:spcBef>
+                <a:spcPts val="1000"/>
+              </a:spcBef>
+              <a:buFont typeface="Arial" panose="020B0604020202020204" pitchFamily="34" charset="0"/>
+              <a:buNone/>
+              <a:defRPr sz="2000" kern="1200">
+                <a:solidFill>
+                  <a:schemeClr val="tx1"/>
+                </a:solidFill>
+                <a:latin typeface="Arial" panose="020B0604020202020204" pitchFamily="34" charset="0"/>
+                <a:ea typeface="Arial" panose="020B0604020202020204" pitchFamily="34" charset="0"/>
+                <a:cs typeface="Arial" panose="020B0604020202020204" pitchFamily="34" charset="0"/>
+              </a:defRPr>
+            </a:lvl1pPr>
+            <a:lvl2pPr marL="457200" indent="0" algn="ctr" defTabSz="914400" rtl="0" eaLnBrk="1" latinLnBrk="0" hangingPunct="1">
+              <a:lnSpc>
+                <a:spcPct val="90000"/>
+              </a:lnSpc>
+              <a:spcBef>
+                <a:spcPts val="500"/>
+              </a:spcBef>
+              <a:buFont typeface="Arial" panose="020B0604020202020204" pitchFamily="34" charset="0"/>
+              <a:buNone/>
+              <a:defRPr sz="2000" kern="1200">
+                <a:solidFill>
+                  <a:schemeClr val="tx1"/>
+                </a:solidFill>
+                <a:latin typeface="Arial" panose="020B0604020202020204" pitchFamily="34" charset="0"/>
+                <a:ea typeface="Arial" panose="020B0604020202020204" pitchFamily="34" charset="0"/>
+                <a:cs typeface="Arial" panose="020B0604020202020204" pitchFamily="34" charset="0"/>
+              </a:defRPr>
+            </a:lvl2pPr>
+            <a:lvl3pPr marL="914400" indent="0" algn="ctr" defTabSz="914400" rtl="0" eaLnBrk="1" latinLnBrk="0" hangingPunct="1">
+              <a:lnSpc>
+                <a:spcPct val="90000"/>
+              </a:lnSpc>
+              <a:spcBef>
+                <a:spcPts val="500"/>
+              </a:spcBef>
+              <a:buFont typeface="Arial" panose="020B0604020202020204" pitchFamily="34" charset="0"/>
+              <a:buNone/>
+              <a:defRPr sz="2000" kern="1200">
+                <a:solidFill>
+                  <a:schemeClr val="tx1"/>
+                </a:solidFill>
+                <a:latin typeface="Arial" panose="020B0604020202020204" pitchFamily="34" charset="0"/>
+                <a:ea typeface="Arial" panose="020B0604020202020204" pitchFamily="34" charset="0"/>
+                <a:cs typeface="Arial" panose="020B0604020202020204" pitchFamily="34" charset="0"/>
+              </a:defRPr>
+            </a:lvl3pPr>
+            <a:lvl4pPr marL="1371600" indent="0" algn="ctr" defTabSz="914400" rtl="0" eaLnBrk="1" latinLnBrk="0" hangingPunct="1">
+              <a:lnSpc>
+                <a:spcPct val="90000"/>
+              </a:lnSpc>
+              <a:spcBef>
+                <a:spcPts val="500"/>
+              </a:spcBef>
+              <a:buFont typeface="Arial" panose="020B0604020202020204" pitchFamily="34" charset="0"/>
+              <a:buNone/>
+              <a:defRPr sz="1800" kern="1200">
+                <a:solidFill>
+                  <a:schemeClr val="tx1"/>
+                </a:solidFill>
+                <a:latin typeface="Arial" panose="020B0604020202020204" pitchFamily="34" charset="0"/>
+                <a:ea typeface="Arial" panose="020B0604020202020204" pitchFamily="34" charset="0"/>
+                <a:cs typeface="Arial" panose="020B0604020202020204" pitchFamily="34" charset="0"/>
+              </a:defRPr>
+            </a:lvl4pPr>
+            <a:lvl5pPr marL="1828800" indent="0" algn="ctr" defTabSz="914400" rtl="0" eaLnBrk="1" latinLnBrk="0" hangingPunct="1">
+              <a:lnSpc>
+                <a:spcPct val="90000"/>
+              </a:lnSpc>
+              <a:spcBef>
+                <a:spcPts val="500"/>
+              </a:spcBef>
+              <a:buFont typeface="Arial" panose="020B0604020202020204" pitchFamily="34" charset="0"/>
+              <a:buNone/>
+              <a:defRPr sz="1800" kern="1200">
+                <a:solidFill>
+                  <a:schemeClr val="tx1"/>
+                </a:solidFill>
+                <a:latin typeface="Arial" panose="020B0604020202020204" pitchFamily="34" charset="0"/>
+                <a:ea typeface="Arial" panose="020B0604020202020204" pitchFamily="34" charset="0"/>
+                <a:cs typeface="Arial" panose="020B0604020202020204" pitchFamily="34" charset="0"/>
+              </a:defRPr>
+            </a:lvl5pPr>
+            <a:lvl6pPr marL="2514600" indent="-228600" algn="l" defTabSz="914400" rtl="0" eaLnBrk="1" latinLnBrk="0" hangingPunct="1">
+              <a:lnSpc>
+                <a:spcPct val="90000"/>
+              </a:lnSpc>
+              <a:spcBef>
+                <a:spcPts val="500"/>
+              </a:spcBef>
+              <a:buFont typeface="Arial" panose="020B0604020202020204" pitchFamily="34" charset="0"/>
+              <a:buChar char="•"/>
+              <a:defRPr sz="1800" kern="1200">
+                <a:solidFill>
+                  <a:schemeClr val="tx1"/>
+                </a:solidFill>
+                <a:latin typeface="+mn-lt"/>
+                <a:ea typeface="+mn-ea"/>
+                <a:cs typeface="+mn-cs"/>
+              </a:defRPr>
+            </a:lvl6pPr>
+            <a:lvl7pPr marL="2971800" indent="-228600" algn="l" defTabSz="914400" rtl="0" eaLnBrk="1" latinLnBrk="0" hangingPunct="1">
+              <a:lnSpc>
+                <a:spcPct val="90000"/>
+              </a:lnSpc>
+              <a:spcBef>
+                <a:spcPts val="500"/>
+              </a:spcBef>
+              <a:buFont typeface="Arial" panose="020B0604020202020204" pitchFamily="34" charset="0"/>
+              <a:buChar char="•"/>
+              <a:defRPr sz="1800" kern="1200">
+                <a:solidFill>
+                  <a:schemeClr val="tx1"/>
+                </a:solidFill>
+                <a:latin typeface="+mn-lt"/>
+                <a:ea typeface="+mn-ea"/>
+                <a:cs typeface="+mn-cs"/>
+              </a:defRPr>
+            </a:lvl7pPr>
+            <a:lvl8pPr marL="3429000" indent="-228600" algn="l" defTabSz="914400" rtl="0" eaLnBrk="1" latinLnBrk="0" hangingPunct="1">
+              <a:lnSpc>
+                <a:spcPct val="90000"/>
+              </a:lnSpc>
+              <a:spcBef>
+                <a:spcPts val="500"/>
+              </a:spcBef>
+              <a:buFont typeface="Arial" panose="020B0604020202020204" pitchFamily="34" charset="0"/>
+              <a:buChar char="•"/>
+              <a:defRPr sz="1800" kern="1200">
+                <a:solidFill>
+                  <a:schemeClr val="tx1"/>
+                </a:solidFill>
+                <a:latin typeface="+mn-lt"/>
+                <a:ea typeface="+mn-ea"/>
+                <a:cs typeface="+mn-cs"/>
+              </a:defRPr>
+            </a:lvl8pPr>
+            <a:lvl9pPr marL="3886200" indent="-228600" algn="l" defTabSz="914400" rtl="0" eaLnBrk="1" latinLnBrk="0" hangingPunct="1">
+              <a:lnSpc>
+                <a:spcPct val="90000"/>
+              </a:lnSpc>
+              <a:spcBef>
+                <a:spcPts val="500"/>
+              </a:spcBef>
+              <a:buFont typeface="Arial" panose="020B0604020202020204" pitchFamily="34" charset="0"/>
+              <a:buChar char="•"/>
+              <a:defRPr sz="1800" kern="1200">
+                <a:solidFill>
+                  <a:schemeClr val="tx1"/>
+                </a:solidFill>
+                <a:latin typeface="+mn-lt"/>
+                <a:ea typeface="+mn-ea"/>
+                <a:cs typeface="+mn-cs"/>
+              </a:defRPr>
+            </a:lvl9pPr>
+          </a:lstStyle>
+          <a:p>
+            <a:pPr marL="457200" marR="0" lvl="0" indent="-457200" algn="l" defTabSz="914400" rtl="0" eaLnBrk="1" fontAlgn="auto" latinLnBrk="0" hangingPunct="1">
+              <a:lnSpc>
+                <a:spcPct val="90000"/>
+              </a:lnSpc>
+              <a:spcBef>
+                <a:spcPts val="1000"/>
+              </a:spcBef>
+              <a:spcAft>
+                <a:spcPts val="0"/>
+              </a:spcAft>
+              <a:buClrTx/>
+              <a:buSzTx/>
               <a:buFont typeface="Arial" panose="020B0604020202020204" pitchFamily="34" charset="0"/>
               <a:buAutoNum type="arabicPeriod"/>
+              <a:tabLst/>
+              <a:defRPr/>
             </a:pPr>
             <a:r>
-              <a:rPr lang="en-US" dirty="0"/>
+              <a:rPr kumimoji="0" lang="en-US" sz="2000" b="0" i="0" u="none" strike="noStrike" kern="1200" cap="none" spc="0" normalizeH="0" baseline="0" noProof="0" dirty="0">
+                <a:ln>
+                  <a:noFill/>
+                </a:ln>
+                <a:effectLst/>
+                <a:uLnTx/>
+                <a:uFillTx/>
+                <a:latin typeface="Arial" panose="020B0604020202020204" pitchFamily="34" charset="0"/>
+                <a:cs typeface="Arial" panose="020B0604020202020204" pitchFamily="34" charset="0"/>
+              </a:rPr>
               <a:t>Open </a:t>
             </a:r>
             <a:r>
-              <a:rPr lang="en-US" dirty="0">
-                <a:solidFill>
-                  <a:srgbClr val="0070C0"/>
-                </a:solidFill>
+              <a:rPr kumimoji="0" lang="en-US" sz="2000" b="0" i="0" u="none" strike="noStrike" kern="1200" cap="none" spc="0" normalizeH="0" baseline="0" noProof="0" dirty="0">
+                <a:ln>
+                  <a:noFill/>
+                </a:ln>
+                <a:solidFill>
+                  <a:srgbClr val="00B0F0"/>
+                </a:solidFill>
+                <a:effectLst/>
+                <a:uLnTx/>
+                <a:uFillTx/>
                 <a:latin typeface="Courier" pitchFamily="2" charset="0"/>
+                <a:cs typeface="Arial" panose="020B0604020202020204" pitchFamily="34" charset="0"/>
               </a:rPr>
               <a:t>templates/</a:t>
             </a:r>
             <a:r>
-              <a:rPr lang="en-US" dirty="0" err="1">
-                <a:solidFill>
-                  <a:srgbClr val="0070C0"/>
-                </a:solidFill>
+              <a:rPr kumimoji="0" lang="en-US" sz="2000" b="0" i="0" u="none" strike="noStrike" kern="1200" cap="none" spc="0" normalizeH="0" baseline="0" noProof="0" dirty="0" err="1">
+                <a:ln>
+                  <a:noFill/>
+                </a:ln>
+                <a:solidFill>
+                  <a:srgbClr val="00B0F0"/>
+                </a:solidFill>
+                <a:effectLst/>
+                <a:uLnTx/>
+                <a:uFillTx/>
                 <a:latin typeface="Courier" pitchFamily="2" charset="0"/>
+                <a:cs typeface="Arial" panose="020B0604020202020204" pitchFamily="34" charset="0"/>
               </a:rPr>
               <a:t>staticClass.m</a:t>
             </a:r>
-            <a:endParaRPr lang="en-US" dirty="0">
+            <a:endParaRPr kumimoji="0" lang="en-US" sz="2000" b="0" i="0" u="none" strike="noStrike" kern="1200" cap="none" spc="0" normalizeH="0" baseline="0" noProof="0" dirty="0">
+              <a:ln>
+                <a:noFill/>
+              </a:ln>
               <a:solidFill>
-                <a:srgbClr val="0070C0"/>
+                <a:srgbClr val="00B0F0"/>
               </a:solidFill>
+              <a:effectLst/>
+              <a:uLnTx/>
+              <a:uFillTx/>
               <a:latin typeface="Courier" pitchFamily="2" charset="0"/>
+              <a:cs typeface="Arial" panose="020B0604020202020204" pitchFamily="34" charset="0"/>
             </a:endParaRPr>
           </a:p>
           <a:p>
-            <a:pPr marL="457200" indent="-457200" algn="l">
+            <a:pPr marL="457200" marR="0" lvl="0" indent="-457200" algn="l" defTabSz="914400" rtl="0" eaLnBrk="1" fontAlgn="auto" latinLnBrk="0" hangingPunct="1">
+              <a:lnSpc>
+                <a:spcPct val="90000"/>
+              </a:lnSpc>
+              <a:spcBef>
+                <a:spcPts val="1000"/>
+              </a:spcBef>
+              <a:spcAft>
+                <a:spcPts val="0"/>
+              </a:spcAft>
+              <a:buClrTx/>
+              <a:buSzTx/>
+              <a:buFont typeface="Arial" panose="020B0604020202020204" pitchFamily="34" charset="0"/>
               <a:buAutoNum type="arabicPeriod"/>
+              <a:tabLst/>
+              <a:defRPr/>
             </a:pPr>
             <a:r>
-              <a:rPr lang="en-US" dirty="0"/>
+              <a:rPr kumimoji="0" lang="en-US" sz="2000" b="0" i="0" u="none" strike="noStrike" kern="1200" cap="none" spc="0" normalizeH="0" baseline="0" noProof="0" dirty="0">
+                <a:ln>
+                  <a:noFill/>
+                </a:ln>
+                <a:effectLst/>
+                <a:uLnTx/>
+                <a:uFillTx/>
+                <a:latin typeface="Arial" panose="020B0604020202020204" pitchFamily="34" charset="0"/>
+                <a:cs typeface="Arial" panose="020B0604020202020204" pitchFamily="34" charset="0"/>
+              </a:rPr>
               <a:t>Rename it to something else </a:t>
             </a:r>
           </a:p>
           <a:p>
-            <a:pPr marL="914400" lvl="1" indent="-457200" algn="l">
+            <a:pPr marL="914400" marR="0" lvl="1" indent="-457200" algn="l" defTabSz="914400" rtl="0" eaLnBrk="1" fontAlgn="auto" latinLnBrk="0" hangingPunct="1">
+              <a:lnSpc>
+                <a:spcPct val="90000"/>
+              </a:lnSpc>
+              <a:spcBef>
+                <a:spcPts val="500"/>
+              </a:spcBef>
+              <a:spcAft>
+                <a:spcPts val="0"/>
+              </a:spcAft>
+              <a:buClrTx/>
+              <a:buSzTx/>
               <a:buFont typeface="Arial" panose="020B0604020202020204" pitchFamily="34" charset="0"/>
               <a:buChar char="•"/>
+              <a:tabLst/>
+              <a:defRPr/>
             </a:pPr>
             <a:r>
-              <a:rPr lang="en-US" dirty="0"/>
+              <a:rPr kumimoji="0" lang="en-US" sz="2000" b="0" i="0" u="none" strike="noStrike" kern="1200" cap="none" spc="0" normalizeH="0" baseline="0" noProof="0" dirty="0">
+                <a:ln>
+                  <a:noFill/>
+                </a:ln>
+                <a:effectLst/>
+                <a:uLnTx/>
+                <a:uFillTx/>
+                <a:latin typeface="Arial" panose="020B0604020202020204" pitchFamily="34" charset="0"/>
+                <a:cs typeface="Arial" panose="020B0604020202020204" pitchFamily="34" charset="0"/>
+              </a:rPr>
               <a:t>e.g. </a:t>
             </a:r>
             <a:r>
-              <a:rPr lang="en-US" dirty="0" err="1">
-                <a:solidFill>
-                  <a:srgbClr val="0070C0"/>
-                </a:solidFill>
+              <a:rPr kumimoji="0" lang="en-US" sz="2000" b="0" i="0" u="none" strike="noStrike" kern="1200" cap="none" spc="0" normalizeH="0" baseline="0" noProof="0" dirty="0" err="1">
+                <a:ln>
+                  <a:noFill/>
+                </a:ln>
+                <a:solidFill>
+                  <a:srgbClr val="00B0F0"/>
+                </a:solidFill>
+                <a:effectLst/>
+                <a:uLnTx/>
+                <a:uFillTx/>
                 <a:latin typeface="Courier" pitchFamily="2" charset="0"/>
+                <a:cs typeface="Arial" panose="020B0604020202020204" pitchFamily="34" charset="0"/>
               </a:rPr>
               <a:t>ageFunctions.m</a:t>
             </a:r>
-            <a:endParaRPr lang="en-US" dirty="0"/>
-          </a:p>
-          <a:p>
-            <a:pPr marL="457200" indent="-457200" algn="l">
+            <a:endParaRPr kumimoji="0" lang="en-US" sz="2000" b="0" i="0" u="none" strike="noStrike" kern="1200" cap="none" spc="0" normalizeH="0" baseline="0" noProof="0" dirty="0">
+              <a:ln>
+                <a:noFill/>
+              </a:ln>
+              <a:solidFill>
+                <a:srgbClr val="00B0F0"/>
+              </a:solidFill>
+              <a:effectLst/>
+              <a:uLnTx/>
+              <a:uFillTx/>
+              <a:cs typeface="Arial" panose="020B0604020202020204" pitchFamily="34" charset="0"/>
+            </a:endParaRPr>
+          </a:p>
+          <a:p>
+            <a:pPr marL="457200" marR="0" lvl="0" indent="-457200" algn="l" defTabSz="914400" rtl="0" eaLnBrk="1" fontAlgn="auto" latinLnBrk="0" hangingPunct="1">
+              <a:lnSpc>
+                <a:spcPct val="90000"/>
+              </a:lnSpc>
+              <a:spcBef>
+                <a:spcPts val="1000"/>
+              </a:spcBef>
+              <a:spcAft>
+                <a:spcPts val="0"/>
+              </a:spcAft>
+              <a:buClrTx/>
+              <a:buSzTx/>
+              <a:buFont typeface="Arial" panose="020B0604020202020204" pitchFamily="34" charset="0"/>
               <a:buAutoNum type="arabicPeriod"/>
+              <a:tabLst/>
+              <a:defRPr/>
             </a:pPr>
             <a:r>
-              <a:rPr lang="en-US" dirty="0"/>
+              <a:rPr kumimoji="0" lang="en-US" sz="2000" b="0" i="0" u="none" strike="noStrike" kern="1200" cap="none" spc="0" normalizeH="0" baseline="0" noProof="0" dirty="0">
+                <a:ln>
+                  <a:noFill/>
+                </a:ln>
+                <a:effectLst/>
+                <a:uLnTx/>
+                <a:uFillTx/>
+                <a:latin typeface="Arial" panose="020B0604020202020204" pitchFamily="34" charset="0"/>
+                <a:cs typeface="Arial" panose="020B0604020202020204" pitchFamily="34" charset="0"/>
+              </a:rPr>
               <a:t>Add two new properties to the class </a:t>
             </a:r>
           </a:p>
           <a:p>
-            <a:pPr marL="914400" lvl="1" indent="-457200" algn="l">
+            <a:pPr marL="914400" marR="0" lvl="1" indent="-457200" algn="l" defTabSz="914400" rtl="0" eaLnBrk="1" fontAlgn="auto" latinLnBrk="0" hangingPunct="1">
+              <a:lnSpc>
+                <a:spcPct val="90000"/>
+              </a:lnSpc>
+              <a:spcBef>
+                <a:spcPts val="500"/>
+              </a:spcBef>
+              <a:spcAft>
+                <a:spcPts val="0"/>
+              </a:spcAft>
+              <a:buClrTx/>
+              <a:buSzTx/>
               <a:buFont typeface="Arial" panose="020B0604020202020204" pitchFamily="34" charset="0"/>
               <a:buChar char="•"/>
+              <a:tabLst/>
+              <a:defRPr/>
             </a:pPr>
             <a:r>
-              <a:rPr lang="en-US" dirty="0"/>
+              <a:rPr kumimoji="0" lang="en-US" sz="2000" b="0" i="0" u="none" strike="noStrike" kern="1200" cap="none" spc="0" normalizeH="0" baseline="0" noProof="0" dirty="0">
+                <a:ln>
+                  <a:noFill/>
+                </a:ln>
+                <a:effectLst/>
+                <a:uLnTx/>
+                <a:uFillTx/>
+                <a:latin typeface="Arial" panose="020B0604020202020204" pitchFamily="34" charset="0"/>
+                <a:cs typeface="Arial" panose="020B0604020202020204" pitchFamily="34" charset="0"/>
+              </a:rPr>
               <a:t>e.g. </a:t>
             </a:r>
             <a:r>
-              <a:rPr lang="en-US" dirty="0" err="1">
-                <a:solidFill>
-                  <a:srgbClr val="0070C0"/>
-                </a:solidFill>
+              <a:rPr kumimoji="0" lang="en-US" sz="2000" b="0" i="0" u="none" strike="noStrike" kern="1200" cap="none" spc="0" normalizeH="0" baseline="0" noProof="0" dirty="0" err="1">
+                <a:ln>
+                  <a:noFill/>
+                </a:ln>
+                <a:solidFill>
+                  <a:srgbClr val="00B0F0"/>
+                </a:solidFill>
+                <a:effectLst/>
+                <a:uLnTx/>
+                <a:uFillTx/>
                 <a:latin typeface="Courier" pitchFamily="2" charset="0"/>
+                <a:cs typeface="Arial" panose="020B0604020202020204" pitchFamily="34" charset="0"/>
               </a:rPr>
               <a:t>worldRecordAge</a:t>
             </a:r>
-            <a:endParaRPr lang="en-US" dirty="0"/>
-          </a:p>
-          <a:p>
-            <a:pPr marL="457200" indent="-457200" algn="l">
+            <a:endParaRPr kumimoji="0" lang="en-US" sz="2000" b="0" i="0" u="none" strike="noStrike" kern="1200" cap="none" spc="0" normalizeH="0" baseline="0" noProof="0" dirty="0">
+              <a:ln>
+                <a:noFill/>
+              </a:ln>
+              <a:solidFill>
+                <a:srgbClr val="00B0F0"/>
+              </a:solidFill>
+              <a:effectLst/>
+              <a:uLnTx/>
+              <a:uFillTx/>
+              <a:cs typeface="Arial" panose="020B0604020202020204" pitchFamily="34" charset="0"/>
+            </a:endParaRPr>
+          </a:p>
+          <a:p>
+            <a:pPr marL="457200" marR="0" lvl="0" indent="-457200" algn="l" defTabSz="914400" rtl="0" eaLnBrk="1" fontAlgn="auto" latinLnBrk="0" hangingPunct="1">
+              <a:lnSpc>
+                <a:spcPct val="90000"/>
+              </a:lnSpc>
+              <a:spcBef>
+                <a:spcPts val="1000"/>
+              </a:spcBef>
+              <a:spcAft>
+                <a:spcPts val="0"/>
+              </a:spcAft>
+              <a:buClrTx/>
+              <a:buSzTx/>
+              <a:buFont typeface="Arial" panose="020B0604020202020204" pitchFamily="34" charset="0"/>
               <a:buAutoNum type="arabicPeriod"/>
+              <a:tabLst/>
+              <a:defRPr/>
             </a:pPr>
             <a:r>
-              <a:rPr lang="en-US" dirty="0"/>
+              <a:rPr kumimoji="0" lang="en-US" sz="2000" b="0" i="0" u="none" strike="noStrike" kern="1200" cap="none" spc="0" normalizeH="0" baseline="0" noProof="0" dirty="0">
+                <a:ln>
+                  <a:noFill/>
+                </a:ln>
+                <a:effectLst/>
+                <a:uLnTx/>
+                <a:uFillTx/>
+                <a:latin typeface="Arial" panose="020B0604020202020204" pitchFamily="34" charset="0"/>
+                <a:cs typeface="Arial" panose="020B0604020202020204" pitchFamily="34" charset="0"/>
+              </a:rPr>
               <a:t>Write two new functions in the class, get creative! </a:t>
             </a:r>
           </a:p>
           <a:p>
-            <a:pPr marL="914400" lvl="1" indent="-457200" algn="l">
+            <a:pPr marL="914400" marR="0" lvl="1" indent="-457200" algn="l" defTabSz="914400" rtl="0" eaLnBrk="1" fontAlgn="auto" latinLnBrk="0" hangingPunct="1">
+              <a:lnSpc>
+                <a:spcPct val="90000"/>
+              </a:lnSpc>
+              <a:spcBef>
+                <a:spcPts val="500"/>
+              </a:spcBef>
+              <a:spcAft>
+                <a:spcPts val="0"/>
+              </a:spcAft>
+              <a:buClrTx/>
+              <a:buSzTx/>
               <a:buFont typeface="Arial" panose="020B0604020202020204" pitchFamily="34" charset="0"/>
               <a:buChar char="•"/>
+              <a:tabLst/>
+              <a:defRPr/>
             </a:pPr>
             <a:r>
-              <a:rPr lang="en-US" dirty="0"/>
+              <a:rPr kumimoji="0" lang="en-US" sz="2000" b="0" i="0" u="none" strike="noStrike" kern="1200" cap="none" spc="0" normalizeH="0" baseline="0" noProof="0" dirty="0">
+                <a:ln>
+                  <a:noFill/>
+                </a:ln>
+                <a:effectLst/>
+                <a:uLnTx/>
+                <a:uFillTx/>
+                <a:latin typeface="Arial" panose="020B0604020202020204" pitchFamily="34" charset="0"/>
+                <a:cs typeface="Arial" panose="020B0604020202020204" pitchFamily="34" charset="0"/>
+              </a:rPr>
               <a:t>e.g. </a:t>
             </a:r>
             <a:r>
-              <a:rPr lang="en-US" dirty="0">
-                <a:solidFill>
-                  <a:srgbClr val="0070C0"/>
-                </a:solidFill>
+              <a:rPr kumimoji="0" lang="en-US" sz="2000" b="0" i="0" u="none" strike="noStrike" kern="1200" cap="none" spc="0" normalizeH="0" baseline="0" noProof="0" dirty="0">
+                <a:ln>
+                  <a:noFill/>
+                </a:ln>
+                <a:solidFill>
+                  <a:srgbClr val="00B0F0"/>
+                </a:solidFill>
+                <a:effectLst/>
+                <a:uLnTx/>
+                <a:uFillTx/>
                 <a:latin typeface="Courier" pitchFamily="2" charset="0"/>
+                <a:cs typeface="Arial" panose="020B0604020202020204" pitchFamily="34" charset="0"/>
               </a:rPr>
               <a:t>years = </a:t>
             </a:r>
             <a:r>
-              <a:rPr lang="en-US" dirty="0" err="1">
-                <a:solidFill>
-                  <a:srgbClr val="0070C0"/>
-                </a:solidFill>
+              <a:rPr kumimoji="0" lang="en-US" sz="2000" b="0" i="0" u="none" strike="noStrike" kern="1200" cap="none" spc="0" normalizeH="0" baseline="0" noProof="0" dirty="0" err="1">
+                <a:ln>
+                  <a:noFill/>
+                </a:ln>
+                <a:solidFill>
+                  <a:srgbClr val="00B0F0"/>
+                </a:solidFill>
+                <a:effectLst/>
+                <a:uLnTx/>
+                <a:uFillTx/>
                 <a:latin typeface="Courier" pitchFamily="2" charset="0"/>
+                <a:cs typeface="Arial" panose="020B0604020202020204" pitchFamily="34" charset="0"/>
               </a:rPr>
               <a:t>howManyYearsToBreakRecord</a:t>
             </a:r>
             <a:r>
-              <a:rPr lang="en-US" dirty="0">
-                <a:solidFill>
-                  <a:srgbClr val="0070C0"/>
-                </a:solidFill>
+              <a:rPr kumimoji="0" lang="en-US" sz="2000" b="0" i="0" u="none" strike="noStrike" kern="1200" cap="none" spc="0" normalizeH="0" baseline="0" noProof="0" dirty="0">
+                <a:ln>
+                  <a:noFill/>
+                </a:ln>
+                <a:solidFill>
+                  <a:srgbClr val="00B0F0"/>
+                </a:solidFill>
+                <a:effectLst/>
+                <a:uLnTx/>
+                <a:uFillTx/>
                 <a:latin typeface="Courier" pitchFamily="2" charset="0"/>
+                <a:cs typeface="Arial" panose="020B0604020202020204" pitchFamily="34" charset="0"/>
               </a:rPr>
               <a:t>(DOB)</a:t>
             </a:r>
-            <a:endParaRPr lang="en-US" dirty="0"/>
-          </a:p>
-          <a:p>
-            <a:pPr marL="457200" indent="-457200" algn="l">
+            <a:endParaRPr kumimoji="0" lang="en-US" sz="2000" b="0" i="0" u="none" strike="noStrike" kern="1200" cap="none" spc="0" normalizeH="0" baseline="0" noProof="0" dirty="0">
+              <a:ln>
+                <a:noFill/>
+              </a:ln>
+              <a:solidFill>
+                <a:srgbClr val="00B0F0"/>
+              </a:solidFill>
+              <a:effectLst/>
+              <a:uLnTx/>
+              <a:uFillTx/>
+              <a:cs typeface="Arial" panose="020B0604020202020204" pitchFamily="34" charset="0"/>
+            </a:endParaRPr>
+          </a:p>
+          <a:p>
+            <a:pPr marL="457200" marR="0" lvl="0" indent="-457200" algn="l" defTabSz="914400" rtl="0" eaLnBrk="1" fontAlgn="auto" latinLnBrk="0" hangingPunct="1">
+              <a:lnSpc>
+                <a:spcPct val="90000"/>
+              </a:lnSpc>
+              <a:spcBef>
+                <a:spcPts val="1000"/>
+              </a:spcBef>
+              <a:spcAft>
+                <a:spcPts val="0"/>
+              </a:spcAft>
+              <a:buClrTx/>
+              <a:buSzTx/>
+              <a:buFont typeface="Arial" panose="020B0604020202020204" pitchFamily="34" charset="0"/>
               <a:buAutoNum type="arabicPeriod"/>
+              <a:tabLst/>
+              <a:defRPr/>
             </a:pPr>
             <a:r>
-              <a:rPr lang="en-US" dirty="0"/>
+              <a:rPr kumimoji="0" lang="en-US" sz="2000" b="0" i="0" u="none" strike="noStrike" kern="1200" cap="none" spc="0" normalizeH="0" baseline="0" noProof="0" dirty="0">
+                <a:ln>
+                  <a:noFill/>
+                </a:ln>
+                <a:effectLst/>
+                <a:uLnTx/>
+                <a:uFillTx/>
+                <a:latin typeface="Arial" panose="020B0604020202020204" pitchFamily="34" charset="0"/>
+                <a:cs typeface="Arial" panose="020B0604020202020204" pitchFamily="34" charset="0"/>
+              </a:rPr>
               <a:t>Write a driver file to practice using functions from the class </a:t>
             </a:r>
           </a:p>
           <a:p>
-            <a:pPr marL="914400" lvl="1" indent="-457200" algn="l">
+            <a:pPr marL="914400" marR="0" lvl="1" indent="-457200" algn="l" defTabSz="914400" rtl="0" eaLnBrk="1" fontAlgn="auto" latinLnBrk="0" hangingPunct="1">
+              <a:lnSpc>
+                <a:spcPct val="90000"/>
+              </a:lnSpc>
+              <a:spcBef>
+                <a:spcPts val="500"/>
+              </a:spcBef>
+              <a:spcAft>
+                <a:spcPts val="0"/>
+              </a:spcAft>
+              <a:buClrTx/>
+              <a:buSzTx/>
               <a:buFont typeface="Arial" panose="020B0604020202020204" pitchFamily="34" charset="0"/>
               <a:buChar char="•"/>
+              <a:tabLst/>
+              <a:defRPr/>
             </a:pPr>
             <a:r>
-              <a:rPr lang="en-US" dirty="0"/>
+              <a:rPr kumimoji="0" lang="en-US" sz="2000" b="0" i="0" u="none" strike="noStrike" kern="1200" cap="none" spc="0" normalizeH="0" baseline="0" noProof="0" dirty="0">
+                <a:ln>
+                  <a:noFill/>
+                </a:ln>
+                <a:effectLst/>
+                <a:uLnTx/>
+                <a:uFillTx/>
+                <a:latin typeface="Arial" panose="020B0604020202020204" pitchFamily="34" charset="0"/>
+                <a:cs typeface="Arial" panose="020B0604020202020204" pitchFamily="34" charset="0"/>
+              </a:rPr>
               <a:t>e.g. </a:t>
             </a:r>
             <a:r>
-              <a:rPr lang="en-US" dirty="0" err="1">
-                <a:solidFill>
-                  <a:srgbClr val="0070C0"/>
-                </a:solidFill>
+              <a:rPr kumimoji="0" lang="en-US" sz="2000" b="0" i="0" u="none" strike="noStrike" kern="1200" cap="none" spc="0" normalizeH="0" baseline="0" noProof="0" dirty="0" err="1">
+                <a:ln>
+                  <a:noFill/>
+                </a:ln>
+                <a:solidFill>
+                  <a:srgbClr val="00B0F0"/>
+                </a:solidFill>
+                <a:effectLst/>
+                <a:uLnTx/>
+                <a:uFillTx/>
                 <a:latin typeface="Courier" pitchFamily="2" charset="0"/>
+                <a:cs typeface="Arial" panose="020B0604020202020204" pitchFamily="34" charset="0"/>
               </a:rPr>
               <a:t>ageFunctionsExample.m</a:t>
             </a:r>
-            <a:endParaRPr lang="en-US" dirty="0">
+            <a:endParaRPr kumimoji="0" lang="en-US" sz="2000" b="0" i="0" u="none" strike="noStrike" kern="1200" cap="none" spc="0" normalizeH="0" baseline="0" noProof="0" dirty="0">
+              <a:ln>
+                <a:noFill/>
+              </a:ln>
               <a:solidFill>
-                <a:srgbClr val="0070C0"/>
+                <a:srgbClr val="00B0F0"/>
               </a:solidFill>
+              <a:effectLst/>
+              <a:uLnTx/>
+              <a:uFillTx/>
               <a:latin typeface="Courier" pitchFamily="2" charset="0"/>
+              <a:cs typeface="Arial" panose="020B0604020202020204" pitchFamily="34" charset="0"/>
             </a:endParaRPr>
           </a:p>
         </p:txBody>
       </p:sp>
       <p:sp>
         <p:nvSpPr>
-          <p:cNvPr id="5" name="Slide Number Placeholder 4">
+          <p:cNvPr id="17" name="Slide Number Placeholder 16">
             <a:extLst>
               <a:ext uri="{FF2B5EF4-FFF2-40B4-BE49-F238E27FC236}">
-                <a16:creationId xmlns:a16="http://schemas.microsoft.com/office/drawing/2014/main" id="{10231D7A-DD6D-0B43-94F8-716B648B9F87}"/>
+                <a16:creationId xmlns:a16="http://schemas.microsoft.com/office/drawing/2014/main" id="{6BADF34E-3534-6B49-A60C-2F30895808B0}"/>
               </a:ext>
             </a:extLst>
           </p:cNvPr>
@@ -13244,15 +15387,10 @@
             <a:spLocks noGrp="1"/>
           </p:cNvSpPr>
           <p:nvPr>
-            <p:ph type="sldNum" sz="quarter" idx="11"/>
-          </p:nvPr>
-        </p:nvSpPr>
-        <p:spPr>
-          <a:xfrm>
-            <a:off x="11786838" y="5771480"/>
-            <a:ext cx="405161" cy="365125"/>
-          </a:xfrm>
-        </p:spPr>
+            <p:ph type="sldNum" sz="quarter" idx="10"/>
+          </p:nvPr>
+        </p:nvSpPr>
+        <p:spPr/>
         <p:txBody>
           <a:bodyPr/>
           <a:lstStyle/>
@@ -13268,7 +15406,7 @@
     </p:spTree>
     <p:extLst>
       <p:ext uri="{BB962C8B-B14F-4D97-AF65-F5344CB8AC3E}">
-        <p14:creationId xmlns:p14="http://schemas.microsoft.com/office/powerpoint/2010/main" val="3554227658"/>
+        <p14:creationId xmlns:p14="http://schemas.microsoft.com/office/powerpoint/2010/main" val="1314937212"/>
       </p:ext>
     </p:extLst>
   </p:cSld>
@@ -13555,32 +15693,79 @@
       </p:grpSpPr>
       <p:sp>
         <p:nvSpPr>
-          <p:cNvPr id="6" name="Title 5">
+          <p:cNvPr id="9" name="Title 5">
             <a:extLst>
               <a:ext uri="{FF2B5EF4-FFF2-40B4-BE49-F238E27FC236}">
-                <a16:creationId xmlns:a16="http://schemas.microsoft.com/office/drawing/2014/main" id="{2E89989E-D04C-B847-9B11-F02A6FD2A1C4}"/>
+                <a16:creationId xmlns:a16="http://schemas.microsoft.com/office/drawing/2014/main" id="{62995E13-9E5F-C240-90D7-D5A780040142}"/>
               </a:ext>
             </a:extLst>
           </p:cNvPr>
-          <p:cNvSpPr>
-            <a:spLocks noGrp="1"/>
-          </p:cNvSpPr>
-          <p:nvPr>
-            <p:ph type="title"/>
-          </p:nvPr>
+          <p:cNvSpPr txBox="1">
+            <a:spLocks/>
+          </p:cNvSpPr>
+          <p:nvPr/>
         </p:nvSpPr>
         <p:spPr>
           <a:xfrm>
             <a:off x="2945296" y="345177"/>
             <a:ext cx="6301409" cy="610234"/>
           </a:xfrm>
+          <a:prstGeom prst="rect">
+            <a:avLst/>
+          </a:prstGeom>
         </p:spPr>
         <p:txBody>
-          <a:bodyPr/>
-          <a:lstStyle/>
-          <a:p>
-            <a:r>
-              <a:rPr lang="en-US" dirty="0"/>
+          <a:bodyPr vert="horz" lIns="91440" tIns="45720" rIns="91440" bIns="45720" rtlCol="0" anchor="ctr">
+            <a:normAutofit/>
+          </a:bodyPr>
+          <a:lstStyle>
+            <a:lvl1pPr algn="ctr" defTabSz="914400" rtl="0" eaLnBrk="1" latinLnBrk="0" hangingPunct="1">
+              <a:lnSpc>
+                <a:spcPct val="90000"/>
+              </a:lnSpc>
+              <a:spcBef>
+                <a:spcPct val="0"/>
+              </a:spcBef>
+              <a:buNone/>
+              <a:defRPr sz="3000" b="1" kern="1200" spc="0" baseline="0">
+                <a:solidFill>
+                  <a:schemeClr val="tx1"/>
+                </a:solidFill>
+                <a:latin typeface="Arial" panose="020B0604020202020204" pitchFamily="34" charset="0"/>
+                <a:ea typeface="Arial" panose="020B0604020202020204" pitchFamily="34" charset="0"/>
+                <a:cs typeface="Arial" panose="020B0604020202020204" pitchFamily="34" charset="0"/>
+              </a:defRPr>
+            </a:lvl1pPr>
+          </a:lstStyle>
+          <a:p>
+            <a:pPr marL="0" marR="0" lvl="0" indent="0" algn="ctr" defTabSz="914400" rtl="0" eaLnBrk="1" fontAlgn="auto" latinLnBrk="0" hangingPunct="1">
+              <a:lnSpc>
+                <a:spcPct val="90000"/>
+              </a:lnSpc>
+              <a:spcBef>
+                <a:spcPct val="0"/>
+              </a:spcBef>
+              <a:spcAft>
+                <a:spcPts val="0"/>
+              </a:spcAft>
+              <a:buClrTx/>
+              <a:buSzTx/>
+              <a:buFontTx/>
+              <a:buNone/>
+              <a:tabLst/>
+              <a:defRPr/>
+            </a:pPr>
+            <a:r>
+              <a:rPr kumimoji="0" lang="en-US" sz="3000" b="1" i="0" u="none" strike="noStrike" kern="1200" cap="none" spc="0" normalizeH="0" baseline="0" noProof="0" dirty="0">
+                <a:ln>
+                  <a:noFill/>
+                </a:ln>
+                <a:effectLst/>
+                <a:uLnTx/>
+                <a:uFillTx/>
+                <a:latin typeface="Arial" panose="020B0604020202020204" pitchFamily="34" charset="0"/>
+                <a:cs typeface="Arial" panose="020B0604020202020204" pitchFamily="34" charset="0"/>
+              </a:rPr>
               <a:t>Your turn!</a:t>
             </a:r>
           </a:p>
@@ -13588,32 +15773,230 @@
       </p:sp>
       <p:sp>
         <p:nvSpPr>
-          <p:cNvPr id="7" name="Subtitle 6">
+          <p:cNvPr id="10" name="Subtitle 6">
             <a:extLst>
               <a:ext uri="{FF2B5EF4-FFF2-40B4-BE49-F238E27FC236}">
-                <a16:creationId xmlns:a16="http://schemas.microsoft.com/office/drawing/2014/main" id="{EBA0E148-4C2A-9348-A1BA-5D0C16BD646B}"/>
+                <a16:creationId xmlns:a16="http://schemas.microsoft.com/office/drawing/2014/main" id="{96ADB293-E38D-A848-A4E0-BA5C5B751902}"/>
               </a:ext>
             </a:extLst>
           </p:cNvPr>
-          <p:cNvSpPr>
-            <a:spLocks noGrp="1"/>
-          </p:cNvSpPr>
-          <p:nvPr>
-            <p:ph type="subTitle" idx="1"/>
-          </p:nvPr>
+          <p:cNvSpPr txBox="1">
+            <a:spLocks/>
+          </p:cNvSpPr>
+          <p:nvPr/>
         </p:nvSpPr>
         <p:spPr>
           <a:xfrm>
             <a:off x="2945296" y="962686"/>
             <a:ext cx="6301409" cy="191427"/>
           </a:xfrm>
+          <a:prstGeom prst="rect">
+            <a:avLst/>
+          </a:prstGeom>
         </p:spPr>
         <p:txBody>
-          <a:bodyPr/>
-          <a:lstStyle/>
-          <a:p>
-            <a:r>
-              <a:rPr lang="en-US" dirty="0"/>
+          <a:bodyPr vert="horz" lIns="91440" tIns="45720" rIns="91440" bIns="45720" rtlCol="0">
+            <a:noAutofit/>
+          </a:bodyPr>
+          <a:lstStyle>
+            <a:lvl1pPr marL="0" indent="0" algn="ctr" defTabSz="914400" rtl="0" eaLnBrk="1" latinLnBrk="0" hangingPunct="1">
+              <a:lnSpc>
+                <a:spcPct val="90000"/>
+              </a:lnSpc>
+              <a:spcBef>
+                <a:spcPts val="1000"/>
+              </a:spcBef>
+              <a:buFont typeface="Arial" panose="020B0604020202020204" pitchFamily="34" charset="0"/>
+              <a:buNone/>
+              <a:defRPr sz="1000" b="0" kern="1200">
+                <a:solidFill>
+                  <a:schemeClr val="tx1">
+                    <a:lumMod val="50000"/>
+                    <a:lumOff val="50000"/>
+                  </a:schemeClr>
+                </a:solidFill>
+                <a:latin typeface="Arial" panose="020B0604020202020204" pitchFamily="34" charset="0"/>
+                <a:ea typeface="Arial" panose="020B0604020202020204" pitchFamily="34" charset="0"/>
+                <a:cs typeface="Arial" panose="020B0604020202020204" pitchFamily="34" charset="0"/>
+              </a:defRPr>
+            </a:lvl1pPr>
+            <a:lvl2pPr marL="457200" indent="0" algn="ctr" defTabSz="914400" rtl="0" eaLnBrk="1" latinLnBrk="0" hangingPunct="1">
+              <a:lnSpc>
+                <a:spcPct val="90000"/>
+              </a:lnSpc>
+              <a:spcBef>
+                <a:spcPts val="500"/>
+              </a:spcBef>
+              <a:buFont typeface="Arial" panose="020B0604020202020204" pitchFamily="34" charset="0"/>
+              <a:buNone/>
+              <a:defRPr sz="2000" kern="1200">
+                <a:solidFill>
+                  <a:schemeClr val="tx1"/>
+                </a:solidFill>
+                <a:latin typeface="Arial" panose="020B0604020202020204" pitchFamily="34" charset="0"/>
+                <a:ea typeface="Arial" panose="020B0604020202020204" pitchFamily="34" charset="0"/>
+                <a:cs typeface="Arial" panose="020B0604020202020204" pitchFamily="34" charset="0"/>
+              </a:defRPr>
+            </a:lvl2pPr>
+            <a:lvl3pPr marL="914400" indent="0" algn="ctr" defTabSz="914400" rtl="0" eaLnBrk="1" latinLnBrk="0" hangingPunct="1">
+              <a:lnSpc>
+                <a:spcPct val="90000"/>
+              </a:lnSpc>
+              <a:spcBef>
+                <a:spcPts val="500"/>
+              </a:spcBef>
+              <a:buFont typeface="Arial" panose="020B0604020202020204" pitchFamily="34" charset="0"/>
+              <a:buNone/>
+              <a:defRPr sz="1800" kern="1200">
+                <a:solidFill>
+                  <a:schemeClr val="tx1"/>
+                </a:solidFill>
+                <a:latin typeface="Arial" panose="020B0604020202020204" pitchFamily="34" charset="0"/>
+                <a:ea typeface="Arial" panose="020B0604020202020204" pitchFamily="34" charset="0"/>
+                <a:cs typeface="Arial" panose="020B0604020202020204" pitchFamily="34" charset="0"/>
+              </a:defRPr>
+            </a:lvl3pPr>
+            <a:lvl4pPr marL="1371600" indent="0" algn="ctr" defTabSz="914400" rtl="0" eaLnBrk="1" latinLnBrk="0" hangingPunct="1">
+              <a:lnSpc>
+                <a:spcPct val="90000"/>
+              </a:lnSpc>
+              <a:spcBef>
+                <a:spcPts val="500"/>
+              </a:spcBef>
+              <a:buFont typeface="Arial" panose="020B0604020202020204" pitchFamily="34" charset="0"/>
+              <a:buNone/>
+              <a:defRPr sz="1600" kern="1200">
+                <a:solidFill>
+                  <a:schemeClr val="tx1"/>
+                </a:solidFill>
+                <a:latin typeface="Arial" panose="020B0604020202020204" pitchFamily="34" charset="0"/>
+                <a:ea typeface="Arial" panose="020B0604020202020204" pitchFamily="34" charset="0"/>
+                <a:cs typeface="Arial" panose="020B0604020202020204" pitchFamily="34" charset="0"/>
+              </a:defRPr>
+            </a:lvl4pPr>
+            <a:lvl5pPr marL="1828800" indent="0" algn="ctr" defTabSz="914400" rtl="0" eaLnBrk="1" latinLnBrk="0" hangingPunct="1">
+              <a:lnSpc>
+                <a:spcPct val="90000"/>
+              </a:lnSpc>
+              <a:spcBef>
+                <a:spcPts val="500"/>
+              </a:spcBef>
+              <a:buFont typeface="Arial" panose="020B0604020202020204" pitchFamily="34" charset="0"/>
+              <a:buNone/>
+              <a:defRPr sz="1600" kern="1200">
+                <a:solidFill>
+                  <a:schemeClr val="tx1"/>
+                </a:solidFill>
+                <a:latin typeface="Arial" panose="020B0604020202020204" pitchFamily="34" charset="0"/>
+                <a:ea typeface="Arial" panose="020B0604020202020204" pitchFamily="34" charset="0"/>
+                <a:cs typeface="Arial" panose="020B0604020202020204" pitchFamily="34" charset="0"/>
+              </a:defRPr>
+            </a:lvl5pPr>
+            <a:lvl6pPr marL="2286000" indent="0" algn="ctr" defTabSz="914400" rtl="0" eaLnBrk="1" latinLnBrk="0" hangingPunct="1">
+              <a:lnSpc>
+                <a:spcPct val="90000"/>
+              </a:lnSpc>
+              <a:spcBef>
+                <a:spcPts val="500"/>
+              </a:spcBef>
+              <a:buFont typeface="Arial" panose="020B0604020202020204" pitchFamily="34" charset="0"/>
+              <a:buNone/>
+              <a:defRPr sz="1600" kern="1200">
+                <a:solidFill>
+                  <a:schemeClr val="tx1"/>
+                </a:solidFill>
+                <a:latin typeface="+mn-lt"/>
+                <a:ea typeface="+mn-ea"/>
+                <a:cs typeface="+mn-cs"/>
+              </a:defRPr>
+            </a:lvl6pPr>
+            <a:lvl7pPr marL="2743200" indent="0" algn="ctr" defTabSz="914400" rtl="0" eaLnBrk="1" latinLnBrk="0" hangingPunct="1">
+              <a:lnSpc>
+                <a:spcPct val="90000"/>
+              </a:lnSpc>
+              <a:spcBef>
+                <a:spcPts val="500"/>
+              </a:spcBef>
+              <a:buFont typeface="Arial" panose="020B0604020202020204" pitchFamily="34" charset="0"/>
+              <a:buNone/>
+              <a:defRPr sz="1600" kern="1200">
+                <a:solidFill>
+                  <a:schemeClr val="tx1"/>
+                </a:solidFill>
+                <a:latin typeface="+mn-lt"/>
+                <a:ea typeface="+mn-ea"/>
+                <a:cs typeface="+mn-cs"/>
+              </a:defRPr>
+            </a:lvl7pPr>
+            <a:lvl8pPr marL="3200400" indent="0" algn="ctr" defTabSz="914400" rtl="0" eaLnBrk="1" latinLnBrk="0" hangingPunct="1">
+              <a:lnSpc>
+                <a:spcPct val="90000"/>
+              </a:lnSpc>
+              <a:spcBef>
+                <a:spcPts val="500"/>
+              </a:spcBef>
+              <a:buFont typeface="Arial" panose="020B0604020202020204" pitchFamily="34" charset="0"/>
+              <a:buNone/>
+              <a:defRPr sz="1600" kern="1200">
+                <a:solidFill>
+                  <a:schemeClr val="tx1"/>
+                </a:solidFill>
+                <a:latin typeface="+mn-lt"/>
+                <a:ea typeface="+mn-ea"/>
+                <a:cs typeface="+mn-cs"/>
+              </a:defRPr>
+            </a:lvl8pPr>
+            <a:lvl9pPr marL="3657600" indent="0" algn="ctr" defTabSz="914400" rtl="0" eaLnBrk="1" latinLnBrk="0" hangingPunct="1">
+              <a:lnSpc>
+                <a:spcPct val="90000"/>
+              </a:lnSpc>
+              <a:spcBef>
+                <a:spcPts val="500"/>
+              </a:spcBef>
+              <a:buFont typeface="Arial" panose="020B0604020202020204" pitchFamily="34" charset="0"/>
+              <a:buNone/>
+              <a:defRPr sz="1600" kern="1200">
+                <a:solidFill>
+                  <a:schemeClr val="tx1"/>
+                </a:solidFill>
+                <a:latin typeface="+mn-lt"/>
+                <a:ea typeface="+mn-ea"/>
+                <a:cs typeface="+mn-cs"/>
+              </a:defRPr>
+            </a:lvl9pPr>
+          </a:lstStyle>
+          <a:p>
+            <a:pPr marL="0" marR="0" lvl="0" indent="0" algn="ctr" defTabSz="914400" rtl="0" eaLnBrk="1" fontAlgn="auto" latinLnBrk="0" hangingPunct="1">
+              <a:lnSpc>
+                <a:spcPct val="90000"/>
+              </a:lnSpc>
+              <a:spcBef>
+                <a:spcPts val="1000"/>
+              </a:spcBef>
+              <a:spcAft>
+                <a:spcPts val="0"/>
+              </a:spcAft>
+              <a:buClrTx/>
+              <a:buSzTx/>
+              <a:buFont typeface="Arial" panose="020B0604020202020204" pitchFamily="34" charset="0"/>
+              <a:buNone/>
+              <a:tabLst/>
+              <a:defRPr/>
+            </a:pPr>
+            <a:r>
+              <a:rPr kumimoji="0" lang="en-US" sz="1000" b="0" i="0" u="none" strike="noStrike" kern="1200" cap="none" spc="0" normalizeH="0" baseline="0" noProof="0" dirty="0">
+                <a:ln>
+                  <a:noFill/>
+                </a:ln>
+                <a:solidFill>
+                  <a:schemeClr val="tx1"/>
+                </a:solidFill>
+                <a:effectLst/>
+                <a:uLnTx/>
+                <a:uFillTx/>
+                <a:latin typeface="Arial" panose="020B0604020202020204" pitchFamily="34" charset="0"/>
+                <a:cs typeface="Arial" panose="020B0604020202020204" pitchFamily="34" charset="0"/>
+              </a:rPr>
               <a:t>Exercise 2</a:t>
             </a:r>
           </a:p>
@@ -13621,341 +16004,1031 @@
       </p:sp>
       <p:sp>
         <p:nvSpPr>
-          <p:cNvPr id="8" name="Text Placeholder 7">
+          <p:cNvPr id="11" name="Text Placeholder 7">
             <a:extLst>
               <a:ext uri="{FF2B5EF4-FFF2-40B4-BE49-F238E27FC236}">
-                <a16:creationId xmlns:a16="http://schemas.microsoft.com/office/drawing/2014/main" id="{9A16DD07-06AF-8A4C-918A-515C4EF779FA}"/>
+                <a16:creationId xmlns:a16="http://schemas.microsoft.com/office/drawing/2014/main" id="{B212A5F0-6656-5240-8C31-34EC424C815C}"/>
               </a:ext>
             </a:extLst>
           </p:cNvPr>
-          <p:cNvSpPr>
-            <a:spLocks noGrp="1"/>
-          </p:cNvSpPr>
-          <p:nvPr>
-            <p:ph type="body" sz="quarter" idx="10"/>
-          </p:nvPr>
+          <p:cNvSpPr txBox="1">
+            <a:spLocks/>
+          </p:cNvSpPr>
+          <p:nvPr/>
         </p:nvSpPr>
         <p:spPr>
           <a:xfrm>
             <a:off x="2090569" y="1343951"/>
             <a:ext cx="8064650" cy="5168872"/>
           </a:xfrm>
+          <a:prstGeom prst="rect">
+            <a:avLst/>
+          </a:prstGeom>
         </p:spPr>
         <p:txBody>
-          <a:bodyPr>
+          <a:bodyPr vert="horz" lIns="91440" tIns="45720" rIns="91440" bIns="45720" rtlCol="0">
             <a:normAutofit/>
           </a:bodyPr>
-          <a:lstStyle/>
-          <a:p>
-            <a:pPr marL="457200" indent="-457200" algn="l">
+          <a:lstStyle>
+            <a:lvl1pPr marL="0" indent="0" algn="ctr" defTabSz="914400" rtl="0" eaLnBrk="1" latinLnBrk="0" hangingPunct="1">
+              <a:lnSpc>
+                <a:spcPct val="90000"/>
+              </a:lnSpc>
+              <a:spcBef>
+                <a:spcPts val="1000"/>
+              </a:spcBef>
+              <a:buFont typeface="Arial" panose="020B0604020202020204" pitchFamily="34" charset="0"/>
+              <a:buNone/>
+              <a:defRPr sz="2000" kern="1200">
+                <a:solidFill>
+                  <a:schemeClr val="tx1"/>
+                </a:solidFill>
+                <a:latin typeface="Arial" panose="020B0604020202020204" pitchFamily="34" charset="0"/>
+                <a:ea typeface="Arial" panose="020B0604020202020204" pitchFamily="34" charset="0"/>
+                <a:cs typeface="Arial" panose="020B0604020202020204" pitchFamily="34" charset="0"/>
+              </a:defRPr>
+            </a:lvl1pPr>
+            <a:lvl2pPr marL="457200" indent="0" algn="ctr" defTabSz="914400" rtl="0" eaLnBrk="1" latinLnBrk="0" hangingPunct="1">
+              <a:lnSpc>
+                <a:spcPct val="90000"/>
+              </a:lnSpc>
+              <a:spcBef>
+                <a:spcPts val="500"/>
+              </a:spcBef>
+              <a:buFont typeface="Arial" panose="020B0604020202020204" pitchFamily="34" charset="0"/>
+              <a:buNone/>
+              <a:defRPr sz="2000" kern="1200">
+                <a:solidFill>
+                  <a:schemeClr val="tx1"/>
+                </a:solidFill>
+                <a:latin typeface="Arial" panose="020B0604020202020204" pitchFamily="34" charset="0"/>
+                <a:ea typeface="Arial" panose="020B0604020202020204" pitchFamily="34" charset="0"/>
+                <a:cs typeface="Arial" panose="020B0604020202020204" pitchFamily="34" charset="0"/>
+              </a:defRPr>
+            </a:lvl2pPr>
+            <a:lvl3pPr marL="914400" indent="0" algn="ctr" defTabSz="914400" rtl="0" eaLnBrk="1" latinLnBrk="0" hangingPunct="1">
+              <a:lnSpc>
+                <a:spcPct val="90000"/>
+              </a:lnSpc>
+              <a:spcBef>
+                <a:spcPts val="500"/>
+              </a:spcBef>
+              <a:buFont typeface="Arial" panose="020B0604020202020204" pitchFamily="34" charset="0"/>
+              <a:buNone/>
+              <a:defRPr sz="2000" kern="1200">
+                <a:solidFill>
+                  <a:schemeClr val="tx1"/>
+                </a:solidFill>
+                <a:latin typeface="Arial" panose="020B0604020202020204" pitchFamily="34" charset="0"/>
+                <a:ea typeface="Arial" panose="020B0604020202020204" pitchFamily="34" charset="0"/>
+                <a:cs typeface="Arial" panose="020B0604020202020204" pitchFamily="34" charset="0"/>
+              </a:defRPr>
+            </a:lvl3pPr>
+            <a:lvl4pPr marL="1371600" indent="0" algn="ctr" defTabSz="914400" rtl="0" eaLnBrk="1" latinLnBrk="0" hangingPunct="1">
+              <a:lnSpc>
+                <a:spcPct val="90000"/>
+              </a:lnSpc>
+              <a:spcBef>
+                <a:spcPts val="500"/>
+              </a:spcBef>
+              <a:buFont typeface="Arial" panose="020B0604020202020204" pitchFamily="34" charset="0"/>
+              <a:buNone/>
+              <a:defRPr sz="1800" kern="1200">
+                <a:solidFill>
+                  <a:schemeClr val="tx1"/>
+                </a:solidFill>
+                <a:latin typeface="Arial" panose="020B0604020202020204" pitchFamily="34" charset="0"/>
+                <a:ea typeface="Arial" panose="020B0604020202020204" pitchFamily="34" charset="0"/>
+                <a:cs typeface="Arial" panose="020B0604020202020204" pitchFamily="34" charset="0"/>
+              </a:defRPr>
+            </a:lvl4pPr>
+            <a:lvl5pPr marL="1828800" indent="0" algn="ctr" defTabSz="914400" rtl="0" eaLnBrk="1" latinLnBrk="0" hangingPunct="1">
+              <a:lnSpc>
+                <a:spcPct val="90000"/>
+              </a:lnSpc>
+              <a:spcBef>
+                <a:spcPts val="500"/>
+              </a:spcBef>
+              <a:buFont typeface="Arial" panose="020B0604020202020204" pitchFamily="34" charset="0"/>
+              <a:buNone/>
+              <a:defRPr sz="1800" kern="1200">
+                <a:solidFill>
+                  <a:schemeClr val="tx1"/>
+                </a:solidFill>
+                <a:latin typeface="Arial" panose="020B0604020202020204" pitchFamily="34" charset="0"/>
+                <a:ea typeface="Arial" panose="020B0604020202020204" pitchFamily="34" charset="0"/>
+                <a:cs typeface="Arial" panose="020B0604020202020204" pitchFamily="34" charset="0"/>
+              </a:defRPr>
+            </a:lvl5pPr>
+            <a:lvl6pPr marL="2514600" indent="-228600" algn="l" defTabSz="914400" rtl="0" eaLnBrk="1" latinLnBrk="0" hangingPunct="1">
+              <a:lnSpc>
+                <a:spcPct val="90000"/>
+              </a:lnSpc>
+              <a:spcBef>
+                <a:spcPts val="500"/>
+              </a:spcBef>
+              <a:buFont typeface="Arial" panose="020B0604020202020204" pitchFamily="34" charset="0"/>
+              <a:buChar char="•"/>
+              <a:defRPr sz="1800" kern="1200">
+                <a:solidFill>
+                  <a:schemeClr val="tx1"/>
+                </a:solidFill>
+                <a:latin typeface="+mn-lt"/>
+                <a:ea typeface="+mn-ea"/>
+                <a:cs typeface="+mn-cs"/>
+              </a:defRPr>
+            </a:lvl6pPr>
+            <a:lvl7pPr marL="2971800" indent="-228600" algn="l" defTabSz="914400" rtl="0" eaLnBrk="1" latinLnBrk="0" hangingPunct="1">
+              <a:lnSpc>
+                <a:spcPct val="90000"/>
+              </a:lnSpc>
+              <a:spcBef>
+                <a:spcPts val="500"/>
+              </a:spcBef>
+              <a:buFont typeface="Arial" panose="020B0604020202020204" pitchFamily="34" charset="0"/>
+              <a:buChar char="•"/>
+              <a:defRPr sz="1800" kern="1200">
+                <a:solidFill>
+                  <a:schemeClr val="tx1"/>
+                </a:solidFill>
+                <a:latin typeface="+mn-lt"/>
+                <a:ea typeface="+mn-ea"/>
+                <a:cs typeface="+mn-cs"/>
+              </a:defRPr>
+            </a:lvl7pPr>
+            <a:lvl8pPr marL="3429000" indent="-228600" algn="l" defTabSz="914400" rtl="0" eaLnBrk="1" latinLnBrk="0" hangingPunct="1">
+              <a:lnSpc>
+                <a:spcPct val="90000"/>
+              </a:lnSpc>
+              <a:spcBef>
+                <a:spcPts val="500"/>
+              </a:spcBef>
+              <a:buFont typeface="Arial" panose="020B0604020202020204" pitchFamily="34" charset="0"/>
+              <a:buChar char="•"/>
+              <a:defRPr sz="1800" kern="1200">
+                <a:solidFill>
+                  <a:schemeClr val="tx1"/>
+                </a:solidFill>
+                <a:latin typeface="+mn-lt"/>
+                <a:ea typeface="+mn-ea"/>
+                <a:cs typeface="+mn-cs"/>
+              </a:defRPr>
+            </a:lvl8pPr>
+            <a:lvl9pPr marL="3886200" indent="-228600" algn="l" defTabSz="914400" rtl="0" eaLnBrk="1" latinLnBrk="0" hangingPunct="1">
+              <a:lnSpc>
+                <a:spcPct val="90000"/>
+              </a:lnSpc>
+              <a:spcBef>
+                <a:spcPts val="500"/>
+              </a:spcBef>
+              <a:buFont typeface="Arial" panose="020B0604020202020204" pitchFamily="34" charset="0"/>
+              <a:buChar char="•"/>
+              <a:defRPr sz="1800" kern="1200">
+                <a:solidFill>
+                  <a:schemeClr val="tx1"/>
+                </a:solidFill>
+                <a:latin typeface="+mn-lt"/>
+                <a:ea typeface="+mn-ea"/>
+                <a:cs typeface="+mn-cs"/>
+              </a:defRPr>
+            </a:lvl9pPr>
+          </a:lstStyle>
+          <a:p>
+            <a:pPr marL="457200" marR="0" lvl="0" indent="-457200" algn="l" defTabSz="914400" rtl="0" eaLnBrk="1" fontAlgn="auto" latinLnBrk="0" hangingPunct="1">
+              <a:lnSpc>
+                <a:spcPct val="90000"/>
+              </a:lnSpc>
+              <a:spcBef>
+                <a:spcPts val="1000"/>
+              </a:spcBef>
+              <a:spcAft>
+                <a:spcPts val="0"/>
+              </a:spcAft>
+              <a:buClrTx/>
+              <a:buSzTx/>
               <a:buFont typeface="Arial" panose="020B0604020202020204" pitchFamily="34" charset="0"/>
               <a:buAutoNum type="arabicPeriod"/>
+              <a:tabLst/>
+              <a:defRPr/>
             </a:pPr>
             <a:r>
-              <a:rPr lang="en-US" dirty="0"/>
+              <a:rPr kumimoji="0" lang="en-US" sz="2000" b="0" i="0" u="none" strike="noStrike" kern="1200" cap="none" spc="0" normalizeH="0" baseline="0" noProof="0" dirty="0">
+                <a:ln>
+                  <a:noFill/>
+                </a:ln>
+                <a:effectLst/>
+                <a:uLnTx/>
+                <a:uFillTx/>
+                <a:latin typeface="Arial" panose="020B0604020202020204" pitchFamily="34" charset="0"/>
+                <a:cs typeface="Arial" panose="020B0604020202020204" pitchFamily="34" charset="0"/>
+              </a:rPr>
               <a:t>Open </a:t>
             </a:r>
             <a:r>
-              <a:rPr lang="en-US" dirty="0">
-                <a:solidFill>
-                  <a:srgbClr val="0070C0"/>
-                </a:solidFill>
+              <a:rPr kumimoji="0" lang="en-US" sz="2000" b="0" i="0" u="none" strike="noStrike" kern="1200" cap="none" spc="0" normalizeH="0" baseline="0" noProof="0" dirty="0">
+                <a:ln>
+                  <a:noFill/>
+                </a:ln>
+                <a:solidFill>
+                  <a:srgbClr val="00B0F0"/>
+                </a:solidFill>
+                <a:effectLst/>
+                <a:uLnTx/>
+                <a:uFillTx/>
                 <a:latin typeface="Courier" pitchFamily="2" charset="0"/>
+                <a:cs typeface="Arial" panose="020B0604020202020204" pitchFamily="34" charset="0"/>
               </a:rPr>
               <a:t>templates/</a:t>
             </a:r>
             <a:r>
-              <a:rPr lang="en-US" dirty="0" err="1">
-                <a:solidFill>
-                  <a:srgbClr val="0070C0"/>
-                </a:solidFill>
+              <a:rPr kumimoji="0" lang="en-US" sz="2000" b="0" i="0" u="none" strike="noStrike" kern="1200" cap="none" spc="0" normalizeH="0" baseline="0" noProof="0" dirty="0" err="1">
+                <a:ln>
+                  <a:noFill/>
+                </a:ln>
+                <a:solidFill>
+                  <a:srgbClr val="00B0F0"/>
+                </a:solidFill>
+                <a:effectLst/>
+                <a:uLnTx/>
+                <a:uFillTx/>
                 <a:latin typeface="Courier" pitchFamily="2" charset="0"/>
+                <a:cs typeface="Arial" panose="020B0604020202020204" pitchFamily="34" charset="0"/>
               </a:rPr>
               <a:t>objectOrientedClass.m</a:t>
             </a:r>
-            <a:endParaRPr lang="en-US" dirty="0">
+            <a:endParaRPr kumimoji="0" lang="en-US" sz="2000" b="0" i="0" u="none" strike="noStrike" kern="1200" cap="none" spc="0" normalizeH="0" baseline="0" noProof="0" dirty="0">
+              <a:ln>
+                <a:noFill/>
+              </a:ln>
               <a:solidFill>
-                <a:srgbClr val="0070C0"/>
+                <a:srgbClr val="00B0F0"/>
               </a:solidFill>
+              <a:effectLst/>
+              <a:uLnTx/>
+              <a:uFillTx/>
               <a:latin typeface="Courier" pitchFamily="2" charset="0"/>
+              <a:cs typeface="Arial" panose="020B0604020202020204" pitchFamily="34" charset="0"/>
             </a:endParaRPr>
           </a:p>
           <a:p>
-            <a:pPr marL="457200" indent="-457200" algn="l">
+            <a:pPr marL="457200" marR="0" lvl="0" indent="-457200" algn="l" defTabSz="914400" rtl="0" eaLnBrk="1" fontAlgn="auto" latinLnBrk="0" hangingPunct="1">
+              <a:lnSpc>
+                <a:spcPct val="90000"/>
+              </a:lnSpc>
+              <a:spcBef>
+                <a:spcPts val="1000"/>
+              </a:spcBef>
+              <a:spcAft>
+                <a:spcPts val="0"/>
+              </a:spcAft>
+              <a:buClrTx/>
+              <a:buSzTx/>
+              <a:buFont typeface="Arial" panose="020B0604020202020204" pitchFamily="34" charset="0"/>
               <a:buAutoNum type="arabicPeriod"/>
+              <a:tabLst/>
+              <a:defRPr/>
             </a:pPr>
             <a:r>
-              <a:rPr lang="en-US" dirty="0"/>
+              <a:rPr kumimoji="0" lang="en-US" sz="2000" b="0" i="0" u="none" strike="noStrike" kern="1200" cap="none" spc="0" normalizeH="0" baseline="0" noProof="0" dirty="0">
+                <a:ln>
+                  <a:noFill/>
+                </a:ln>
+                <a:effectLst/>
+                <a:uLnTx/>
+                <a:uFillTx/>
+                <a:latin typeface="Arial" panose="020B0604020202020204" pitchFamily="34" charset="0"/>
+                <a:cs typeface="Arial" panose="020B0604020202020204" pitchFamily="34" charset="0"/>
+              </a:rPr>
               <a:t>Rename it to something else (a class of object)</a:t>
             </a:r>
           </a:p>
           <a:p>
-            <a:pPr marL="914400" lvl="1" indent="-457200" algn="l">
+            <a:pPr marL="914400" marR="0" lvl="1" indent="-457200" algn="l" defTabSz="914400" rtl="0" eaLnBrk="1" fontAlgn="auto" latinLnBrk="0" hangingPunct="1">
+              <a:lnSpc>
+                <a:spcPct val="90000"/>
+              </a:lnSpc>
+              <a:spcBef>
+                <a:spcPts val="500"/>
+              </a:spcBef>
+              <a:spcAft>
+                <a:spcPts val="0"/>
+              </a:spcAft>
+              <a:buClrTx/>
+              <a:buSzTx/>
               <a:buFont typeface="Arial" panose="020B0604020202020204" pitchFamily="34" charset="0"/>
               <a:buChar char="•"/>
+              <a:tabLst/>
+              <a:defRPr/>
             </a:pPr>
             <a:r>
-              <a:rPr lang="en-US" dirty="0"/>
+              <a:rPr kumimoji="0" lang="en-US" sz="2000" b="0" i="0" u="none" strike="noStrike" kern="1200" cap="none" spc="0" normalizeH="0" baseline="0" noProof="0" dirty="0">
+                <a:ln>
+                  <a:noFill/>
+                </a:ln>
+                <a:effectLst/>
+                <a:uLnTx/>
+                <a:uFillTx/>
+                <a:latin typeface="Arial" panose="020B0604020202020204" pitchFamily="34" charset="0"/>
+                <a:cs typeface="Arial" panose="020B0604020202020204" pitchFamily="34" charset="0"/>
+              </a:rPr>
               <a:t>e.g. </a:t>
             </a:r>
             <a:r>
-              <a:rPr lang="en-US" dirty="0" err="1">
-                <a:solidFill>
-                  <a:srgbClr val="0070C0"/>
-                </a:solidFill>
+              <a:rPr kumimoji="0" lang="en-US" sz="2000" b="0" i="0" u="none" strike="noStrike" kern="1200" cap="none" spc="0" normalizeH="0" baseline="0" noProof="0" dirty="0" err="1">
+                <a:ln>
+                  <a:noFill/>
+                </a:ln>
+                <a:solidFill>
+                  <a:srgbClr val="00B0F0"/>
+                </a:solidFill>
+                <a:effectLst/>
+                <a:uLnTx/>
+                <a:uFillTx/>
                 <a:latin typeface="Courier" pitchFamily="2" charset="0"/>
+                <a:cs typeface="Arial" panose="020B0604020202020204" pitchFamily="34" charset="0"/>
               </a:rPr>
               <a:t>barrel.m</a:t>
             </a:r>
-            <a:endParaRPr lang="en-US" dirty="0"/>
-          </a:p>
-          <a:p>
-            <a:pPr marL="457200" indent="-457200" algn="l">
+            <a:endParaRPr kumimoji="0" lang="en-US" sz="2000" b="0" i="0" u="none" strike="noStrike" kern="1200" cap="none" spc="0" normalizeH="0" baseline="0" noProof="0" dirty="0">
+              <a:ln>
+                <a:noFill/>
+              </a:ln>
+              <a:solidFill>
+                <a:srgbClr val="00B0F0"/>
+              </a:solidFill>
+              <a:effectLst/>
+              <a:uLnTx/>
+              <a:uFillTx/>
+              <a:cs typeface="Arial" panose="020B0604020202020204" pitchFamily="34" charset="0"/>
+            </a:endParaRPr>
+          </a:p>
+          <a:p>
+            <a:pPr marL="457200" marR="0" lvl="0" indent="-457200" algn="l" defTabSz="914400" rtl="0" eaLnBrk="1" fontAlgn="auto" latinLnBrk="0" hangingPunct="1">
+              <a:lnSpc>
+                <a:spcPct val="90000"/>
+              </a:lnSpc>
+              <a:spcBef>
+                <a:spcPts val="1000"/>
+              </a:spcBef>
+              <a:spcAft>
+                <a:spcPts val="0"/>
+              </a:spcAft>
+              <a:buClrTx/>
+              <a:buSzTx/>
+              <a:buFont typeface="Arial" panose="020B0604020202020204" pitchFamily="34" charset="0"/>
               <a:buAutoNum type="arabicPeriod"/>
+              <a:tabLst/>
+              <a:defRPr/>
             </a:pPr>
             <a:r>
-              <a:rPr lang="en-US" dirty="0"/>
+              <a:rPr kumimoji="0" lang="en-US" sz="2000" b="0" i="0" u="none" strike="noStrike" kern="1200" cap="none" spc="0" normalizeH="0" baseline="0" noProof="0" dirty="0">
+                <a:ln>
+                  <a:noFill/>
+                </a:ln>
+                <a:effectLst/>
+                <a:uLnTx/>
+                <a:uFillTx/>
+                <a:latin typeface="Arial" panose="020B0604020202020204" pitchFamily="34" charset="0"/>
+                <a:cs typeface="Arial" panose="020B0604020202020204" pitchFamily="34" charset="0"/>
+              </a:rPr>
               <a:t>Add two new properties to the class </a:t>
             </a:r>
           </a:p>
           <a:p>
-            <a:pPr marL="914400" lvl="1" indent="-457200" algn="l">
+            <a:pPr marL="914400" marR="0" lvl="1" indent="-457200" algn="l" defTabSz="914400" rtl="0" eaLnBrk="1" fontAlgn="auto" latinLnBrk="0" hangingPunct="1">
+              <a:lnSpc>
+                <a:spcPct val="90000"/>
+              </a:lnSpc>
+              <a:spcBef>
+                <a:spcPts val="500"/>
+              </a:spcBef>
+              <a:spcAft>
+                <a:spcPts val="0"/>
+              </a:spcAft>
+              <a:buClrTx/>
+              <a:buSzTx/>
               <a:buFont typeface="Arial" panose="020B0604020202020204" pitchFamily="34" charset="0"/>
               <a:buChar char="•"/>
+              <a:tabLst/>
+              <a:defRPr/>
             </a:pPr>
             <a:r>
-              <a:rPr lang="en-US" dirty="0"/>
+              <a:rPr kumimoji="0" lang="en-US" sz="2000" b="0" i="0" u="none" strike="noStrike" kern="1200" cap="none" spc="0" normalizeH="0" baseline="0" noProof="0" dirty="0">
+                <a:ln>
+                  <a:noFill/>
+                </a:ln>
+                <a:effectLst/>
+                <a:uLnTx/>
+                <a:uFillTx/>
+                <a:latin typeface="Arial" panose="020B0604020202020204" pitchFamily="34" charset="0"/>
+                <a:cs typeface="Arial" panose="020B0604020202020204" pitchFamily="34" charset="0"/>
+              </a:rPr>
               <a:t>e.g. </a:t>
             </a:r>
             <a:r>
-              <a:rPr lang="en-US" dirty="0" err="1">
-                <a:solidFill>
-                  <a:srgbClr val="0070C0"/>
-                </a:solidFill>
+              <a:rPr kumimoji="0" lang="en-US" sz="2000" b="0" i="0" u="none" strike="noStrike" kern="1200" cap="none" spc="0" normalizeH="0" baseline="0" noProof="0" dirty="0" err="1">
+                <a:ln>
+                  <a:noFill/>
+                </a:ln>
+                <a:solidFill>
+                  <a:srgbClr val="00B0F0"/>
+                </a:solidFill>
+                <a:effectLst/>
+                <a:uLnTx/>
+                <a:uFillTx/>
                 <a:latin typeface="Courier" pitchFamily="2" charset="0"/>
+                <a:cs typeface="Arial" panose="020B0604020202020204" pitchFamily="34" charset="0"/>
               </a:rPr>
               <a:t>nMonkeys</a:t>
             </a:r>
-            <a:endParaRPr lang="en-US" dirty="0"/>
-          </a:p>
-          <a:p>
-            <a:pPr marL="457200" indent="-457200" algn="l">
+            <a:endParaRPr kumimoji="0" lang="en-US" sz="2000" b="0" i="0" u="none" strike="noStrike" kern="1200" cap="none" spc="0" normalizeH="0" baseline="0" noProof="0" dirty="0">
+              <a:ln>
+                <a:noFill/>
+              </a:ln>
+              <a:solidFill>
+                <a:srgbClr val="00B0F0"/>
+              </a:solidFill>
+              <a:effectLst/>
+              <a:uLnTx/>
+              <a:uFillTx/>
+              <a:cs typeface="Arial" panose="020B0604020202020204" pitchFamily="34" charset="0"/>
+            </a:endParaRPr>
+          </a:p>
+          <a:p>
+            <a:pPr marL="457200" marR="0" lvl="0" indent="-457200" algn="l" defTabSz="914400" rtl="0" eaLnBrk="1" fontAlgn="auto" latinLnBrk="0" hangingPunct="1">
+              <a:lnSpc>
+                <a:spcPct val="90000"/>
+              </a:lnSpc>
+              <a:spcBef>
+                <a:spcPts val="1000"/>
+              </a:spcBef>
+              <a:spcAft>
+                <a:spcPts val="0"/>
+              </a:spcAft>
+              <a:buClrTx/>
+              <a:buSzTx/>
+              <a:buFont typeface="Arial" panose="020B0604020202020204" pitchFamily="34" charset="0"/>
               <a:buAutoNum type="arabicPeriod"/>
+              <a:tabLst/>
+              <a:defRPr/>
             </a:pPr>
             <a:r>
-              <a:rPr lang="en-US" dirty="0"/>
+              <a:rPr kumimoji="0" lang="en-US" sz="2000" b="0" i="0" u="none" strike="noStrike" kern="1200" cap="none" spc="0" normalizeH="0" baseline="0" noProof="0" dirty="0">
+                <a:ln>
+                  <a:noFill/>
+                </a:ln>
+                <a:effectLst/>
+                <a:uLnTx/>
+                <a:uFillTx/>
+                <a:latin typeface="Arial" panose="020B0604020202020204" pitchFamily="34" charset="0"/>
+                <a:cs typeface="Arial" panose="020B0604020202020204" pitchFamily="34" charset="0"/>
+              </a:rPr>
               <a:t>Add a new dependent property, with a corresponding </a:t>
             </a:r>
             <a:r>
-              <a:rPr lang="en-US" dirty="0">
-                <a:solidFill>
-                  <a:srgbClr val="0070C0"/>
-                </a:solidFill>
+              <a:rPr kumimoji="0" lang="en-US" sz="2000" b="0" i="0" u="none" strike="noStrike" kern="1200" cap="none" spc="0" normalizeH="0" baseline="0" noProof="0" dirty="0">
+                <a:ln>
+                  <a:noFill/>
+                </a:ln>
+                <a:solidFill>
+                  <a:srgbClr val="00B0F0"/>
+                </a:solidFill>
+                <a:effectLst/>
+                <a:uLnTx/>
+                <a:uFillTx/>
                 <a:latin typeface="Courier" pitchFamily="2" charset="0"/>
+                <a:cs typeface="Arial" panose="020B0604020202020204" pitchFamily="34" charset="0"/>
               </a:rPr>
               <a:t>get</a:t>
             </a:r>
             <a:r>
-              <a:rPr lang="en-US" dirty="0"/>
-              <a:t> function</a:t>
-            </a:r>
-          </a:p>
-          <a:p>
-            <a:pPr marL="914400" lvl="1" indent="-457200" algn="l">
+              <a:rPr kumimoji="0" lang="en-US" sz="2000" b="0" i="0" u="none" strike="noStrike" kern="1200" cap="none" spc="0" normalizeH="0" baseline="0" noProof="0" dirty="0">
+                <a:ln>
+                  <a:noFill/>
+                </a:ln>
+                <a:solidFill>
+                  <a:sysClr val="windowText" lastClr="000000"/>
+                </a:solidFill>
+                <a:effectLst/>
+                <a:uLnTx/>
+                <a:uFillTx/>
+                <a:latin typeface="Arial" panose="020B0604020202020204" pitchFamily="34" charset="0"/>
+                <a:cs typeface="Arial" panose="020B0604020202020204" pitchFamily="34" charset="0"/>
+              </a:rPr>
+              <a:t> </a:t>
+            </a:r>
+            <a:r>
+              <a:rPr kumimoji="0" lang="en-US" sz="2000" b="0" i="0" u="none" strike="noStrike" kern="1200" cap="none" spc="0" normalizeH="0" baseline="0" noProof="0" dirty="0">
+                <a:ln>
+                  <a:noFill/>
+                </a:ln>
+                <a:effectLst/>
+                <a:uLnTx/>
+                <a:uFillTx/>
+                <a:latin typeface="Arial" panose="020B0604020202020204" pitchFamily="34" charset="0"/>
+                <a:cs typeface="Arial" panose="020B0604020202020204" pitchFamily="34" charset="0"/>
+              </a:rPr>
+              <a:t>function</a:t>
+            </a:r>
+          </a:p>
+          <a:p>
+            <a:pPr marL="914400" marR="0" lvl="1" indent="-457200" algn="l" defTabSz="914400" rtl="0" eaLnBrk="1" fontAlgn="auto" latinLnBrk="0" hangingPunct="1">
+              <a:lnSpc>
+                <a:spcPct val="90000"/>
+              </a:lnSpc>
+              <a:spcBef>
+                <a:spcPts val="500"/>
+              </a:spcBef>
+              <a:spcAft>
+                <a:spcPts val="0"/>
+              </a:spcAft>
+              <a:buClrTx/>
+              <a:buSzTx/>
               <a:buFont typeface="Arial" panose="020B0604020202020204" pitchFamily="34" charset="0"/>
               <a:buChar char="•"/>
+              <a:tabLst/>
+              <a:defRPr/>
             </a:pPr>
             <a:r>
-              <a:rPr lang="en-US" dirty="0"/>
+              <a:rPr kumimoji="0" lang="en-US" sz="2000" b="0" i="0" u="none" strike="noStrike" kern="1200" cap="none" spc="0" normalizeH="0" baseline="0" noProof="0" dirty="0">
+                <a:ln>
+                  <a:noFill/>
+                </a:ln>
+                <a:effectLst/>
+                <a:uLnTx/>
+                <a:uFillTx/>
+                <a:latin typeface="Arial" panose="020B0604020202020204" pitchFamily="34" charset="0"/>
+                <a:cs typeface="Arial" panose="020B0604020202020204" pitchFamily="34" charset="0"/>
+              </a:rPr>
               <a:t>e.g. </a:t>
             </a:r>
             <a:r>
-              <a:rPr lang="en-US" dirty="0" err="1">
-                <a:solidFill>
-                  <a:srgbClr val="0070C0"/>
-                </a:solidFill>
+              <a:rPr kumimoji="0" lang="en-US" sz="2000" b="0" i="0" u="none" strike="noStrike" kern="1200" cap="none" spc="0" normalizeH="0" baseline="0" noProof="0" dirty="0" err="1">
+                <a:ln>
+                  <a:noFill/>
+                </a:ln>
+                <a:solidFill>
+                  <a:srgbClr val="00B0F0"/>
+                </a:solidFill>
+                <a:effectLst/>
+                <a:uLnTx/>
+                <a:uFillTx/>
                 <a:latin typeface="Courier" pitchFamily="2" charset="0"/>
+                <a:cs typeface="Arial" panose="020B0604020202020204" pitchFamily="34" charset="0"/>
               </a:rPr>
               <a:t>isFull</a:t>
             </a:r>
-            <a:endParaRPr lang="en-US" dirty="0"/>
-          </a:p>
-          <a:p>
-            <a:pPr marL="457200" indent="-457200" algn="l">
+            <a:endParaRPr kumimoji="0" lang="en-US" sz="2000" b="0" i="0" u="none" strike="noStrike" kern="1200" cap="none" spc="0" normalizeH="0" baseline="0" noProof="0" dirty="0">
+              <a:ln>
+                <a:noFill/>
+              </a:ln>
+              <a:solidFill>
+                <a:srgbClr val="00B0F0"/>
+              </a:solidFill>
+              <a:effectLst/>
+              <a:uLnTx/>
+              <a:uFillTx/>
+              <a:cs typeface="Arial" panose="020B0604020202020204" pitchFamily="34" charset="0"/>
+            </a:endParaRPr>
+          </a:p>
+          <a:p>
+            <a:pPr marL="457200" marR="0" lvl="0" indent="-457200" algn="l" defTabSz="914400" rtl="0" eaLnBrk="1" fontAlgn="auto" latinLnBrk="0" hangingPunct="1">
+              <a:lnSpc>
+                <a:spcPct val="90000"/>
+              </a:lnSpc>
+              <a:spcBef>
+                <a:spcPts val="1000"/>
+              </a:spcBef>
+              <a:spcAft>
+                <a:spcPts val="0"/>
+              </a:spcAft>
+              <a:buClrTx/>
+              <a:buSzTx/>
+              <a:buFont typeface="Arial" panose="020B0604020202020204" pitchFamily="34" charset="0"/>
               <a:buAutoNum type="arabicPeriod"/>
+              <a:tabLst/>
+              <a:defRPr/>
             </a:pPr>
             <a:r>
-              <a:rPr lang="en-US" dirty="0"/>
+              <a:rPr kumimoji="0" lang="en-US" sz="2000" b="0" i="0" u="none" strike="noStrike" kern="1200" cap="none" spc="0" normalizeH="0" baseline="0" noProof="0" dirty="0">
+                <a:ln>
+                  <a:noFill/>
+                </a:ln>
+                <a:effectLst/>
+                <a:uLnTx/>
+                <a:uFillTx/>
+                <a:latin typeface="Arial" panose="020B0604020202020204" pitchFamily="34" charset="0"/>
+                <a:cs typeface="Arial" panose="020B0604020202020204" pitchFamily="34" charset="0"/>
+              </a:rPr>
               <a:t>Update constructor function</a:t>
             </a:r>
           </a:p>
           <a:p>
-            <a:pPr marL="914400" lvl="1" indent="-457200" algn="l">
+            <a:pPr marL="914400" marR="0" lvl="1" indent="-457200" algn="l" defTabSz="914400" rtl="0" eaLnBrk="1" fontAlgn="auto" latinLnBrk="0" hangingPunct="1">
+              <a:lnSpc>
+                <a:spcPct val="90000"/>
+              </a:lnSpc>
+              <a:spcBef>
+                <a:spcPts val="500"/>
+              </a:spcBef>
+              <a:spcAft>
+                <a:spcPts val="0"/>
+              </a:spcAft>
+              <a:buClrTx/>
+              <a:buSzTx/>
               <a:buFont typeface="Arial" panose="020B0604020202020204" pitchFamily="34" charset="0"/>
               <a:buChar char="•"/>
+              <a:tabLst/>
+              <a:defRPr/>
             </a:pPr>
             <a:r>
-              <a:rPr lang="en-US" dirty="0"/>
+              <a:rPr kumimoji="0" lang="en-US" sz="2000" b="0" i="0" u="none" strike="noStrike" kern="1200" cap="none" spc="0" normalizeH="0" baseline="0" noProof="0" dirty="0">
+                <a:ln>
+                  <a:noFill/>
+                </a:ln>
+                <a:effectLst/>
+                <a:uLnTx/>
+                <a:uFillTx/>
+                <a:latin typeface="Arial" panose="020B0604020202020204" pitchFamily="34" charset="0"/>
+                <a:cs typeface="Arial" panose="020B0604020202020204" pitchFamily="34" charset="0"/>
+              </a:rPr>
               <a:t>e.g. </a:t>
             </a:r>
             <a:r>
-              <a:rPr lang="en-US" dirty="0">
-                <a:solidFill>
-                  <a:srgbClr val="0070C0"/>
-                </a:solidFill>
+              <a:rPr kumimoji="0" lang="en-US" sz="2000" b="0" i="0" u="none" strike="noStrike" kern="1200" cap="none" spc="0" normalizeH="0" baseline="0" noProof="0" dirty="0">
+                <a:ln>
+                  <a:noFill/>
+                </a:ln>
+                <a:solidFill>
+                  <a:srgbClr val="00B0F0"/>
+                </a:solidFill>
+                <a:effectLst/>
+                <a:uLnTx/>
+                <a:uFillTx/>
                 <a:latin typeface="Courier" pitchFamily="2" charset="0"/>
+                <a:cs typeface="Arial" panose="020B0604020202020204" pitchFamily="34" charset="0"/>
               </a:rPr>
               <a:t>function </a:t>
             </a:r>
             <a:r>
-              <a:rPr lang="en-US" dirty="0" err="1">
-                <a:solidFill>
-                  <a:srgbClr val="0070C0"/>
-                </a:solidFill>
+              <a:rPr kumimoji="0" lang="en-US" sz="2000" b="0" i="0" u="none" strike="noStrike" kern="1200" cap="none" spc="0" normalizeH="0" baseline="0" noProof="0" dirty="0" err="1">
+                <a:ln>
+                  <a:noFill/>
+                </a:ln>
+                <a:solidFill>
+                  <a:srgbClr val="00B0F0"/>
+                </a:solidFill>
+                <a:effectLst/>
+                <a:uLnTx/>
+                <a:uFillTx/>
                 <a:latin typeface="Courier" pitchFamily="2" charset="0"/>
+                <a:cs typeface="Arial" panose="020B0604020202020204" pitchFamily="34" charset="0"/>
               </a:rPr>
               <a:t>obj</a:t>
             </a:r>
             <a:r>
-              <a:rPr lang="en-US" dirty="0">
-                <a:solidFill>
-                  <a:srgbClr val="0070C0"/>
-                </a:solidFill>
+              <a:rPr kumimoji="0" lang="en-US" sz="2000" b="0" i="0" u="none" strike="noStrike" kern="1200" cap="none" spc="0" normalizeH="0" baseline="0" noProof="0" dirty="0">
+                <a:ln>
+                  <a:noFill/>
+                </a:ln>
+                <a:solidFill>
+                  <a:srgbClr val="00B0F0"/>
+                </a:solidFill>
+                <a:effectLst/>
+                <a:uLnTx/>
+                <a:uFillTx/>
                 <a:latin typeface="Courier" pitchFamily="2" charset="0"/>
+                <a:cs typeface="Arial" panose="020B0604020202020204" pitchFamily="34" charset="0"/>
               </a:rPr>
               <a:t> = barrel(nMonkeys2Start)</a:t>
             </a:r>
-            <a:endParaRPr lang="en-US" dirty="0"/>
-          </a:p>
-          <a:p>
-            <a:pPr marL="457200" indent="-457200" algn="l">
+            <a:endParaRPr kumimoji="0" lang="en-US" sz="2000" b="0" i="0" u="none" strike="noStrike" kern="1200" cap="none" spc="0" normalizeH="0" baseline="0" noProof="0" dirty="0">
+              <a:ln>
+                <a:noFill/>
+              </a:ln>
+              <a:solidFill>
+                <a:srgbClr val="00B0F0"/>
+              </a:solidFill>
+              <a:effectLst/>
+              <a:uLnTx/>
+              <a:uFillTx/>
+              <a:cs typeface="Arial" panose="020B0604020202020204" pitchFamily="34" charset="0"/>
+            </a:endParaRPr>
+          </a:p>
+          <a:p>
+            <a:pPr marL="457200" marR="0" lvl="0" indent="-457200" algn="l" defTabSz="914400" rtl="0" eaLnBrk="1" fontAlgn="auto" latinLnBrk="0" hangingPunct="1">
+              <a:lnSpc>
+                <a:spcPct val="90000"/>
+              </a:lnSpc>
+              <a:spcBef>
+                <a:spcPts val="1000"/>
+              </a:spcBef>
+              <a:spcAft>
+                <a:spcPts val="0"/>
+              </a:spcAft>
+              <a:buClrTx/>
+              <a:buSzTx/>
+              <a:buFont typeface="Arial" panose="020B0604020202020204" pitchFamily="34" charset="0"/>
               <a:buAutoNum type="arabicPeriod"/>
+              <a:tabLst/>
+              <a:defRPr/>
             </a:pPr>
             <a:r>
-              <a:rPr lang="en-US" dirty="0"/>
+              <a:rPr kumimoji="0" lang="en-US" sz="2000" b="0" i="0" u="none" strike="noStrike" kern="1200" cap="none" spc="0" normalizeH="0" baseline="0" noProof="0" dirty="0">
+                <a:ln>
+                  <a:noFill/>
+                </a:ln>
+                <a:effectLst/>
+                <a:uLnTx/>
+                <a:uFillTx/>
+                <a:latin typeface="Arial" panose="020B0604020202020204" pitchFamily="34" charset="0"/>
+                <a:cs typeface="Arial" panose="020B0604020202020204" pitchFamily="34" charset="0"/>
+              </a:rPr>
               <a:t>Write two new functions in the class</a:t>
             </a:r>
           </a:p>
           <a:p>
-            <a:pPr marL="914400" lvl="1" indent="-457200" algn="l">
+            <a:pPr marL="914400" marR="0" lvl="1" indent="-457200" algn="l" defTabSz="914400" rtl="0" eaLnBrk="1" fontAlgn="auto" latinLnBrk="0" hangingPunct="1">
+              <a:lnSpc>
+                <a:spcPct val="90000"/>
+              </a:lnSpc>
+              <a:spcBef>
+                <a:spcPts val="500"/>
+              </a:spcBef>
+              <a:spcAft>
+                <a:spcPts val="0"/>
+              </a:spcAft>
+              <a:buClrTx/>
+              <a:buSzTx/>
               <a:buFont typeface="Arial" panose="020B0604020202020204" pitchFamily="34" charset="0"/>
               <a:buChar char="•"/>
+              <a:tabLst/>
+              <a:defRPr/>
             </a:pPr>
             <a:r>
-              <a:rPr lang="en-US" dirty="0"/>
+              <a:rPr kumimoji="0" lang="en-US" sz="2000" b="0" i="0" u="none" strike="noStrike" kern="1200" cap="none" spc="0" normalizeH="0" baseline="0" noProof="0" dirty="0">
+                <a:ln>
+                  <a:noFill/>
+                </a:ln>
+                <a:effectLst/>
+                <a:uLnTx/>
+                <a:uFillTx/>
+                <a:latin typeface="Arial" panose="020B0604020202020204" pitchFamily="34" charset="0"/>
+                <a:cs typeface="Arial" panose="020B0604020202020204" pitchFamily="34" charset="0"/>
+              </a:rPr>
               <a:t>e.g. </a:t>
             </a:r>
             <a:r>
-              <a:rPr lang="en-US" dirty="0">
-                <a:solidFill>
-                  <a:srgbClr val="0070C0"/>
-                </a:solidFill>
+              <a:rPr kumimoji="0" lang="en-US" sz="2000" b="0" i="0" u="none" strike="noStrike" kern="1200" cap="none" spc="0" normalizeH="0" baseline="0" noProof="0" dirty="0">
+                <a:ln>
+                  <a:noFill/>
+                </a:ln>
+                <a:solidFill>
+                  <a:srgbClr val="00B0F0"/>
+                </a:solidFill>
+                <a:effectLst/>
+                <a:uLnTx/>
+                <a:uFillTx/>
                 <a:latin typeface="Courier" pitchFamily="2" charset="0"/>
+                <a:cs typeface="Arial" panose="020B0604020202020204" pitchFamily="34" charset="0"/>
               </a:rPr>
               <a:t>function </a:t>
             </a:r>
             <a:r>
-              <a:rPr lang="en-US" dirty="0" err="1">
-                <a:solidFill>
-                  <a:srgbClr val="0070C0"/>
-                </a:solidFill>
+              <a:rPr kumimoji="0" lang="en-US" sz="2000" b="0" i="0" u="none" strike="noStrike" kern="1200" cap="none" spc="0" normalizeH="0" baseline="0" noProof="0" dirty="0" err="1">
+                <a:ln>
+                  <a:noFill/>
+                </a:ln>
+                <a:solidFill>
+                  <a:srgbClr val="00B0F0"/>
+                </a:solidFill>
+                <a:effectLst/>
+                <a:uLnTx/>
+                <a:uFillTx/>
                 <a:latin typeface="Courier" pitchFamily="2" charset="0"/>
+                <a:cs typeface="Arial" panose="020B0604020202020204" pitchFamily="34" charset="0"/>
               </a:rPr>
               <a:t>obj</a:t>
             </a:r>
             <a:r>
-              <a:rPr lang="en-US" dirty="0">
-                <a:solidFill>
-                  <a:srgbClr val="0070C0"/>
-                </a:solidFill>
+              <a:rPr kumimoji="0" lang="en-US" sz="2000" b="0" i="0" u="none" strike="noStrike" kern="1200" cap="none" spc="0" normalizeH="0" baseline="0" noProof="0" dirty="0">
+                <a:ln>
+                  <a:noFill/>
+                </a:ln>
+                <a:solidFill>
+                  <a:srgbClr val="00B0F0"/>
+                </a:solidFill>
+                <a:effectLst/>
+                <a:uLnTx/>
+                <a:uFillTx/>
                 <a:latin typeface="Courier" pitchFamily="2" charset="0"/>
+                <a:cs typeface="Arial" panose="020B0604020202020204" pitchFamily="34" charset="0"/>
               </a:rPr>
               <a:t> = </a:t>
             </a:r>
             <a:r>
-              <a:rPr lang="en-US" dirty="0" err="1">
-                <a:solidFill>
-                  <a:srgbClr val="0070C0"/>
-                </a:solidFill>
+              <a:rPr kumimoji="0" lang="en-US" sz="2000" b="0" i="0" u="none" strike="noStrike" kern="1200" cap="none" spc="0" normalizeH="0" baseline="0" noProof="0" dirty="0" err="1">
+                <a:ln>
+                  <a:noFill/>
+                </a:ln>
+                <a:solidFill>
+                  <a:srgbClr val="00B0F0"/>
+                </a:solidFill>
+                <a:effectLst/>
+                <a:uLnTx/>
+                <a:uFillTx/>
                 <a:latin typeface="Courier" pitchFamily="2" charset="0"/>
+                <a:cs typeface="Arial" panose="020B0604020202020204" pitchFamily="34" charset="0"/>
               </a:rPr>
               <a:t>addMonkeys</a:t>
             </a:r>
             <a:r>
-              <a:rPr lang="en-US" dirty="0">
-                <a:solidFill>
-                  <a:srgbClr val="0070C0"/>
-                </a:solidFill>
+              <a:rPr kumimoji="0" lang="en-US" sz="2000" b="0" i="0" u="none" strike="noStrike" kern="1200" cap="none" spc="0" normalizeH="0" baseline="0" noProof="0" dirty="0">
+                <a:ln>
+                  <a:noFill/>
+                </a:ln>
+                <a:solidFill>
+                  <a:srgbClr val="00B0F0"/>
+                </a:solidFill>
+                <a:effectLst/>
+                <a:uLnTx/>
+                <a:uFillTx/>
                 <a:latin typeface="Courier" pitchFamily="2" charset="0"/>
+                <a:cs typeface="Arial" panose="020B0604020202020204" pitchFamily="34" charset="0"/>
               </a:rPr>
               <a:t>(</a:t>
             </a:r>
             <a:r>
-              <a:rPr lang="en-US" dirty="0" err="1">
-                <a:solidFill>
-                  <a:srgbClr val="0070C0"/>
-                </a:solidFill>
+              <a:rPr kumimoji="0" lang="en-US" sz="2000" b="0" i="0" u="none" strike="noStrike" kern="1200" cap="none" spc="0" normalizeH="0" baseline="0" noProof="0" dirty="0" err="1">
+                <a:ln>
+                  <a:noFill/>
+                </a:ln>
+                <a:solidFill>
+                  <a:srgbClr val="00B0F0"/>
+                </a:solidFill>
+                <a:effectLst/>
+                <a:uLnTx/>
+                <a:uFillTx/>
                 <a:latin typeface="Courier" pitchFamily="2" charset="0"/>
+                <a:cs typeface="Arial" panose="020B0604020202020204" pitchFamily="34" charset="0"/>
               </a:rPr>
               <a:t>nMonkeysNew</a:t>
             </a:r>
             <a:r>
-              <a:rPr lang="en-US" dirty="0">
-                <a:solidFill>
-                  <a:srgbClr val="0070C0"/>
-                </a:solidFill>
+              <a:rPr kumimoji="0" lang="en-US" sz="2000" b="0" i="0" u="none" strike="noStrike" kern="1200" cap="none" spc="0" normalizeH="0" baseline="0" noProof="0" dirty="0">
+                <a:ln>
+                  <a:noFill/>
+                </a:ln>
+                <a:solidFill>
+                  <a:srgbClr val="00B0F0"/>
+                </a:solidFill>
+                <a:effectLst/>
+                <a:uLnTx/>
+                <a:uFillTx/>
                 <a:latin typeface="Courier" pitchFamily="2" charset="0"/>
+                <a:cs typeface="Arial" panose="020B0604020202020204" pitchFamily="34" charset="0"/>
               </a:rPr>
               <a:t>)</a:t>
             </a:r>
-            <a:endParaRPr lang="en-US" dirty="0"/>
-          </a:p>
-          <a:p>
-            <a:pPr marL="457200" indent="-457200" algn="l">
+            <a:endParaRPr kumimoji="0" lang="en-US" sz="2000" b="0" i="0" u="none" strike="noStrike" kern="1200" cap="none" spc="0" normalizeH="0" baseline="0" noProof="0" dirty="0">
+              <a:ln>
+                <a:noFill/>
+              </a:ln>
+              <a:solidFill>
+                <a:srgbClr val="00B0F0"/>
+              </a:solidFill>
+              <a:effectLst/>
+              <a:uLnTx/>
+              <a:uFillTx/>
+              <a:cs typeface="Arial" panose="020B0604020202020204" pitchFamily="34" charset="0"/>
+            </a:endParaRPr>
+          </a:p>
+          <a:p>
+            <a:pPr marL="457200" marR="0" lvl="0" indent="-457200" algn="l" defTabSz="914400" rtl="0" eaLnBrk="1" fontAlgn="auto" latinLnBrk="0" hangingPunct="1">
+              <a:lnSpc>
+                <a:spcPct val="90000"/>
+              </a:lnSpc>
+              <a:spcBef>
+                <a:spcPts val="1000"/>
+              </a:spcBef>
+              <a:spcAft>
+                <a:spcPts val="0"/>
+              </a:spcAft>
+              <a:buClrTx/>
+              <a:buSzTx/>
+              <a:buFont typeface="Arial" panose="020B0604020202020204" pitchFamily="34" charset="0"/>
               <a:buAutoNum type="arabicPeriod"/>
+              <a:tabLst/>
+              <a:defRPr/>
             </a:pPr>
             <a:r>
-              <a:rPr lang="en-US" dirty="0"/>
+              <a:rPr kumimoji="0" lang="en-US" sz="2000" b="0" i="0" u="none" strike="noStrike" kern="1200" cap="none" spc="0" normalizeH="0" baseline="0" noProof="0" dirty="0">
+                <a:ln>
+                  <a:noFill/>
+                </a:ln>
+                <a:effectLst/>
+                <a:uLnTx/>
+                <a:uFillTx/>
+                <a:latin typeface="Arial" panose="020B0604020202020204" pitchFamily="34" charset="0"/>
+                <a:cs typeface="Arial" panose="020B0604020202020204" pitchFamily="34" charset="0"/>
+              </a:rPr>
               <a:t>Write a driver file to create multiple instances of objects</a:t>
             </a:r>
           </a:p>
           <a:p>
-            <a:pPr marL="914400" lvl="1" indent="-457200" algn="l">
+            <a:pPr marL="914400" marR="0" lvl="1" indent="-457200" algn="l" defTabSz="914400" rtl="0" eaLnBrk="1" fontAlgn="auto" latinLnBrk="0" hangingPunct="1">
+              <a:lnSpc>
+                <a:spcPct val="90000"/>
+              </a:lnSpc>
+              <a:spcBef>
+                <a:spcPts val="500"/>
+              </a:spcBef>
+              <a:spcAft>
+                <a:spcPts val="0"/>
+              </a:spcAft>
+              <a:buClrTx/>
+              <a:buSzTx/>
               <a:buFont typeface="Arial" panose="020B0604020202020204" pitchFamily="34" charset="0"/>
               <a:buChar char="•"/>
+              <a:tabLst/>
+              <a:defRPr/>
             </a:pPr>
             <a:r>
-              <a:rPr lang="en-US" dirty="0"/>
+              <a:rPr kumimoji="0" lang="en-US" sz="2000" b="0" i="0" u="none" strike="noStrike" kern="1200" cap="none" spc="0" normalizeH="0" baseline="0" noProof="0" dirty="0">
+                <a:ln>
+                  <a:noFill/>
+                </a:ln>
+                <a:effectLst/>
+                <a:uLnTx/>
+                <a:uFillTx/>
+                <a:latin typeface="Arial" panose="020B0604020202020204" pitchFamily="34" charset="0"/>
+                <a:cs typeface="Arial" panose="020B0604020202020204" pitchFamily="34" charset="0"/>
+              </a:rPr>
               <a:t>e.g. </a:t>
             </a:r>
             <a:r>
-              <a:rPr lang="en-US" dirty="0" err="1">
-                <a:solidFill>
-                  <a:srgbClr val="0070C0"/>
-                </a:solidFill>
+              <a:rPr kumimoji="0" lang="en-US" sz="2000" b="0" i="0" u="none" strike="noStrike" kern="1200" cap="none" spc="0" normalizeH="0" baseline="0" noProof="0" dirty="0" err="1">
+                <a:ln>
+                  <a:noFill/>
+                </a:ln>
+                <a:solidFill>
+                  <a:srgbClr val="00B0F0"/>
+                </a:solidFill>
+                <a:effectLst/>
+                <a:uLnTx/>
+                <a:uFillTx/>
                 <a:latin typeface="Courier" pitchFamily="2" charset="0"/>
+                <a:cs typeface="Arial" panose="020B0604020202020204" pitchFamily="34" charset="0"/>
               </a:rPr>
               <a:t>BarrelOfMonkeysExample.m</a:t>
             </a:r>
             <a:r>
-              <a:rPr lang="en-US" dirty="0"/>
-              <a:t> creates 2 barrels, one with 5 monkeys inside, the other is originally empty, so I fill it</a:t>
-            </a:r>
-            <a:endParaRPr lang="en-US" dirty="0">
-              <a:solidFill>
-                <a:srgbClr val="0070C0"/>
-              </a:solidFill>
+              <a:rPr kumimoji="0" lang="en-US" sz="2000" b="0" i="0" u="none" strike="noStrike" kern="1200" cap="none" spc="0" normalizeH="0" baseline="0" noProof="0" dirty="0">
+                <a:ln>
+                  <a:noFill/>
+                </a:ln>
+                <a:solidFill>
+                  <a:sysClr val="windowText" lastClr="000000"/>
+                </a:solidFill>
+                <a:effectLst/>
+                <a:uLnTx/>
+                <a:uFillTx/>
+                <a:latin typeface="Arial" panose="020B0604020202020204" pitchFamily="34" charset="0"/>
+                <a:cs typeface="Arial" panose="020B0604020202020204" pitchFamily="34" charset="0"/>
+              </a:rPr>
+              <a:t> </a:t>
+            </a:r>
+            <a:r>
+              <a:rPr kumimoji="0" lang="en-US" sz="2000" b="0" i="0" u="none" strike="noStrike" kern="1200" cap="none" spc="0" normalizeH="0" baseline="0" noProof="0" dirty="0">
+                <a:ln>
+                  <a:noFill/>
+                </a:ln>
+                <a:effectLst/>
+                <a:uLnTx/>
+                <a:uFillTx/>
+                <a:cs typeface="Arial" panose="020B0604020202020204" pitchFamily="34" charset="0"/>
+              </a:rPr>
+              <a:t>creates 2 barrels, one with 5 monkeys inside, the other is originally empty, so I fill it</a:t>
+            </a:r>
+            <a:endParaRPr kumimoji="0" lang="en-US" sz="2000" b="0" i="0" u="none" strike="noStrike" kern="1200" cap="none" spc="0" normalizeH="0" baseline="0" noProof="0" dirty="0">
+              <a:ln>
+                <a:noFill/>
+              </a:ln>
+              <a:effectLst/>
+              <a:uLnTx/>
+              <a:uFillTx/>
               <a:latin typeface="Courier" pitchFamily="2" charset="0"/>
+              <a:cs typeface="Arial" panose="020B0604020202020204" pitchFamily="34" charset="0"/>
             </a:endParaRPr>
           </a:p>
         </p:txBody>
       </p:sp>
       <p:sp>
         <p:nvSpPr>
-          <p:cNvPr id="5" name="Slide Number Placeholder 4">
+          <p:cNvPr id="13" name="Slide Number Placeholder 12">
             <a:extLst>
               <a:ext uri="{FF2B5EF4-FFF2-40B4-BE49-F238E27FC236}">
-                <a16:creationId xmlns:a16="http://schemas.microsoft.com/office/drawing/2014/main" id="{10231D7A-DD6D-0B43-94F8-716B648B9F87}"/>
+                <a16:creationId xmlns:a16="http://schemas.microsoft.com/office/drawing/2014/main" id="{84C886BC-2602-2D4A-B979-BAAEA9015933}"/>
               </a:ext>
             </a:extLst>
           </p:cNvPr>
@@ -13963,15 +17036,10 @@
             <a:spLocks noGrp="1"/>
           </p:cNvSpPr>
           <p:nvPr>
-            <p:ph type="sldNum" sz="quarter" idx="11"/>
-          </p:nvPr>
-        </p:nvSpPr>
-        <p:spPr>
-          <a:xfrm>
-            <a:off x="11786838" y="5771480"/>
-            <a:ext cx="405161" cy="365125"/>
-          </a:xfrm>
-        </p:spPr>
+            <p:ph type="sldNum" sz="quarter" idx="10"/>
+          </p:nvPr>
+        </p:nvSpPr>
+        <p:spPr/>
         <p:txBody>
           <a:bodyPr/>
           <a:lstStyle/>
@@ -13987,7 +17055,7 @@
     </p:spTree>
     <p:extLst>
       <p:ext uri="{BB962C8B-B14F-4D97-AF65-F5344CB8AC3E}">
-        <p14:creationId xmlns:p14="http://schemas.microsoft.com/office/powerpoint/2010/main" val="3020385554"/>
+        <p14:creationId xmlns:p14="http://schemas.microsoft.com/office/powerpoint/2010/main" val="3104121941"/>
       </p:ext>
     </p:extLst>
   </p:cSld>
@@ -14283,12 +17351,25 @@
           <a:p>
             <a:r>
               <a:rPr lang="en-US" dirty="0">
-                <a:hlinkClick r:id="rId2"/>
+                <a:solidFill>
+                  <a:srgbClr val="0070C0"/>
+                </a:solidFill>
+                <a:hlinkClick r:id="rId2">
+                  <a:extLst>
+                    <a:ext uri="{A12FA001-AC4F-418D-AE19-62706E023703}">
+                      <ahyp:hlinkClr xmlns:ahyp="http://schemas.microsoft.com/office/drawing/2018/hyperlinkcolor" val="tx"/>
+                    </a:ext>
+                  </a:extLst>
+                </a:hlinkClick>
               </a:rPr>
               <a:t>https://github.com/saacuna/simEngine3D</a:t>
             </a:r>
             <a:r>
-              <a:rPr lang="en-US" dirty="0"/>
+              <a:rPr lang="en-US" dirty="0">
+                <a:solidFill>
+                  <a:srgbClr val="0070C0"/>
+                </a:solidFill>
+              </a:rPr>
               <a:t> </a:t>
             </a:r>
           </a:p>
